--- a/Documents/배열 구간 처리 알고리즘.pptx
+++ b/Documents/배열 구간 처리 알고리즘.pptx
@@ -7833,13 +7833,13 @@
           <a:p>
             <a:r>
               <a:rPr lang="ko-KR" altLang="en-US" dirty="0">
-                <a:hlinkClick r:id="rId5" action="ppaction://hlinkfile"/>
+                <a:hlinkClick r:id="rId5"/>
               </a:rPr>
               <a:t>수들의 합 </a:t>
             </a:r>
             <a:r>
               <a:rPr lang="en-US" altLang="ko-KR" dirty="0">
-                <a:hlinkClick r:id="rId5" action="ppaction://hlinkfile"/>
+                <a:hlinkClick r:id="rId5"/>
               </a:rPr>
               <a:t>5</a:t>
             </a:r>

--- a/Documents/배열 구간 처리 알고리즘.pptx
+++ b/Documents/배열 구간 처리 알고리즘.pptx
@@ -12,7 +12,10 @@
     <p:sldId id="261" r:id="rId6"/>
     <p:sldId id="262" r:id="rId7"/>
     <p:sldId id="263" r:id="rId8"/>
-    <p:sldId id="260" r:id="rId9"/>
+    <p:sldId id="264" r:id="rId9"/>
+    <p:sldId id="265" r:id="rId10"/>
+    <p:sldId id="267" r:id="rId11"/>
+    <p:sldId id="260" r:id="rId12"/>
   </p:sldIdLst>
   <p:sldSz cx="12192000" cy="6858000"/>
   <p:notesSz cx="6858000" cy="9144000"/>
@@ -266,7 +269,7 @@
           <a:p>
             <a:fld id="{65A9B928-B926-4726-B925-8AA4FF17755D}" type="datetimeFigureOut">
               <a:rPr lang="ko-KR" altLang="en-US" smtClean="0"/>
-              <a:t>2025-09-18</a:t>
+              <a:t>2025-09-19</a:t>
             </a:fld>
             <a:endParaRPr lang="ko-KR" altLang="en-US"/>
           </a:p>
@@ -464,7 +467,7 @@
           <a:p>
             <a:fld id="{65A9B928-B926-4726-B925-8AA4FF17755D}" type="datetimeFigureOut">
               <a:rPr lang="ko-KR" altLang="en-US" smtClean="0"/>
-              <a:t>2025-09-18</a:t>
+              <a:t>2025-09-19</a:t>
             </a:fld>
             <a:endParaRPr lang="ko-KR" altLang="en-US"/>
           </a:p>
@@ -672,7 +675,7 @@
           <a:p>
             <a:fld id="{65A9B928-B926-4726-B925-8AA4FF17755D}" type="datetimeFigureOut">
               <a:rPr lang="ko-KR" altLang="en-US" smtClean="0"/>
-              <a:t>2025-09-18</a:t>
+              <a:t>2025-09-19</a:t>
             </a:fld>
             <a:endParaRPr lang="ko-KR" altLang="en-US"/>
           </a:p>
@@ -870,7 +873,7 @@
           <a:p>
             <a:fld id="{65A9B928-B926-4726-B925-8AA4FF17755D}" type="datetimeFigureOut">
               <a:rPr lang="ko-KR" altLang="en-US" smtClean="0"/>
-              <a:t>2025-09-18</a:t>
+              <a:t>2025-09-19</a:t>
             </a:fld>
             <a:endParaRPr lang="ko-KR" altLang="en-US"/>
           </a:p>
@@ -1145,7 +1148,7 @@
           <a:p>
             <a:fld id="{65A9B928-B926-4726-B925-8AA4FF17755D}" type="datetimeFigureOut">
               <a:rPr lang="ko-KR" altLang="en-US" smtClean="0"/>
-              <a:t>2025-09-18</a:t>
+              <a:t>2025-09-19</a:t>
             </a:fld>
             <a:endParaRPr lang="ko-KR" altLang="en-US"/>
           </a:p>
@@ -1410,7 +1413,7 @@
           <a:p>
             <a:fld id="{65A9B928-B926-4726-B925-8AA4FF17755D}" type="datetimeFigureOut">
               <a:rPr lang="ko-KR" altLang="en-US" smtClean="0"/>
-              <a:t>2025-09-18</a:t>
+              <a:t>2025-09-19</a:t>
             </a:fld>
             <a:endParaRPr lang="ko-KR" altLang="en-US"/>
           </a:p>
@@ -1822,7 +1825,7 @@
           <a:p>
             <a:fld id="{65A9B928-B926-4726-B925-8AA4FF17755D}" type="datetimeFigureOut">
               <a:rPr lang="ko-KR" altLang="en-US" smtClean="0"/>
-              <a:t>2025-09-18</a:t>
+              <a:t>2025-09-19</a:t>
             </a:fld>
             <a:endParaRPr lang="ko-KR" altLang="en-US"/>
           </a:p>
@@ -1963,7 +1966,7 @@
           <a:p>
             <a:fld id="{65A9B928-B926-4726-B925-8AA4FF17755D}" type="datetimeFigureOut">
               <a:rPr lang="ko-KR" altLang="en-US" smtClean="0"/>
-              <a:t>2025-09-18</a:t>
+              <a:t>2025-09-19</a:t>
             </a:fld>
             <a:endParaRPr lang="ko-KR" altLang="en-US"/>
           </a:p>
@@ -2076,7 +2079,7 @@
           <a:p>
             <a:fld id="{65A9B928-B926-4726-B925-8AA4FF17755D}" type="datetimeFigureOut">
               <a:rPr lang="ko-KR" altLang="en-US" smtClean="0"/>
-              <a:t>2025-09-18</a:t>
+              <a:t>2025-09-19</a:t>
             </a:fld>
             <a:endParaRPr lang="ko-KR" altLang="en-US"/>
           </a:p>
@@ -2387,7 +2390,7 @@
           <a:p>
             <a:fld id="{65A9B928-B926-4726-B925-8AA4FF17755D}" type="datetimeFigureOut">
               <a:rPr lang="ko-KR" altLang="en-US" smtClean="0"/>
-              <a:t>2025-09-18</a:t>
+              <a:t>2025-09-19</a:t>
             </a:fld>
             <a:endParaRPr lang="ko-KR" altLang="en-US"/>
           </a:p>
@@ -2675,7 +2678,7 @@
           <a:p>
             <a:fld id="{65A9B928-B926-4726-B925-8AA4FF17755D}" type="datetimeFigureOut">
               <a:rPr lang="ko-KR" altLang="en-US" smtClean="0"/>
-              <a:t>2025-09-18</a:t>
+              <a:t>2025-09-19</a:t>
             </a:fld>
             <a:endParaRPr lang="ko-KR" altLang="en-US"/>
           </a:p>
@@ -2916,7 +2919,7 @@
           <a:p>
             <a:fld id="{65A9B928-B926-4726-B925-8AA4FF17755D}" type="datetimeFigureOut">
               <a:rPr lang="ko-KR" altLang="en-US" smtClean="0"/>
-              <a:t>2025-09-18</a:t>
+              <a:t>2025-09-19</a:t>
             </a:fld>
             <a:endParaRPr lang="ko-KR" altLang="en-US"/>
           </a:p>
@@ -3423,6 +3426,2389 @@
 </p:sld>
 </file>
 
+<file path=ppt/slides/slide10.xml><?xml version="1.0" encoding="utf-8"?>
+<p:sld xmlns:a="http://schemas.openxmlformats.org/drawingml/2006/main" xmlns:r="http://schemas.openxmlformats.org/officeDocument/2006/relationships" xmlns:p="http://schemas.openxmlformats.org/presentationml/2006/main">
+  <p:cSld>
+    <p:spTree>
+      <p:nvGrpSpPr>
+        <p:cNvPr id="1" name=""/>
+        <p:cNvGrpSpPr/>
+        <p:nvPr/>
+      </p:nvGrpSpPr>
+      <p:grpSpPr>
+        <a:xfrm>
+          <a:off x="0" y="0"/>
+          <a:ext cx="0" cy="0"/>
+          <a:chOff x="0" y="0"/>
+          <a:chExt cx="0" cy="0"/>
+        </a:xfrm>
+      </p:grpSpPr>
+      <p:sp>
+        <p:nvSpPr>
+          <p:cNvPr id="2" name="제목 1">
+            <a:extLst>
+              <a:ext uri="{FF2B5EF4-FFF2-40B4-BE49-F238E27FC236}">
+                <a16:creationId xmlns:a16="http://schemas.microsoft.com/office/drawing/2014/main" id="{86560F41-F91A-EFD0-C590-0D2EE8D06C25}"/>
+              </a:ext>
+            </a:extLst>
+          </p:cNvPr>
+          <p:cNvSpPr>
+            <a:spLocks noGrp="1"/>
+          </p:cNvSpPr>
+          <p:nvPr>
+            <p:ph type="title"/>
+          </p:nvPr>
+        </p:nvSpPr>
+        <p:spPr/>
+        <p:txBody>
+          <a:bodyPr/>
+          <a:lstStyle/>
+          <a:p>
+            <a:r>
+              <a:rPr lang="ko-KR" altLang="en-US" dirty="0"/>
+              <a:t>윈도우 </a:t>
+            </a:r>
+            <a:r>
+              <a:rPr lang="en-US" altLang="ko-KR" dirty="0"/>
+              <a:t>index </a:t>
+            </a:r>
+            <a:r>
+              <a:rPr lang="ko-KR" altLang="en-US" dirty="0"/>
+              <a:t>까지 처리하기</a:t>
+            </a:r>
+          </a:p>
+        </p:txBody>
+      </p:sp>
+      <p:graphicFrame>
+        <p:nvGraphicFramePr>
+          <p:cNvPr id="9" name="표 8">
+            <a:extLst>
+              <a:ext uri="{FF2B5EF4-FFF2-40B4-BE49-F238E27FC236}">
+                <a16:creationId xmlns:a16="http://schemas.microsoft.com/office/drawing/2014/main" id="{DF0DACE6-237D-C26B-C5DA-E9DF7A8882B5}"/>
+              </a:ext>
+            </a:extLst>
+          </p:cNvPr>
+          <p:cNvGraphicFramePr>
+            <a:graphicFrameLocks noGrp="1"/>
+          </p:cNvGraphicFramePr>
+          <p:nvPr>
+            <p:extLst>
+              <p:ext uri="{D42A27DB-BD31-4B8C-83A1-F6EECF244321}">
+                <p14:modId xmlns:p14="http://schemas.microsoft.com/office/powerpoint/2010/main" val="3035824956"/>
+              </p:ext>
+            </p:extLst>
+          </p:nvPr>
+        </p:nvGraphicFramePr>
+        <p:xfrm>
+          <a:off x="838200" y="3397025"/>
+          <a:ext cx="9313336" cy="2223994"/>
+        </p:xfrm>
+        <a:graphic>
+          <a:graphicData uri="http://schemas.openxmlformats.org/drawingml/2006/table">
+            <a:tbl>
+              <a:tblPr/>
+              <a:tblGrid>
+                <a:gridCol w="1164167">
+                  <a:extLst>
+                    <a:ext uri="{9D8B030D-6E8A-4147-A177-3AD203B41FA5}">
+                      <a16:colId xmlns:a16="http://schemas.microsoft.com/office/drawing/2014/main" val="2995040953"/>
+                    </a:ext>
+                  </a:extLst>
+                </a:gridCol>
+                <a:gridCol w="1164167">
+                  <a:extLst>
+                    <a:ext uri="{9D8B030D-6E8A-4147-A177-3AD203B41FA5}">
+                      <a16:colId xmlns:a16="http://schemas.microsoft.com/office/drawing/2014/main" val="3351398233"/>
+                    </a:ext>
+                  </a:extLst>
+                </a:gridCol>
+                <a:gridCol w="1164167">
+                  <a:extLst>
+                    <a:ext uri="{9D8B030D-6E8A-4147-A177-3AD203B41FA5}">
+                      <a16:colId xmlns:a16="http://schemas.microsoft.com/office/drawing/2014/main" val="762148608"/>
+                    </a:ext>
+                  </a:extLst>
+                </a:gridCol>
+                <a:gridCol w="1164167">
+                  <a:extLst>
+                    <a:ext uri="{9D8B030D-6E8A-4147-A177-3AD203B41FA5}">
+                      <a16:colId xmlns:a16="http://schemas.microsoft.com/office/drawing/2014/main" val="3867826647"/>
+                    </a:ext>
+                  </a:extLst>
+                </a:gridCol>
+                <a:gridCol w="1164167">
+                  <a:extLst>
+                    <a:ext uri="{9D8B030D-6E8A-4147-A177-3AD203B41FA5}">
+                      <a16:colId xmlns:a16="http://schemas.microsoft.com/office/drawing/2014/main" val="3021342628"/>
+                    </a:ext>
+                  </a:extLst>
+                </a:gridCol>
+                <a:gridCol w="1164167">
+                  <a:extLst>
+                    <a:ext uri="{9D8B030D-6E8A-4147-A177-3AD203B41FA5}">
+                      <a16:colId xmlns:a16="http://schemas.microsoft.com/office/drawing/2014/main" val="1834049660"/>
+                    </a:ext>
+                  </a:extLst>
+                </a:gridCol>
+                <a:gridCol w="1164167">
+                  <a:extLst>
+                    <a:ext uri="{9D8B030D-6E8A-4147-A177-3AD203B41FA5}">
+                      <a16:colId xmlns:a16="http://schemas.microsoft.com/office/drawing/2014/main" val="1201368893"/>
+                    </a:ext>
+                  </a:extLst>
+                </a:gridCol>
+                <a:gridCol w="1164167">
+                  <a:extLst>
+                    <a:ext uri="{9D8B030D-6E8A-4147-A177-3AD203B41FA5}">
+                      <a16:colId xmlns:a16="http://schemas.microsoft.com/office/drawing/2014/main" val="1085217568"/>
+                    </a:ext>
+                  </a:extLst>
+                </a:gridCol>
+              </a:tblGrid>
+              <a:tr h="414779">
+                <a:tc>
+                  <a:txBody>
+                    <a:bodyPr/>
+                    <a:lstStyle/>
+                    <a:p>
+                      <a:pPr>
+                        <a:buNone/>
+                      </a:pPr>
+                      <a:r>
+                        <a:rPr lang="en-US" sz="1200" dirty="0"/>
+                        <a:t>i (</a:t>
+                      </a:r>
+                      <a:r>
+                        <a:rPr lang="ko-KR" altLang="en-US" sz="1200" dirty="0"/>
+                        <a:t>인덱스</a:t>
+                      </a:r>
+                      <a:r>
+                        <a:rPr lang="en-US" altLang="ko-KR" sz="1200" dirty="0"/>
+                        <a:t>)</a:t>
+                      </a:r>
+                      <a:endParaRPr lang="en-US" sz="1200" dirty="0"/>
+                    </a:p>
+                  </a:txBody>
+                  <a:tcPr marL="90653" marR="90653" marT="45326" marB="45326" anchor="ctr">
+                    <a:lnL>
+                      <a:noFill/>
+                    </a:lnL>
+                    <a:lnR>
+                      <a:noFill/>
+                    </a:lnR>
+                    <a:lnT>
+                      <a:noFill/>
+                    </a:lnT>
+                    <a:lnB>
+                      <a:noFill/>
+                    </a:lnB>
+                    <a:noFill/>
+                  </a:tcPr>
+                </a:tc>
+                <a:tc>
+                  <a:txBody>
+                    <a:bodyPr/>
+                    <a:lstStyle/>
+                    <a:p>
+                      <a:pPr>
+                        <a:buNone/>
+                      </a:pPr>
+                      <a:r>
+                        <a:rPr lang="en-US" sz="1200" dirty="0"/>
+                        <a:t>x (</a:t>
+                      </a:r>
+                      <a:r>
+                        <a:rPr lang="ko-KR" altLang="en-US" sz="1200" dirty="0"/>
+                        <a:t>값</a:t>
+                      </a:r>
+                      <a:r>
+                        <a:rPr lang="en-US" altLang="ko-KR" sz="1200" dirty="0"/>
+                        <a:t>)</a:t>
+                      </a:r>
+                      <a:endParaRPr lang="en-US" sz="1200" dirty="0"/>
+                    </a:p>
+                  </a:txBody>
+                  <a:tcPr marL="90653" marR="90653" marT="45326" marB="45326" anchor="ctr">
+                    <a:lnL>
+                      <a:noFill/>
+                    </a:lnL>
+                    <a:lnR>
+                      <a:noFill/>
+                    </a:lnR>
+                    <a:lnT>
+                      <a:noFill/>
+                    </a:lnT>
+                    <a:lnB>
+                      <a:noFill/>
+                    </a:lnB>
+                    <a:noFill/>
+                  </a:tcPr>
+                </a:tc>
+                <a:tc>
+                  <a:txBody>
+                    <a:bodyPr/>
+                    <a:lstStyle/>
+                    <a:p>
+                      <a:pPr>
+                        <a:buNone/>
+                      </a:pPr>
+                      <a:r>
+                        <a:rPr lang="ko-KR" altLang="en-US" sz="1200"/>
+                        <a:t>덱</a:t>
+                      </a:r>
+                      <a:r>
+                        <a:rPr lang="en-US" altLang="ko-KR" sz="1200"/>
+                        <a:t>(</a:t>
+                      </a:r>
+                      <a:r>
+                        <a:rPr lang="ko-KR" altLang="en-US" sz="1200"/>
+                        <a:t>값</a:t>
+                      </a:r>
+                      <a:r>
+                        <a:rPr lang="en-US" altLang="ko-KR" sz="1200"/>
+                        <a:t>,</a:t>
+                      </a:r>
+                      <a:r>
+                        <a:rPr lang="ko-KR" altLang="en-US" sz="1200"/>
+                        <a:t>인덱스</a:t>
+                      </a:r>
+                      <a:r>
+                        <a:rPr lang="en-US" altLang="ko-KR" sz="1200"/>
+                        <a:t>) </a:t>
+                      </a:r>
+                      <a:r>
+                        <a:rPr lang="ko-KR" altLang="en-US" sz="1200"/>
+                        <a:t>처리 전</a:t>
+                      </a:r>
+                    </a:p>
+                  </a:txBody>
+                  <a:tcPr marL="90653" marR="90653" marT="45326" marB="45326" anchor="ctr">
+                    <a:lnL>
+                      <a:noFill/>
+                    </a:lnL>
+                    <a:lnR>
+                      <a:noFill/>
+                    </a:lnR>
+                    <a:lnT>
+                      <a:noFill/>
+                    </a:lnT>
+                    <a:lnB>
+                      <a:noFill/>
+                    </a:lnB>
+                    <a:noFill/>
+                  </a:tcPr>
+                </a:tc>
+                <a:tc>
+                  <a:txBody>
+                    <a:bodyPr/>
+                    <a:lstStyle/>
+                    <a:p>
+                      <a:pPr>
+                        <a:buNone/>
+                      </a:pPr>
+                      <a:r>
+                        <a:rPr lang="ko-KR" altLang="en-US" sz="1200"/>
+                        <a:t>뒤에서 비교</a:t>
+                      </a:r>
+                      <a:r>
+                        <a:rPr lang="en-US" altLang="ko-KR" sz="1200"/>
+                        <a:t>(</a:t>
+                      </a:r>
+                      <a:r>
+                        <a:rPr lang="ko-KR" altLang="en-US" sz="1200"/>
+                        <a:t>맨 뒤 </a:t>
+                      </a:r>
+                      <a:r>
+                        <a:rPr lang="en-US" altLang="ko-KR" sz="1200"/>
+                        <a:t>vs x)</a:t>
+                      </a:r>
+                    </a:p>
+                  </a:txBody>
+                  <a:tcPr marL="90653" marR="90653" marT="45326" marB="45326" anchor="ctr">
+                    <a:lnL>
+                      <a:noFill/>
+                    </a:lnL>
+                    <a:lnR>
+                      <a:noFill/>
+                    </a:lnR>
+                    <a:lnT>
+                      <a:noFill/>
+                    </a:lnT>
+                    <a:lnB>
+                      <a:noFill/>
+                    </a:lnB>
+                    <a:noFill/>
+                  </a:tcPr>
+                </a:tc>
+                <a:tc>
+                  <a:txBody>
+                    <a:bodyPr/>
+                    <a:lstStyle/>
+                    <a:p>
+                      <a:pPr>
+                        <a:buNone/>
+                      </a:pPr>
+                      <a:r>
+                        <a:rPr lang="ko-KR" altLang="en-US" sz="1200"/>
+                        <a:t>삽입 후 덱</a:t>
+                      </a:r>
+                    </a:p>
+                  </a:txBody>
+                  <a:tcPr marL="90653" marR="90653" marT="45326" marB="45326" anchor="ctr">
+                    <a:lnL>
+                      <a:noFill/>
+                    </a:lnL>
+                    <a:lnR>
+                      <a:noFill/>
+                    </a:lnR>
+                    <a:lnT>
+                      <a:noFill/>
+                    </a:lnT>
+                    <a:lnB>
+                      <a:noFill/>
+                    </a:lnB>
+                    <a:noFill/>
+                  </a:tcPr>
+                </a:tc>
+                <a:tc>
+                  <a:txBody>
+                    <a:bodyPr/>
+                    <a:lstStyle/>
+                    <a:p>
+                      <a:pPr>
+                        <a:buNone/>
+                      </a:pPr>
+                      <a:r>
+                        <a:rPr lang="ko-KR" altLang="en-US" sz="1200"/>
+                        <a:t>윈도우 밖 제거</a:t>
+                      </a:r>
+                    </a:p>
+                  </a:txBody>
+                  <a:tcPr marL="90653" marR="90653" marT="45326" marB="45326" anchor="ctr">
+                    <a:lnL>
+                      <a:noFill/>
+                    </a:lnL>
+                    <a:lnR>
+                      <a:noFill/>
+                    </a:lnR>
+                    <a:lnT>
+                      <a:noFill/>
+                    </a:lnT>
+                    <a:lnB>
+                      <a:noFill/>
+                    </a:lnB>
+                    <a:noFill/>
+                  </a:tcPr>
+                </a:tc>
+                <a:tc>
+                  <a:txBody>
+                    <a:bodyPr/>
+                    <a:lstStyle/>
+                    <a:p>
+                      <a:pPr>
+                        <a:buNone/>
+                      </a:pPr>
+                      <a:r>
+                        <a:rPr lang="ko-KR" altLang="en-US" sz="1200"/>
+                        <a:t>최종 덱</a:t>
+                      </a:r>
+                    </a:p>
+                  </a:txBody>
+                  <a:tcPr marL="90653" marR="90653" marT="45326" marB="45326" anchor="ctr">
+                    <a:lnL>
+                      <a:noFill/>
+                    </a:lnL>
+                    <a:lnR>
+                      <a:noFill/>
+                    </a:lnR>
+                    <a:lnT>
+                      <a:noFill/>
+                    </a:lnT>
+                    <a:lnB>
+                      <a:noFill/>
+                    </a:lnB>
+                    <a:noFill/>
+                  </a:tcPr>
+                </a:tc>
+                <a:tc>
+                  <a:txBody>
+                    <a:bodyPr/>
+                    <a:lstStyle/>
+                    <a:p>
+                      <a:pPr>
+                        <a:buNone/>
+                      </a:pPr>
+                      <a:r>
+                        <a:rPr lang="ko-KR" altLang="en-US" sz="1200"/>
+                        <a:t>최소</a:t>
+                      </a:r>
+                    </a:p>
+                  </a:txBody>
+                  <a:tcPr marL="90653" marR="90653" marT="45326" marB="45326" anchor="ctr">
+                    <a:lnL>
+                      <a:noFill/>
+                    </a:lnL>
+                    <a:lnR>
+                      <a:noFill/>
+                    </a:lnR>
+                    <a:lnT>
+                      <a:noFill/>
+                    </a:lnT>
+                    <a:lnB>
+                      <a:noFill/>
+                    </a:lnB>
+                    <a:noFill/>
+                  </a:tcPr>
+                </a:tc>
+                <a:extLst>
+                  <a:ext uri="{0D108BD9-81ED-4DB2-BD59-A6C34878D82A}">
+                    <a16:rowId xmlns:a16="http://schemas.microsoft.com/office/drawing/2014/main" val="3588105260"/>
+                  </a:ext>
+                </a:extLst>
+              </a:tr>
+              <a:tr h="174328">
+                <a:tc>
+                  <a:txBody>
+                    <a:bodyPr/>
+                    <a:lstStyle/>
+                    <a:p>
+                      <a:pPr>
+                        <a:buNone/>
+                      </a:pPr>
+                      <a:r>
+                        <a:rPr lang="en-US" altLang="ko-KR" sz="1200"/>
+                        <a:t>0</a:t>
+                      </a:r>
+                    </a:p>
+                  </a:txBody>
+                  <a:tcPr marL="90653" marR="90653" marT="45326" marB="45326" anchor="ctr">
+                    <a:lnL>
+                      <a:noFill/>
+                    </a:lnL>
+                    <a:lnR>
+                      <a:noFill/>
+                    </a:lnR>
+                    <a:lnT>
+                      <a:noFill/>
+                    </a:lnT>
+                    <a:lnB>
+                      <a:noFill/>
+                    </a:lnB>
+                    <a:noFill/>
+                  </a:tcPr>
+                </a:tc>
+                <a:tc>
+                  <a:txBody>
+                    <a:bodyPr/>
+                    <a:lstStyle/>
+                    <a:p>
+                      <a:pPr>
+                        <a:buNone/>
+                      </a:pPr>
+                      <a:r>
+                        <a:rPr lang="en-US" altLang="ko-KR" sz="1200"/>
+                        <a:t>5</a:t>
+                      </a:r>
+                    </a:p>
+                  </a:txBody>
+                  <a:tcPr marL="90653" marR="90653" marT="45326" marB="45326" anchor="ctr">
+                    <a:lnL>
+                      <a:noFill/>
+                    </a:lnL>
+                    <a:lnR>
+                      <a:noFill/>
+                    </a:lnR>
+                    <a:lnT>
+                      <a:noFill/>
+                    </a:lnT>
+                    <a:lnB>
+                      <a:noFill/>
+                    </a:lnB>
+                    <a:noFill/>
+                  </a:tcPr>
+                </a:tc>
+                <a:tc>
+                  <a:txBody>
+                    <a:bodyPr/>
+                    <a:lstStyle/>
+                    <a:p>
+                      <a:pPr>
+                        <a:buNone/>
+                      </a:pPr>
+                      <a:r>
+                        <a:rPr lang="en-US" altLang="ko-KR" sz="1200"/>
+                        <a:t>[]</a:t>
+                      </a:r>
+                    </a:p>
+                  </a:txBody>
+                  <a:tcPr marL="90653" marR="90653" marT="45326" marB="45326" anchor="ctr">
+                    <a:lnL>
+                      <a:noFill/>
+                    </a:lnL>
+                    <a:lnR>
+                      <a:noFill/>
+                    </a:lnR>
+                    <a:lnT>
+                      <a:noFill/>
+                    </a:lnT>
+                    <a:lnB>
+                      <a:noFill/>
+                    </a:lnB>
+                    <a:noFill/>
+                  </a:tcPr>
+                </a:tc>
+                <a:tc>
+                  <a:txBody>
+                    <a:bodyPr/>
+                    <a:lstStyle/>
+                    <a:p>
+                      <a:pPr>
+                        <a:buNone/>
+                      </a:pPr>
+                      <a:r>
+                        <a:rPr lang="en-US" altLang="ko-KR" sz="1200"/>
+                        <a:t>—</a:t>
+                      </a:r>
+                    </a:p>
+                  </a:txBody>
+                  <a:tcPr marL="90653" marR="90653" marT="45326" marB="45326" anchor="ctr">
+                    <a:lnL>
+                      <a:noFill/>
+                    </a:lnL>
+                    <a:lnR>
+                      <a:noFill/>
+                    </a:lnR>
+                    <a:lnT>
+                      <a:noFill/>
+                    </a:lnT>
+                    <a:lnB>
+                      <a:noFill/>
+                    </a:lnB>
+                    <a:noFill/>
+                  </a:tcPr>
+                </a:tc>
+                <a:tc>
+                  <a:txBody>
+                    <a:bodyPr/>
+                    <a:lstStyle/>
+                    <a:p>
+                      <a:pPr>
+                        <a:buNone/>
+                      </a:pPr>
+                      <a:r>
+                        <a:rPr lang="en-US" altLang="ko-KR" sz="1200"/>
+                        <a:t>[ (5,0) ]</a:t>
+                      </a:r>
+                    </a:p>
+                  </a:txBody>
+                  <a:tcPr marL="90653" marR="90653" marT="45326" marB="45326" anchor="ctr">
+                    <a:lnL>
+                      <a:noFill/>
+                    </a:lnL>
+                    <a:lnR>
+                      <a:noFill/>
+                    </a:lnR>
+                    <a:lnT>
+                      <a:noFill/>
+                    </a:lnT>
+                    <a:lnB>
+                      <a:noFill/>
+                    </a:lnB>
+                    <a:noFill/>
+                  </a:tcPr>
+                </a:tc>
+                <a:tc>
+                  <a:txBody>
+                    <a:bodyPr/>
+                    <a:lstStyle/>
+                    <a:p>
+                      <a:pPr>
+                        <a:buNone/>
+                      </a:pPr>
+                      <a:r>
+                        <a:rPr lang="en-US" altLang="ko-KR" sz="1200"/>
+                        <a:t>—</a:t>
+                      </a:r>
+                    </a:p>
+                  </a:txBody>
+                  <a:tcPr marL="90653" marR="90653" marT="45326" marB="45326" anchor="ctr">
+                    <a:lnL>
+                      <a:noFill/>
+                    </a:lnL>
+                    <a:lnR>
+                      <a:noFill/>
+                    </a:lnR>
+                    <a:lnT>
+                      <a:noFill/>
+                    </a:lnT>
+                    <a:lnB>
+                      <a:noFill/>
+                    </a:lnB>
+                    <a:noFill/>
+                  </a:tcPr>
+                </a:tc>
+                <a:tc>
+                  <a:txBody>
+                    <a:bodyPr/>
+                    <a:lstStyle/>
+                    <a:p>
+                      <a:pPr>
+                        <a:buNone/>
+                      </a:pPr>
+                      <a:r>
+                        <a:rPr lang="en-US" altLang="ko-KR" sz="1200"/>
+                        <a:t>[ (5,0) ]</a:t>
+                      </a:r>
+                    </a:p>
+                  </a:txBody>
+                  <a:tcPr marL="90653" marR="90653" marT="45326" marB="45326" anchor="ctr">
+                    <a:lnL>
+                      <a:noFill/>
+                    </a:lnL>
+                    <a:lnR>
+                      <a:noFill/>
+                    </a:lnR>
+                    <a:lnT>
+                      <a:noFill/>
+                    </a:lnT>
+                    <a:lnB>
+                      <a:noFill/>
+                    </a:lnB>
+                    <a:noFill/>
+                  </a:tcPr>
+                </a:tc>
+                <a:tc>
+                  <a:txBody>
+                    <a:bodyPr/>
+                    <a:lstStyle/>
+                    <a:p>
+                      <a:pPr>
+                        <a:buNone/>
+                      </a:pPr>
+                      <a:r>
+                        <a:rPr lang="en-US" altLang="ko-KR" sz="1200"/>
+                        <a:t>5</a:t>
+                      </a:r>
+                    </a:p>
+                  </a:txBody>
+                  <a:tcPr marL="90653" marR="90653" marT="45326" marB="45326" anchor="ctr">
+                    <a:lnL>
+                      <a:noFill/>
+                    </a:lnL>
+                    <a:lnR>
+                      <a:noFill/>
+                    </a:lnR>
+                    <a:lnT>
+                      <a:noFill/>
+                    </a:lnT>
+                    <a:lnB>
+                      <a:noFill/>
+                    </a:lnB>
+                    <a:noFill/>
+                  </a:tcPr>
+                </a:tc>
+                <a:extLst>
+                  <a:ext uri="{0D108BD9-81ED-4DB2-BD59-A6C34878D82A}">
+                    <a16:rowId xmlns:a16="http://schemas.microsoft.com/office/drawing/2014/main" val="3822135602"/>
+                  </a:ext>
+                </a:extLst>
+              </a:tr>
+              <a:tr h="290345">
+                <a:tc>
+                  <a:txBody>
+                    <a:bodyPr/>
+                    <a:lstStyle/>
+                    <a:p>
+                      <a:pPr>
+                        <a:buNone/>
+                      </a:pPr>
+                      <a:r>
+                        <a:rPr lang="en-US" altLang="ko-KR" sz="1200"/>
+                        <a:t>1</a:t>
+                      </a:r>
+                    </a:p>
+                  </a:txBody>
+                  <a:tcPr marL="90653" marR="90653" marT="45326" marB="45326" anchor="ctr">
+                    <a:lnL>
+                      <a:noFill/>
+                    </a:lnL>
+                    <a:lnR>
+                      <a:noFill/>
+                    </a:lnR>
+                    <a:lnT>
+                      <a:noFill/>
+                    </a:lnT>
+                    <a:lnB>
+                      <a:noFill/>
+                    </a:lnB>
+                    <a:noFill/>
+                  </a:tcPr>
+                </a:tc>
+                <a:tc>
+                  <a:txBody>
+                    <a:bodyPr/>
+                    <a:lstStyle/>
+                    <a:p>
+                      <a:pPr>
+                        <a:buNone/>
+                      </a:pPr>
+                      <a:r>
+                        <a:rPr lang="en-US" altLang="ko-KR" sz="1200"/>
+                        <a:t>3</a:t>
+                      </a:r>
+                    </a:p>
+                  </a:txBody>
+                  <a:tcPr marL="90653" marR="90653" marT="45326" marB="45326" anchor="ctr">
+                    <a:lnL>
+                      <a:noFill/>
+                    </a:lnL>
+                    <a:lnR>
+                      <a:noFill/>
+                    </a:lnR>
+                    <a:lnT>
+                      <a:noFill/>
+                    </a:lnT>
+                    <a:lnB>
+                      <a:noFill/>
+                    </a:lnB>
+                    <a:noFill/>
+                  </a:tcPr>
+                </a:tc>
+                <a:tc>
+                  <a:txBody>
+                    <a:bodyPr/>
+                    <a:lstStyle/>
+                    <a:p>
+                      <a:pPr>
+                        <a:buNone/>
+                      </a:pPr>
+                      <a:r>
+                        <a:rPr lang="en-US" altLang="ko-KR" sz="1200"/>
+                        <a:t>[ (5,0) ]</a:t>
+                      </a:r>
+                    </a:p>
+                  </a:txBody>
+                  <a:tcPr marL="90653" marR="90653" marT="45326" marB="45326" anchor="ctr">
+                    <a:lnL>
+                      <a:noFill/>
+                    </a:lnL>
+                    <a:lnR>
+                      <a:noFill/>
+                    </a:lnR>
+                    <a:lnT>
+                      <a:noFill/>
+                    </a:lnT>
+                    <a:lnB>
+                      <a:noFill/>
+                    </a:lnB>
+                    <a:noFill/>
+                  </a:tcPr>
+                </a:tc>
+                <a:tc>
+                  <a:txBody>
+                    <a:bodyPr/>
+                    <a:lstStyle/>
+                    <a:p>
+                      <a:pPr>
+                        <a:buNone/>
+                      </a:pPr>
+                      <a:r>
+                        <a:rPr lang="en-US" sz="1200"/>
+                        <a:t>5&gt;3 → </a:t>
+                      </a:r>
+                      <a:r>
+                        <a:rPr lang="en-US" sz="1200" b="1"/>
+                        <a:t>pop</a:t>
+                      </a:r>
+                      <a:endParaRPr lang="en-US" sz="1200"/>
+                    </a:p>
+                  </a:txBody>
+                  <a:tcPr marL="90653" marR="90653" marT="45326" marB="45326" anchor="ctr">
+                    <a:lnL>
+                      <a:noFill/>
+                    </a:lnL>
+                    <a:lnR>
+                      <a:noFill/>
+                    </a:lnR>
+                    <a:lnT>
+                      <a:noFill/>
+                    </a:lnT>
+                    <a:lnB>
+                      <a:noFill/>
+                    </a:lnB>
+                    <a:noFill/>
+                  </a:tcPr>
+                </a:tc>
+                <a:tc>
+                  <a:txBody>
+                    <a:bodyPr/>
+                    <a:lstStyle/>
+                    <a:p>
+                      <a:pPr>
+                        <a:buNone/>
+                      </a:pPr>
+                      <a:r>
+                        <a:rPr lang="en-US" altLang="ko-KR" sz="1200" dirty="0"/>
+                        <a:t>[ (3,1) ]</a:t>
+                      </a:r>
+                    </a:p>
+                  </a:txBody>
+                  <a:tcPr marL="90653" marR="90653" marT="45326" marB="45326" anchor="ctr">
+                    <a:lnL>
+                      <a:noFill/>
+                    </a:lnL>
+                    <a:lnR>
+                      <a:noFill/>
+                    </a:lnR>
+                    <a:lnT>
+                      <a:noFill/>
+                    </a:lnT>
+                    <a:lnB>
+                      <a:noFill/>
+                    </a:lnB>
+                    <a:noFill/>
+                  </a:tcPr>
+                </a:tc>
+                <a:tc>
+                  <a:txBody>
+                    <a:bodyPr/>
+                    <a:lstStyle/>
+                    <a:p>
+                      <a:pPr>
+                        <a:buNone/>
+                      </a:pPr>
+                      <a:r>
+                        <a:rPr lang="en-US" altLang="ko-KR" sz="1200"/>
+                        <a:t>—</a:t>
+                      </a:r>
+                    </a:p>
+                  </a:txBody>
+                  <a:tcPr marL="90653" marR="90653" marT="45326" marB="45326" anchor="ctr">
+                    <a:lnL>
+                      <a:noFill/>
+                    </a:lnL>
+                    <a:lnR>
+                      <a:noFill/>
+                    </a:lnR>
+                    <a:lnT>
+                      <a:noFill/>
+                    </a:lnT>
+                    <a:lnB>
+                      <a:noFill/>
+                    </a:lnB>
+                    <a:noFill/>
+                  </a:tcPr>
+                </a:tc>
+                <a:tc>
+                  <a:txBody>
+                    <a:bodyPr/>
+                    <a:lstStyle/>
+                    <a:p>
+                      <a:pPr>
+                        <a:buNone/>
+                      </a:pPr>
+                      <a:r>
+                        <a:rPr lang="en-US" altLang="ko-KR" sz="1200"/>
+                        <a:t>[ (3,1) ]</a:t>
+                      </a:r>
+                    </a:p>
+                  </a:txBody>
+                  <a:tcPr marL="90653" marR="90653" marT="45326" marB="45326" anchor="ctr">
+                    <a:lnL>
+                      <a:noFill/>
+                    </a:lnL>
+                    <a:lnR>
+                      <a:noFill/>
+                    </a:lnR>
+                    <a:lnT>
+                      <a:noFill/>
+                    </a:lnT>
+                    <a:lnB>
+                      <a:noFill/>
+                    </a:lnB>
+                    <a:noFill/>
+                  </a:tcPr>
+                </a:tc>
+                <a:tc>
+                  <a:txBody>
+                    <a:bodyPr/>
+                    <a:lstStyle/>
+                    <a:p>
+                      <a:pPr>
+                        <a:buNone/>
+                      </a:pPr>
+                      <a:r>
+                        <a:rPr lang="en-US" altLang="ko-KR" sz="1200"/>
+                        <a:t>3</a:t>
+                      </a:r>
+                    </a:p>
+                  </a:txBody>
+                  <a:tcPr marL="90653" marR="90653" marT="45326" marB="45326" anchor="ctr">
+                    <a:lnL>
+                      <a:noFill/>
+                    </a:lnL>
+                    <a:lnR>
+                      <a:noFill/>
+                    </a:lnR>
+                    <a:lnT>
+                      <a:noFill/>
+                    </a:lnT>
+                    <a:lnB>
+                      <a:noFill/>
+                    </a:lnB>
+                    <a:noFill/>
+                  </a:tcPr>
+                </a:tc>
+                <a:extLst>
+                  <a:ext uri="{0D108BD9-81ED-4DB2-BD59-A6C34878D82A}">
+                    <a16:rowId xmlns:a16="http://schemas.microsoft.com/office/drawing/2014/main" val="2905205882"/>
+                  </a:ext>
+                </a:extLst>
+              </a:tr>
+              <a:tr h="290881">
+                <a:tc>
+                  <a:txBody>
+                    <a:bodyPr/>
+                    <a:lstStyle/>
+                    <a:p>
+                      <a:pPr>
+                        <a:buNone/>
+                      </a:pPr>
+                      <a:r>
+                        <a:rPr lang="en-US" altLang="ko-KR" sz="1200"/>
+                        <a:t>2</a:t>
+                      </a:r>
+                    </a:p>
+                  </a:txBody>
+                  <a:tcPr marL="90653" marR="90653" marT="45326" marB="45326" anchor="ctr">
+                    <a:lnL>
+                      <a:noFill/>
+                    </a:lnL>
+                    <a:lnR>
+                      <a:noFill/>
+                    </a:lnR>
+                    <a:lnT>
+                      <a:noFill/>
+                    </a:lnT>
+                    <a:lnB>
+                      <a:noFill/>
+                    </a:lnB>
+                    <a:noFill/>
+                  </a:tcPr>
+                </a:tc>
+                <a:tc>
+                  <a:txBody>
+                    <a:bodyPr/>
+                    <a:lstStyle/>
+                    <a:p>
+                      <a:pPr>
+                        <a:buNone/>
+                      </a:pPr>
+                      <a:r>
+                        <a:rPr lang="en-US" altLang="ko-KR" sz="1200"/>
+                        <a:t>8</a:t>
+                      </a:r>
+                    </a:p>
+                  </a:txBody>
+                  <a:tcPr marL="90653" marR="90653" marT="45326" marB="45326" anchor="ctr">
+                    <a:lnL>
+                      <a:noFill/>
+                    </a:lnL>
+                    <a:lnR>
+                      <a:noFill/>
+                    </a:lnR>
+                    <a:lnT>
+                      <a:noFill/>
+                    </a:lnT>
+                    <a:lnB>
+                      <a:noFill/>
+                    </a:lnB>
+                    <a:noFill/>
+                  </a:tcPr>
+                </a:tc>
+                <a:tc>
+                  <a:txBody>
+                    <a:bodyPr/>
+                    <a:lstStyle/>
+                    <a:p>
+                      <a:pPr>
+                        <a:buNone/>
+                      </a:pPr>
+                      <a:r>
+                        <a:rPr lang="en-US" altLang="ko-KR" sz="1200"/>
+                        <a:t>[ (3,1) ]</a:t>
+                      </a:r>
+                    </a:p>
+                  </a:txBody>
+                  <a:tcPr marL="90653" marR="90653" marT="45326" marB="45326" anchor="ctr">
+                    <a:lnL>
+                      <a:noFill/>
+                    </a:lnL>
+                    <a:lnR>
+                      <a:noFill/>
+                    </a:lnR>
+                    <a:lnT>
+                      <a:noFill/>
+                    </a:lnT>
+                    <a:lnB>
+                      <a:noFill/>
+                    </a:lnB>
+                    <a:noFill/>
+                  </a:tcPr>
+                </a:tc>
+                <a:tc>
+                  <a:txBody>
+                    <a:bodyPr/>
+                    <a:lstStyle/>
+                    <a:p>
+                      <a:pPr>
+                        <a:buNone/>
+                      </a:pPr>
+                      <a:r>
+                        <a:rPr lang="en-US" altLang="ko-KR" sz="1200"/>
+                        <a:t>3≤8 → </a:t>
+                      </a:r>
+                      <a:r>
+                        <a:rPr lang="ko-KR" altLang="en-US" sz="1200"/>
+                        <a:t>유지</a:t>
+                      </a:r>
+                    </a:p>
+                  </a:txBody>
+                  <a:tcPr marL="90653" marR="90653" marT="45326" marB="45326" anchor="ctr">
+                    <a:lnL>
+                      <a:noFill/>
+                    </a:lnL>
+                    <a:lnR>
+                      <a:noFill/>
+                    </a:lnR>
+                    <a:lnT>
+                      <a:noFill/>
+                    </a:lnT>
+                    <a:lnB>
+                      <a:noFill/>
+                    </a:lnB>
+                    <a:noFill/>
+                  </a:tcPr>
+                </a:tc>
+                <a:tc>
+                  <a:txBody>
+                    <a:bodyPr/>
+                    <a:lstStyle/>
+                    <a:p>
+                      <a:pPr>
+                        <a:buNone/>
+                      </a:pPr>
+                      <a:r>
+                        <a:rPr lang="en-US" altLang="ko-KR" sz="1200"/>
+                        <a:t>[ (3,1),(8,2) ]</a:t>
+                      </a:r>
+                    </a:p>
+                  </a:txBody>
+                  <a:tcPr marL="90653" marR="90653" marT="45326" marB="45326" anchor="ctr">
+                    <a:lnL>
+                      <a:noFill/>
+                    </a:lnL>
+                    <a:lnR>
+                      <a:noFill/>
+                    </a:lnR>
+                    <a:lnT>
+                      <a:noFill/>
+                    </a:lnT>
+                    <a:lnB>
+                      <a:noFill/>
+                    </a:lnB>
+                    <a:noFill/>
+                  </a:tcPr>
+                </a:tc>
+                <a:tc>
+                  <a:txBody>
+                    <a:bodyPr/>
+                    <a:lstStyle/>
+                    <a:p>
+                      <a:pPr>
+                        <a:buNone/>
+                      </a:pPr>
+                      <a:r>
+                        <a:rPr lang="en-US" altLang="ko-KR" sz="1200" dirty="0"/>
+                        <a:t>—</a:t>
+                      </a:r>
+                    </a:p>
+                  </a:txBody>
+                  <a:tcPr marL="90653" marR="90653" marT="45326" marB="45326" anchor="ctr">
+                    <a:lnL>
+                      <a:noFill/>
+                    </a:lnL>
+                    <a:lnR>
+                      <a:noFill/>
+                    </a:lnR>
+                    <a:lnT>
+                      <a:noFill/>
+                    </a:lnT>
+                    <a:lnB>
+                      <a:noFill/>
+                    </a:lnB>
+                    <a:noFill/>
+                  </a:tcPr>
+                </a:tc>
+                <a:tc>
+                  <a:txBody>
+                    <a:bodyPr/>
+                    <a:lstStyle/>
+                    <a:p>
+                      <a:pPr>
+                        <a:buNone/>
+                      </a:pPr>
+                      <a:r>
+                        <a:rPr lang="en-US" altLang="ko-KR" sz="1200"/>
+                        <a:t>[ (3,1),(8,2) ]</a:t>
+                      </a:r>
+                    </a:p>
+                  </a:txBody>
+                  <a:tcPr marL="90653" marR="90653" marT="45326" marB="45326" anchor="ctr">
+                    <a:lnL>
+                      <a:noFill/>
+                    </a:lnL>
+                    <a:lnR>
+                      <a:noFill/>
+                    </a:lnR>
+                    <a:lnT>
+                      <a:noFill/>
+                    </a:lnT>
+                    <a:lnB>
+                      <a:noFill/>
+                    </a:lnB>
+                    <a:noFill/>
+                  </a:tcPr>
+                </a:tc>
+                <a:tc>
+                  <a:txBody>
+                    <a:bodyPr/>
+                    <a:lstStyle/>
+                    <a:p>
+                      <a:pPr>
+                        <a:buNone/>
+                      </a:pPr>
+                      <a:r>
+                        <a:rPr lang="en-US" altLang="ko-KR" sz="1200" dirty="0"/>
+                        <a:t>3</a:t>
+                      </a:r>
+                    </a:p>
+                  </a:txBody>
+                  <a:tcPr marL="90653" marR="90653" marT="45326" marB="45326" anchor="ctr">
+                    <a:lnL>
+                      <a:noFill/>
+                    </a:lnL>
+                    <a:lnR>
+                      <a:noFill/>
+                    </a:lnR>
+                    <a:lnT>
+                      <a:noFill/>
+                    </a:lnT>
+                    <a:lnB>
+                      <a:noFill/>
+                    </a:lnB>
+                    <a:noFill/>
+                  </a:tcPr>
+                </a:tc>
+                <a:extLst>
+                  <a:ext uri="{0D108BD9-81ED-4DB2-BD59-A6C34878D82A}">
+                    <a16:rowId xmlns:a16="http://schemas.microsoft.com/office/drawing/2014/main" val="553054241"/>
+                  </a:ext>
+                </a:extLst>
+              </a:tr>
+              <a:tr h="414779">
+                <a:tc>
+                  <a:txBody>
+                    <a:bodyPr/>
+                    <a:lstStyle/>
+                    <a:p>
+                      <a:pPr>
+                        <a:buNone/>
+                      </a:pPr>
+                      <a:r>
+                        <a:rPr lang="en-US" altLang="ko-KR" sz="1200"/>
+                        <a:t>3</a:t>
+                      </a:r>
+                    </a:p>
+                  </a:txBody>
+                  <a:tcPr marL="90653" marR="90653" marT="45326" marB="45326" anchor="ctr">
+                    <a:lnL>
+                      <a:noFill/>
+                    </a:lnL>
+                    <a:lnR>
+                      <a:noFill/>
+                    </a:lnR>
+                    <a:lnT>
+                      <a:noFill/>
+                    </a:lnT>
+                    <a:lnB>
+                      <a:noFill/>
+                    </a:lnB>
+                    <a:noFill/>
+                  </a:tcPr>
+                </a:tc>
+                <a:tc>
+                  <a:txBody>
+                    <a:bodyPr/>
+                    <a:lstStyle/>
+                    <a:p>
+                      <a:pPr>
+                        <a:buNone/>
+                      </a:pPr>
+                      <a:r>
+                        <a:rPr lang="en-US" altLang="ko-KR" sz="1200"/>
+                        <a:t>2</a:t>
+                      </a:r>
+                    </a:p>
+                  </a:txBody>
+                  <a:tcPr marL="90653" marR="90653" marT="45326" marB="45326" anchor="ctr">
+                    <a:lnL>
+                      <a:noFill/>
+                    </a:lnL>
+                    <a:lnR>
+                      <a:noFill/>
+                    </a:lnR>
+                    <a:lnT>
+                      <a:noFill/>
+                    </a:lnT>
+                    <a:lnB>
+                      <a:noFill/>
+                    </a:lnB>
+                    <a:noFill/>
+                  </a:tcPr>
+                </a:tc>
+                <a:tc>
+                  <a:txBody>
+                    <a:bodyPr/>
+                    <a:lstStyle/>
+                    <a:p>
+                      <a:pPr>
+                        <a:buNone/>
+                      </a:pPr>
+                      <a:r>
+                        <a:rPr lang="en-US" altLang="ko-KR" sz="1200"/>
+                        <a:t>[ (3,1),(8,2) ]</a:t>
+                      </a:r>
+                    </a:p>
+                  </a:txBody>
+                  <a:tcPr marL="90653" marR="90653" marT="45326" marB="45326" anchor="ctr">
+                    <a:lnL>
+                      <a:noFill/>
+                    </a:lnL>
+                    <a:lnR>
+                      <a:noFill/>
+                    </a:lnR>
+                    <a:lnT>
+                      <a:noFill/>
+                    </a:lnT>
+                    <a:lnB>
+                      <a:noFill/>
+                    </a:lnB>
+                    <a:noFill/>
+                  </a:tcPr>
+                </a:tc>
+                <a:tc>
+                  <a:txBody>
+                    <a:bodyPr/>
+                    <a:lstStyle/>
+                    <a:p>
+                      <a:pPr>
+                        <a:buNone/>
+                      </a:pPr>
+                      <a:r>
+                        <a:rPr lang="en-US" sz="1200"/>
+                        <a:t>8&gt;2 pop → 3&gt;2 </a:t>
+                      </a:r>
+                      <a:r>
+                        <a:rPr lang="en-US" sz="1200" b="1"/>
+                        <a:t>pop</a:t>
+                      </a:r>
+                      <a:endParaRPr lang="en-US" sz="1200"/>
+                    </a:p>
+                  </a:txBody>
+                  <a:tcPr marL="90653" marR="90653" marT="45326" marB="45326" anchor="ctr">
+                    <a:lnL>
+                      <a:noFill/>
+                    </a:lnL>
+                    <a:lnR>
+                      <a:noFill/>
+                    </a:lnR>
+                    <a:lnT>
+                      <a:noFill/>
+                    </a:lnT>
+                    <a:lnB>
+                      <a:noFill/>
+                    </a:lnB>
+                    <a:noFill/>
+                  </a:tcPr>
+                </a:tc>
+                <a:tc>
+                  <a:txBody>
+                    <a:bodyPr/>
+                    <a:lstStyle/>
+                    <a:p>
+                      <a:pPr>
+                        <a:buNone/>
+                      </a:pPr>
+                      <a:r>
+                        <a:rPr lang="en-US" altLang="ko-KR" sz="1200" dirty="0"/>
+                        <a:t>[ (2,3) ]</a:t>
+                      </a:r>
+                    </a:p>
+                  </a:txBody>
+                  <a:tcPr marL="90653" marR="90653" marT="45326" marB="45326" anchor="ctr">
+                    <a:lnL>
+                      <a:noFill/>
+                    </a:lnL>
+                    <a:lnR>
+                      <a:noFill/>
+                    </a:lnR>
+                    <a:lnT>
+                      <a:noFill/>
+                    </a:lnT>
+                    <a:lnB>
+                      <a:noFill/>
+                    </a:lnB>
+                    <a:noFill/>
+                  </a:tcPr>
+                </a:tc>
+                <a:tc>
+                  <a:txBody>
+                    <a:bodyPr/>
+                    <a:lstStyle/>
+                    <a:p>
+                      <a:pPr>
+                        <a:buNone/>
+                      </a:pPr>
+                      <a:r>
+                        <a:rPr lang="en-US" altLang="ko-KR" sz="1200"/>
+                        <a:t>(i-L=0) (5,0)</a:t>
+                      </a:r>
+                      <a:r>
+                        <a:rPr lang="ko-KR" altLang="en-US" sz="1200"/>
+                        <a:t>은 이미 없음</a:t>
+                      </a:r>
+                    </a:p>
+                  </a:txBody>
+                  <a:tcPr marL="90653" marR="90653" marT="45326" marB="45326" anchor="ctr">
+                    <a:lnL>
+                      <a:noFill/>
+                    </a:lnL>
+                    <a:lnR>
+                      <a:noFill/>
+                    </a:lnR>
+                    <a:lnT>
+                      <a:noFill/>
+                    </a:lnT>
+                    <a:lnB>
+                      <a:noFill/>
+                    </a:lnB>
+                    <a:noFill/>
+                  </a:tcPr>
+                </a:tc>
+                <a:tc>
+                  <a:txBody>
+                    <a:bodyPr/>
+                    <a:lstStyle/>
+                    <a:p>
+                      <a:pPr>
+                        <a:buNone/>
+                      </a:pPr>
+                      <a:r>
+                        <a:rPr lang="en-US" altLang="ko-KR" sz="1200"/>
+                        <a:t>[ (2,3) ]</a:t>
+                      </a:r>
+                    </a:p>
+                  </a:txBody>
+                  <a:tcPr marL="90653" marR="90653" marT="45326" marB="45326" anchor="ctr">
+                    <a:lnL>
+                      <a:noFill/>
+                    </a:lnL>
+                    <a:lnR>
+                      <a:noFill/>
+                    </a:lnR>
+                    <a:lnT>
+                      <a:noFill/>
+                    </a:lnT>
+                    <a:lnB>
+                      <a:noFill/>
+                    </a:lnB>
+                    <a:noFill/>
+                  </a:tcPr>
+                </a:tc>
+                <a:tc>
+                  <a:txBody>
+                    <a:bodyPr/>
+                    <a:lstStyle/>
+                    <a:p>
+                      <a:pPr>
+                        <a:buNone/>
+                      </a:pPr>
+                      <a:r>
+                        <a:rPr lang="en-US" altLang="ko-KR" sz="1200"/>
+                        <a:t>2</a:t>
+                      </a:r>
+                    </a:p>
+                  </a:txBody>
+                  <a:tcPr marL="90653" marR="90653" marT="45326" marB="45326" anchor="ctr">
+                    <a:lnL>
+                      <a:noFill/>
+                    </a:lnL>
+                    <a:lnR>
+                      <a:noFill/>
+                    </a:lnR>
+                    <a:lnT>
+                      <a:noFill/>
+                    </a:lnT>
+                    <a:lnB>
+                      <a:noFill/>
+                    </a:lnB>
+                    <a:noFill/>
+                  </a:tcPr>
+                </a:tc>
+                <a:extLst>
+                  <a:ext uri="{0D108BD9-81ED-4DB2-BD59-A6C34878D82A}">
+                    <a16:rowId xmlns:a16="http://schemas.microsoft.com/office/drawing/2014/main" val="3376128248"/>
+                  </a:ext>
+                </a:extLst>
+              </a:tr>
+              <a:tr h="414779">
+                <a:tc>
+                  <a:txBody>
+                    <a:bodyPr/>
+                    <a:lstStyle/>
+                    <a:p>
+                      <a:pPr>
+                        <a:buNone/>
+                      </a:pPr>
+                      <a:r>
+                        <a:rPr lang="en-US" altLang="ko-KR" sz="1200" dirty="0"/>
+                        <a:t>4</a:t>
+                      </a:r>
+                    </a:p>
+                  </a:txBody>
+                  <a:tcPr marL="90653" marR="90653" marT="45326" marB="45326" anchor="ctr">
+                    <a:lnL>
+                      <a:noFill/>
+                    </a:lnL>
+                    <a:lnR>
+                      <a:noFill/>
+                    </a:lnR>
+                    <a:lnT>
+                      <a:noFill/>
+                    </a:lnT>
+                    <a:lnB>
+                      <a:noFill/>
+                    </a:lnB>
+                    <a:noFill/>
+                  </a:tcPr>
+                </a:tc>
+                <a:tc>
+                  <a:txBody>
+                    <a:bodyPr/>
+                    <a:lstStyle/>
+                    <a:p>
+                      <a:pPr>
+                        <a:buNone/>
+                      </a:pPr>
+                      <a:r>
+                        <a:rPr lang="en-US" altLang="ko-KR" sz="1200" dirty="0"/>
+                        <a:t>6</a:t>
+                      </a:r>
+                    </a:p>
+                  </a:txBody>
+                  <a:tcPr marL="90653" marR="90653" marT="45326" marB="45326" anchor="ctr">
+                    <a:lnL>
+                      <a:noFill/>
+                    </a:lnL>
+                    <a:lnR>
+                      <a:noFill/>
+                    </a:lnR>
+                    <a:lnT>
+                      <a:noFill/>
+                    </a:lnT>
+                    <a:lnB>
+                      <a:noFill/>
+                    </a:lnB>
+                    <a:noFill/>
+                  </a:tcPr>
+                </a:tc>
+                <a:tc>
+                  <a:txBody>
+                    <a:bodyPr/>
+                    <a:lstStyle/>
+                    <a:p>
+                      <a:pPr>
+                        <a:buNone/>
+                      </a:pPr>
+                      <a:r>
+                        <a:rPr lang="en-US" altLang="ko-KR" sz="1200" dirty="0"/>
+                        <a:t>[ (2,3) ]</a:t>
+                      </a:r>
+                    </a:p>
+                  </a:txBody>
+                  <a:tcPr marL="90653" marR="90653" marT="45326" marB="45326" anchor="ctr">
+                    <a:lnL>
+                      <a:noFill/>
+                    </a:lnL>
+                    <a:lnR>
+                      <a:noFill/>
+                    </a:lnR>
+                    <a:lnT>
+                      <a:noFill/>
+                    </a:lnT>
+                    <a:lnB>
+                      <a:noFill/>
+                    </a:lnB>
+                    <a:noFill/>
+                  </a:tcPr>
+                </a:tc>
+                <a:tc>
+                  <a:txBody>
+                    <a:bodyPr/>
+                    <a:lstStyle/>
+                    <a:p>
+                      <a:pPr>
+                        <a:buNone/>
+                      </a:pPr>
+                      <a:r>
+                        <a:rPr lang="en-US" altLang="ko-KR" sz="1200" dirty="0"/>
+                        <a:t>2≤6 → </a:t>
+                      </a:r>
+                      <a:r>
+                        <a:rPr lang="ko-KR" altLang="en-US" sz="1200" dirty="0"/>
+                        <a:t>유지</a:t>
+                      </a:r>
+                    </a:p>
+                  </a:txBody>
+                  <a:tcPr marL="90653" marR="90653" marT="45326" marB="45326" anchor="ctr">
+                    <a:lnL>
+                      <a:noFill/>
+                    </a:lnL>
+                    <a:lnR>
+                      <a:noFill/>
+                    </a:lnR>
+                    <a:lnT>
+                      <a:noFill/>
+                    </a:lnT>
+                    <a:lnB>
+                      <a:noFill/>
+                    </a:lnB>
+                    <a:noFill/>
+                  </a:tcPr>
+                </a:tc>
+                <a:tc>
+                  <a:txBody>
+                    <a:bodyPr/>
+                    <a:lstStyle/>
+                    <a:p>
+                      <a:pPr>
+                        <a:buNone/>
+                      </a:pPr>
+                      <a:r>
+                        <a:rPr lang="en-US" altLang="ko-KR" sz="1200" dirty="0"/>
+                        <a:t>[ (2,3),(6,4) ]</a:t>
+                      </a:r>
+                    </a:p>
+                  </a:txBody>
+                  <a:tcPr marL="90653" marR="90653" marT="45326" marB="45326" anchor="ctr">
+                    <a:lnL>
+                      <a:noFill/>
+                    </a:lnL>
+                    <a:lnR>
+                      <a:noFill/>
+                    </a:lnR>
+                    <a:lnT>
+                      <a:noFill/>
+                    </a:lnT>
+                    <a:lnB>
+                      <a:noFill/>
+                    </a:lnB>
+                    <a:noFill/>
+                  </a:tcPr>
+                </a:tc>
+                <a:tc>
+                  <a:txBody>
+                    <a:bodyPr/>
+                    <a:lstStyle/>
+                    <a:p>
+                      <a:pPr>
+                        <a:buNone/>
+                      </a:pPr>
+                      <a:r>
+                        <a:rPr lang="en-US" altLang="ko-KR" sz="1200" dirty="0"/>
+                        <a:t>(</a:t>
+                      </a:r>
+                      <a:r>
+                        <a:rPr lang="en-US" altLang="ko-KR" sz="1200" dirty="0" err="1"/>
+                        <a:t>i</a:t>
+                      </a:r>
+                      <a:r>
+                        <a:rPr lang="en-US" altLang="ko-KR" sz="1200" dirty="0"/>
+                        <a:t>-L=1) (3,1)</a:t>
+                      </a:r>
+                      <a:r>
+                        <a:rPr lang="ko-KR" altLang="en-US" sz="1200" dirty="0"/>
+                        <a:t>도 없음</a:t>
+                      </a:r>
+                    </a:p>
+                  </a:txBody>
+                  <a:tcPr marL="90653" marR="90653" marT="45326" marB="45326" anchor="ctr">
+                    <a:lnL>
+                      <a:noFill/>
+                    </a:lnL>
+                    <a:lnR>
+                      <a:noFill/>
+                    </a:lnR>
+                    <a:lnT>
+                      <a:noFill/>
+                    </a:lnT>
+                    <a:lnB>
+                      <a:noFill/>
+                    </a:lnB>
+                    <a:noFill/>
+                  </a:tcPr>
+                </a:tc>
+                <a:tc>
+                  <a:txBody>
+                    <a:bodyPr/>
+                    <a:lstStyle/>
+                    <a:p>
+                      <a:pPr>
+                        <a:buNone/>
+                      </a:pPr>
+                      <a:r>
+                        <a:rPr lang="en-US" altLang="ko-KR" sz="1200" dirty="0"/>
+                        <a:t>[ (2,3),(6,4) ]</a:t>
+                      </a:r>
+                    </a:p>
+                  </a:txBody>
+                  <a:tcPr marL="90653" marR="90653" marT="45326" marB="45326" anchor="ctr">
+                    <a:lnL>
+                      <a:noFill/>
+                    </a:lnL>
+                    <a:lnR>
+                      <a:noFill/>
+                    </a:lnR>
+                    <a:lnT>
+                      <a:noFill/>
+                    </a:lnT>
+                    <a:lnB>
+                      <a:noFill/>
+                    </a:lnB>
+                    <a:noFill/>
+                  </a:tcPr>
+                </a:tc>
+                <a:tc>
+                  <a:txBody>
+                    <a:bodyPr/>
+                    <a:lstStyle/>
+                    <a:p>
+                      <a:pPr>
+                        <a:buNone/>
+                      </a:pPr>
+                      <a:r>
+                        <a:rPr lang="en-US" altLang="ko-KR" sz="1200" dirty="0"/>
+                        <a:t>2</a:t>
+                      </a:r>
+                    </a:p>
+                  </a:txBody>
+                  <a:tcPr marL="90653" marR="90653" marT="45326" marB="45326" anchor="ctr">
+                    <a:lnL>
+                      <a:noFill/>
+                    </a:lnL>
+                    <a:lnR>
+                      <a:noFill/>
+                    </a:lnR>
+                    <a:lnT>
+                      <a:noFill/>
+                    </a:lnT>
+                    <a:lnB>
+                      <a:noFill/>
+                    </a:lnB>
+                    <a:noFill/>
+                  </a:tcPr>
+                </a:tc>
+                <a:extLst>
+                  <a:ext uri="{0D108BD9-81ED-4DB2-BD59-A6C34878D82A}">
+                    <a16:rowId xmlns:a16="http://schemas.microsoft.com/office/drawing/2014/main" val="268543750"/>
+                  </a:ext>
+                </a:extLst>
+              </a:tr>
+            </a:tbl>
+          </a:graphicData>
+        </a:graphic>
+      </p:graphicFrame>
+      <p:sp>
+        <p:nvSpPr>
+          <p:cNvPr id="10" name="Rectangle 2">
+            <a:extLst>
+              <a:ext uri="{FF2B5EF4-FFF2-40B4-BE49-F238E27FC236}">
+                <a16:creationId xmlns:a16="http://schemas.microsoft.com/office/drawing/2014/main" id="{2176207D-B746-0507-CD72-05BAB82B50AB}"/>
+              </a:ext>
+            </a:extLst>
+          </p:cNvPr>
+          <p:cNvSpPr>
+            <a:spLocks noChangeArrowheads="1"/>
+          </p:cNvSpPr>
+          <p:nvPr/>
+        </p:nvSpPr>
+        <p:spPr bwMode="auto">
+          <a:xfrm>
+            <a:off x="1206499" y="2242646"/>
+            <a:ext cx="5604406" cy="646331"/>
+          </a:xfrm>
+          <a:prstGeom prst="rect">
+            <a:avLst/>
+          </a:prstGeom>
+          <a:noFill/>
+          <a:ln>
+            <a:noFill/>
+          </a:ln>
+          <a:effectLst/>
+          <a:extLst>
+            <a:ext uri="{909E8E84-426E-40DD-AFC4-6F175D3DCCD1}">
+              <a14:hiddenFill xmlns:a14="http://schemas.microsoft.com/office/drawing/2010/main">
+                <a:solidFill>
+                  <a:schemeClr val="accent1"/>
+                </a:solidFill>
+              </a14:hiddenFill>
+            </a:ext>
+            <a:ext uri="{91240B29-F687-4F45-9708-019B960494DF}">
+              <a14:hiddenLine xmlns:a14="http://schemas.microsoft.com/office/drawing/2010/main" w="9525">
+                <a:solidFill>
+                  <a:schemeClr val="tx1"/>
+                </a:solidFill>
+                <a:miter lim="800000"/>
+                <a:headEnd/>
+                <a:tailEnd/>
+              </a14:hiddenLine>
+            </a:ext>
+            <a:ext uri="{AF507438-7753-43E0-B8FC-AC1667EBCBE1}">
+              <a14:hiddenEffects xmlns:a14="http://schemas.microsoft.com/office/drawing/2010/main">
+                <a:effectLst>
+                  <a:outerShdw dist="35921" dir="2700000" algn="ctr" rotWithShape="0">
+                    <a:schemeClr val="bg2"/>
+                  </a:outerShdw>
+                </a:effectLst>
+              </a14:hiddenEffects>
+            </a:ext>
+          </a:extLst>
+        </p:spPr>
+        <p:txBody>
+          <a:bodyPr vert="horz" wrap="square" lIns="91440" tIns="45720" rIns="91440" bIns="45720" numCol="1" anchor="ctr" anchorCtr="0" compatLnSpc="1">
+            <a:prstTxWarp prst="textNoShape">
+              <a:avLst/>
+            </a:prstTxWarp>
+            <a:spAutoFit/>
+          </a:bodyPr>
+          <a:lstStyle/>
+          <a:p>
+            <a:pPr marL="0" marR="0" lvl="0" indent="0" algn="l" defTabSz="914400" rtl="0" eaLnBrk="0" fontAlgn="base" latinLnBrk="0" hangingPunct="0">
+              <a:lnSpc>
+                <a:spcPct val="100000"/>
+              </a:lnSpc>
+              <a:spcBef>
+                <a:spcPct val="0"/>
+              </a:spcBef>
+              <a:spcAft>
+                <a:spcPct val="0"/>
+              </a:spcAft>
+              <a:buClrTx/>
+              <a:buSzTx/>
+              <a:buFontTx/>
+              <a:buNone/>
+              <a:tabLst/>
+            </a:pPr>
+            <a:r>
+              <a:rPr kumimoji="0" lang="ko-KR" altLang="ko-KR" sz="1200" b="0" i="0" u="none" strike="noStrike" cap="none" normalizeH="0" baseline="0" dirty="0">
+                <a:ln>
+                  <a:noFill/>
+                </a:ln>
+                <a:solidFill>
+                  <a:schemeClr val="tx1"/>
+                </a:solidFill>
+                <a:effectLst/>
+                <a:latin typeface="Arial" panose="020B0604020202020204" pitchFamily="34" charset="0"/>
+              </a:rPr>
+              <a:t>입력: </a:t>
+            </a:r>
+            <a:r>
+              <a:rPr kumimoji="0" lang="ko-KR" altLang="ko-KR" sz="1200" b="0" i="0" u="none" strike="noStrike" cap="none" normalizeH="0" baseline="0" dirty="0">
+                <a:ln>
+                  <a:noFill/>
+                </a:ln>
+                <a:solidFill>
+                  <a:schemeClr val="tx1"/>
+                </a:solidFill>
+                <a:effectLst/>
+                <a:latin typeface="Arial Unicode MS"/>
+              </a:rPr>
+              <a:t>5, 3, 8, 2, 6</a:t>
+            </a:r>
+            <a:r>
+              <a:rPr kumimoji="0" lang="ko-KR" altLang="ko-KR" sz="1200" b="0" i="0" u="none" strike="noStrike" cap="none" normalizeH="0" baseline="0" dirty="0">
+                <a:ln>
+                  <a:noFill/>
+                </a:ln>
+                <a:solidFill>
+                  <a:schemeClr val="tx1"/>
+                </a:solidFill>
+                <a:effectLst/>
+              </a:rPr>
+              <a:t> (슬라이딩 윈도우 최소값)</a:t>
+            </a:r>
+            <a:endParaRPr kumimoji="0" lang="ko-KR" altLang="ko-KR" sz="1200" b="0" i="0" u="none" strike="noStrike" cap="none" normalizeH="0" baseline="0" dirty="0">
+              <a:ln>
+                <a:noFill/>
+              </a:ln>
+              <a:solidFill>
+                <a:schemeClr val="tx1"/>
+              </a:solidFill>
+              <a:effectLst/>
+              <a:latin typeface="Arial" panose="020B0604020202020204" pitchFamily="34" charset="0"/>
+            </a:endParaRPr>
+          </a:p>
+          <a:p>
+            <a:pPr marL="0" marR="0" lvl="0" indent="0" algn="l" defTabSz="914400" rtl="0" eaLnBrk="0" fontAlgn="base" latinLnBrk="0" hangingPunct="0">
+              <a:lnSpc>
+                <a:spcPct val="100000"/>
+              </a:lnSpc>
+              <a:spcBef>
+                <a:spcPct val="0"/>
+              </a:spcBef>
+              <a:spcAft>
+                <a:spcPct val="0"/>
+              </a:spcAft>
+              <a:buClrTx/>
+              <a:buSzTx/>
+              <a:buFontTx/>
+              <a:buChar char="•"/>
+              <a:tabLst/>
+            </a:pPr>
+            <a:r>
+              <a:rPr kumimoji="0" lang="ko-KR" altLang="ko-KR" sz="1200" b="0" i="0" u="none" strike="noStrike" cap="none" normalizeH="0" baseline="0" dirty="0">
+                <a:ln>
+                  <a:noFill/>
+                </a:ln>
+                <a:solidFill>
+                  <a:schemeClr val="tx1"/>
+                </a:solidFill>
+                <a:effectLst/>
+                <a:latin typeface="Arial" panose="020B0604020202020204" pitchFamily="34" charset="0"/>
+              </a:rPr>
+              <a:t>삽입 전: 뒤에서부터 </a:t>
+            </a:r>
+            <a:r>
+              <a:rPr kumimoji="0" lang="ko-KR" altLang="ko-KR" sz="1200" b="1" i="0" u="none" strike="noStrike" cap="none" normalizeH="0" baseline="0" dirty="0">
+                <a:ln>
+                  <a:noFill/>
+                </a:ln>
+                <a:solidFill>
+                  <a:schemeClr val="tx1"/>
+                </a:solidFill>
+                <a:effectLst/>
+                <a:latin typeface="Arial" panose="020B0604020202020204" pitchFamily="34" charset="0"/>
+              </a:rPr>
+              <a:t>나보다 큰 값 </a:t>
+            </a:r>
+            <a:r>
+              <a:rPr kumimoji="0" lang="ko-KR" altLang="ko-KR" sz="1200" b="1" i="0" u="none" strike="noStrike" cap="none" normalizeH="0" baseline="0" dirty="0" err="1">
+                <a:ln>
+                  <a:noFill/>
+                </a:ln>
+                <a:solidFill>
+                  <a:schemeClr val="tx1"/>
+                </a:solidFill>
+                <a:effectLst/>
+                <a:latin typeface="Arial" panose="020B0604020202020204" pitchFamily="34" charset="0"/>
+              </a:rPr>
+              <a:t>pop_back</a:t>
+            </a:r>
+            <a:endParaRPr kumimoji="0" lang="ko-KR" altLang="ko-KR" sz="1200" b="0" i="0" u="none" strike="noStrike" cap="none" normalizeH="0" baseline="0" dirty="0">
+              <a:ln>
+                <a:noFill/>
+              </a:ln>
+              <a:solidFill>
+                <a:schemeClr val="tx1"/>
+              </a:solidFill>
+              <a:effectLst/>
+              <a:latin typeface="Arial" panose="020B0604020202020204" pitchFamily="34" charset="0"/>
+            </a:endParaRPr>
+          </a:p>
+          <a:p>
+            <a:pPr marL="0" marR="0" lvl="0" indent="0" algn="l" defTabSz="914400" rtl="0" eaLnBrk="0" fontAlgn="base" latinLnBrk="0" hangingPunct="0">
+              <a:lnSpc>
+                <a:spcPct val="100000"/>
+              </a:lnSpc>
+              <a:spcBef>
+                <a:spcPct val="0"/>
+              </a:spcBef>
+              <a:spcAft>
+                <a:spcPct val="0"/>
+              </a:spcAft>
+              <a:buClrTx/>
+              <a:buSzTx/>
+              <a:buFontTx/>
+              <a:buChar char="•"/>
+              <a:tabLst/>
+            </a:pPr>
+            <a:r>
+              <a:rPr kumimoji="0" lang="ko-KR" altLang="ko-KR" sz="1200" b="0" i="0" u="none" strike="noStrike" cap="none" normalizeH="0" baseline="0" dirty="0">
+                <a:ln>
+                  <a:noFill/>
+                </a:ln>
+                <a:solidFill>
+                  <a:schemeClr val="tx1"/>
+                </a:solidFill>
+                <a:effectLst/>
+                <a:latin typeface="Arial" panose="020B0604020202020204" pitchFamily="34" charset="0"/>
+              </a:rPr>
+              <a:t>삽입 후: 윈도우 밖(</a:t>
+            </a:r>
+            <a:r>
+              <a:rPr kumimoji="0" lang="ko-KR" altLang="ko-KR" sz="1200" b="0" i="0" u="none" strike="noStrike" cap="none" normalizeH="0" baseline="0" dirty="0" err="1">
+                <a:ln>
+                  <a:noFill/>
+                </a:ln>
+                <a:solidFill>
+                  <a:schemeClr val="tx1"/>
+                </a:solidFill>
+                <a:effectLst/>
+                <a:latin typeface="Arial" panose="020B0604020202020204" pitchFamily="34" charset="0"/>
+              </a:rPr>
+              <a:t>front</a:t>
+            </a:r>
+            <a:r>
+              <a:rPr kumimoji="0" lang="ko-KR" altLang="ko-KR" sz="1200" b="0" i="0" u="none" strike="noStrike" cap="none" normalizeH="0" baseline="0" dirty="0">
+                <a:ln>
+                  <a:noFill/>
+                </a:ln>
+                <a:solidFill>
+                  <a:schemeClr val="tx1"/>
+                </a:solidFill>
+                <a:effectLst/>
+                <a:latin typeface="Arial" panose="020B0604020202020204" pitchFamily="34" charset="0"/>
+              </a:rPr>
+              <a:t> 인덱스가 </a:t>
+            </a:r>
+            <a:r>
+              <a:rPr kumimoji="0" lang="ko-KR" altLang="ko-KR" sz="1200" b="0" i="0" u="none" strike="noStrike" cap="none" normalizeH="0" baseline="0" dirty="0" err="1">
+                <a:ln>
+                  <a:noFill/>
+                </a:ln>
+                <a:solidFill>
+                  <a:schemeClr val="tx1"/>
+                </a:solidFill>
+                <a:effectLst/>
+                <a:latin typeface="Arial Unicode MS"/>
+              </a:rPr>
+              <a:t>i-L</a:t>
+            </a:r>
+            <a:r>
+              <a:rPr kumimoji="0" lang="ko-KR" altLang="ko-KR" sz="1200" b="0" i="0" u="none" strike="noStrike" cap="none" normalizeH="0" baseline="0" dirty="0">
+                <a:ln>
+                  <a:noFill/>
+                </a:ln>
+                <a:solidFill>
+                  <a:schemeClr val="tx1"/>
+                </a:solidFill>
+                <a:effectLst/>
+              </a:rPr>
+              <a:t> 이하)이면 </a:t>
+            </a:r>
+            <a:r>
+              <a:rPr kumimoji="0" lang="ko-KR" altLang="ko-KR" sz="1200" b="1" i="0" u="none" strike="noStrike" cap="none" normalizeH="0" baseline="0" dirty="0" err="1">
+                <a:ln>
+                  <a:noFill/>
+                </a:ln>
+                <a:solidFill>
+                  <a:schemeClr val="tx1"/>
+                </a:solidFill>
+                <a:effectLst/>
+                <a:latin typeface="Arial" panose="020B0604020202020204" pitchFamily="34" charset="0"/>
+              </a:rPr>
+              <a:t>pop_front</a:t>
+            </a:r>
+            <a:endParaRPr kumimoji="0" lang="ko-KR" altLang="ko-KR" sz="1200" b="0" i="0" u="none" strike="noStrike" cap="none" normalizeH="0" baseline="0" dirty="0">
+              <a:ln>
+                <a:noFill/>
+              </a:ln>
+              <a:solidFill>
+                <a:schemeClr val="tx1"/>
+              </a:solidFill>
+              <a:effectLst/>
+              <a:latin typeface="Arial" panose="020B0604020202020204" pitchFamily="34" charset="0"/>
+            </a:endParaRPr>
+          </a:p>
+        </p:txBody>
+      </p:sp>
+    </p:spTree>
+    <p:extLst>
+      <p:ext uri="{BB962C8B-B14F-4D97-AF65-F5344CB8AC3E}">
+        <p14:creationId xmlns:p14="http://schemas.microsoft.com/office/powerpoint/2010/main" val="67767900"/>
+      </p:ext>
+    </p:extLst>
+  </p:cSld>
+  <p:clrMapOvr>
+    <a:masterClrMapping/>
+  </p:clrMapOvr>
+</p:sld>
+</file>
+
+<file path=ppt/slides/slide11.xml><?xml version="1.0" encoding="utf-8"?>
+<p:sld xmlns:a="http://schemas.openxmlformats.org/drawingml/2006/main" xmlns:r="http://schemas.openxmlformats.org/officeDocument/2006/relationships" xmlns:p="http://schemas.openxmlformats.org/presentationml/2006/main">
+  <p:cSld>
+    <p:spTree>
+      <p:nvGrpSpPr>
+        <p:cNvPr id="1" name=""/>
+        <p:cNvGrpSpPr/>
+        <p:nvPr/>
+      </p:nvGrpSpPr>
+      <p:grpSpPr>
+        <a:xfrm>
+          <a:off x="0" y="0"/>
+          <a:ext cx="0" cy="0"/>
+          <a:chOff x="0" y="0"/>
+          <a:chExt cx="0" cy="0"/>
+        </a:xfrm>
+      </p:grpSpPr>
+      <p:sp>
+        <p:nvSpPr>
+          <p:cNvPr id="2" name="제목 1">
+            <a:extLst>
+              <a:ext uri="{FF2B5EF4-FFF2-40B4-BE49-F238E27FC236}">
+                <a16:creationId xmlns:a16="http://schemas.microsoft.com/office/drawing/2014/main" id="{E3AC0A3F-7F57-0FB5-0AB4-1F884D04F766}"/>
+              </a:ext>
+            </a:extLst>
+          </p:cNvPr>
+          <p:cNvSpPr>
+            <a:spLocks noGrp="1"/>
+          </p:cNvSpPr>
+          <p:nvPr>
+            <p:ph type="title"/>
+          </p:nvPr>
+        </p:nvSpPr>
+        <p:spPr/>
+        <p:txBody>
+          <a:bodyPr/>
+          <a:lstStyle/>
+          <a:p>
+            <a:r>
+              <a:rPr lang="ko-KR" altLang="en-US" dirty="0"/>
+              <a:t>풀어볼 만한 문제</a:t>
+            </a:r>
+          </a:p>
+        </p:txBody>
+      </p:sp>
+      <p:sp>
+        <p:nvSpPr>
+          <p:cNvPr id="3" name="TextBox 2">
+            <a:extLst>
+              <a:ext uri="{FF2B5EF4-FFF2-40B4-BE49-F238E27FC236}">
+                <a16:creationId xmlns:a16="http://schemas.microsoft.com/office/drawing/2014/main" id="{87CF02FA-CFF7-3ABB-45F0-9403C715C8E5}"/>
+              </a:ext>
+            </a:extLst>
+          </p:cNvPr>
+          <p:cNvSpPr txBox="1"/>
+          <p:nvPr/>
+        </p:nvSpPr>
+        <p:spPr>
+          <a:xfrm>
+            <a:off x="643368" y="2690336"/>
+            <a:ext cx="2194832" cy="1477328"/>
+          </a:xfrm>
+          <a:prstGeom prst="rect">
+            <a:avLst/>
+          </a:prstGeom>
+          <a:noFill/>
+        </p:spPr>
+        <p:txBody>
+          <a:bodyPr wrap="none" rtlCol="0">
+            <a:spAutoFit/>
+          </a:bodyPr>
+          <a:lstStyle/>
+          <a:p>
+            <a:r>
+              <a:rPr lang="ko-KR" altLang="en-US" dirty="0"/>
+              <a:t>반복된 </a:t>
+            </a:r>
+            <a:r>
+              <a:rPr lang="ko-KR" altLang="en-US" dirty="0" err="1"/>
+              <a:t>구간합</a:t>
+            </a:r>
+            <a:r>
+              <a:rPr lang="ko-KR" altLang="en-US" dirty="0"/>
+              <a:t> 질의</a:t>
+            </a:r>
+            <a:endParaRPr lang="en-US" altLang="ko-KR" dirty="0">
+              <a:solidFill>
+                <a:srgbClr val="0563C1"/>
+              </a:solidFill>
+              <a:hlinkClick r:id="rId2">
+                <a:extLst>
+                  <a:ext uri="{A12FA001-AC4F-418D-AE19-62706E023703}">
+                    <ahyp:hlinkClr xmlns:ahyp="http://schemas.microsoft.com/office/drawing/2018/hyperlinkcolor" val="tx"/>
+                  </a:ext>
+                </a:extLst>
+              </a:hlinkClick>
+            </a:endParaRPr>
+          </a:p>
+          <a:p>
+            <a:endParaRPr lang="en-US" altLang="ko-KR" dirty="0">
+              <a:solidFill>
+                <a:srgbClr val="0563C1"/>
+              </a:solidFill>
+              <a:hlinkClick r:id="rId2">
+                <a:extLst>
+                  <a:ext uri="{A12FA001-AC4F-418D-AE19-62706E023703}">
+                    <ahyp:hlinkClr xmlns:ahyp="http://schemas.microsoft.com/office/drawing/2018/hyperlinkcolor" val="tx"/>
+                  </a:ext>
+                </a:extLst>
+              </a:hlinkClick>
+            </a:endParaRPr>
+          </a:p>
+          <a:p>
+            <a:r>
+              <a:rPr lang="ko-KR" altLang="en-US" b="1" dirty="0">
+                <a:solidFill>
+                  <a:srgbClr val="FF0000"/>
+                </a:solidFill>
+                <a:hlinkClick r:id="rId2">
+                  <a:extLst>
+                    <a:ext uri="{A12FA001-AC4F-418D-AE19-62706E023703}">
+                      <ahyp:hlinkClr xmlns:ahyp="http://schemas.microsoft.com/office/drawing/2018/hyperlinkcolor" val="tx"/>
+                    </a:ext>
+                  </a:extLst>
+                </a:hlinkClick>
+              </a:rPr>
+              <a:t>구간 합 구하기 </a:t>
+            </a:r>
+            <a:r>
+              <a:rPr lang="en-US" altLang="ko-KR" b="1" dirty="0">
+                <a:solidFill>
+                  <a:srgbClr val="FF0000"/>
+                </a:solidFill>
+                <a:hlinkClick r:id="rId2">
+                  <a:extLst>
+                    <a:ext uri="{A12FA001-AC4F-418D-AE19-62706E023703}">
+                      <ahyp:hlinkClr xmlns:ahyp="http://schemas.microsoft.com/office/drawing/2018/hyperlinkcolor" val="tx"/>
+                    </a:ext>
+                  </a:extLst>
+                </a:hlinkClick>
+              </a:rPr>
+              <a:t>4</a:t>
+            </a:r>
+            <a:endParaRPr lang="en-US" altLang="ko-KR" b="1" dirty="0">
+              <a:solidFill>
+                <a:srgbClr val="FF0000"/>
+              </a:solidFill>
+            </a:endParaRPr>
+          </a:p>
+          <a:p>
+            <a:r>
+              <a:rPr lang="ko-KR" altLang="en-US" dirty="0">
+                <a:hlinkClick r:id="rId3"/>
+              </a:rPr>
+              <a:t>구간 합 구하기 </a:t>
+            </a:r>
+            <a:r>
+              <a:rPr lang="en-US" altLang="ko-KR" dirty="0">
+                <a:hlinkClick r:id="rId3"/>
+              </a:rPr>
+              <a:t>5</a:t>
+            </a:r>
+            <a:endParaRPr lang="en-US" altLang="ko-KR" dirty="0"/>
+          </a:p>
+          <a:p>
+            <a:r>
+              <a:rPr lang="ko-KR" altLang="en-US" dirty="0">
+                <a:hlinkClick r:id="rId4"/>
+              </a:rPr>
+              <a:t>나머지 합</a:t>
+            </a:r>
+            <a:r>
+              <a:rPr lang="ko-KR" altLang="en-US" dirty="0"/>
+              <a:t> </a:t>
+            </a:r>
+            <a:endParaRPr lang="en-US" altLang="ko-KR" dirty="0"/>
+          </a:p>
+        </p:txBody>
+      </p:sp>
+      <p:sp>
+        <p:nvSpPr>
+          <p:cNvPr id="4" name="TextBox 3">
+            <a:extLst>
+              <a:ext uri="{FF2B5EF4-FFF2-40B4-BE49-F238E27FC236}">
+                <a16:creationId xmlns:a16="http://schemas.microsoft.com/office/drawing/2014/main" id="{9326BBB8-C02A-2A9D-2A02-A0D404116370}"/>
+              </a:ext>
+            </a:extLst>
+          </p:cNvPr>
+          <p:cNvSpPr txBox="1"/>
+          <p:nvPr/>
+        </p:nvSpPr>
+        <p:spPr>
+          <a:xfrm>
+            <a:off x="4255248" y="2690336"/>
+            <a:ext cx="1651414" cy="1477328"/>
+          </a:xfrm>
+          <a:prstGeom prst="rect">
+            <a:avLst/>
+          </a:prstGeom>
+          <a:noFill/>
+        </p:spPr>
+        <p:txBody>
+          <a:bodyPr wrap="none" rtlCol="0">
+            <a:spAutoFit/>
+          </a:bodyPr>
+          <a:lstStyle/>
+          <a:p>
+            <a:r>
+              <a:rPr lang="ko-KR" altLang="en-US" dirty="0"/>
+              <a:t>투 포인터</a:t>
+            </a:r>
+            <a:endParaRPr lang="en-US" altLang="ko-KR" dirty="0"/>
+          </a:p>
+          <a:p>
+            <a:endParaRPr lang="en-US" altLang="ko-KR" dirty="0"/>
+          </a:p>
+          <a:p>
+            <a:r>
+              <a:rPr lang="ko-KR" altLang="en-US" dirty="0">
+                <a:hlinkClick r:id="rId5" action="ppaction://hlinkfile"/>
+              </a:rPr>
+              <a:t>수들의 합 </a:t>
+            </a:r>
+            <a:r>
+              <a:rPr lang="en-US" altLang="ko-KR" dirty="0">
+                <a:hlinkClick r:id="rId5" action="ppaction://hlinkfile"/>
+              </a:rPr>
+              <a:t>5</a:t>
+            </a:r>
+            <a:endParaRPr lang="en-US" altLang="ko-KR" dirty="0"/>
+          </a:p>
+          <a:p>
+            <a:r>
+              <a:rPr lang="ko-KR" altLang="en-US" dirty="0">
+                <a:hlinkClick r:id="rId6"/>
+              </a:rPr>
+              <a:t>주몽</a:t>
+            </a:r>
+            <a:endParaRPr lang="en-US" altLang="ko-KR" dirty="0"/>
+          </a:p>
+          <a:p>
+            <a:r>
+              <a:rPr lang="ko-KR" altLang="en-US" b="1" dirty="0">
+                <a:solidFill>
+                  <a:srgbClr val="FF0000"/>
+                </a:solidFill>
+                <a:hlinkClick r:id="rId7">
+                  <a:extLst>
+                    <a:ext uri="{A12FA001-AC4F-418D-AE19-62706E023703}">
+                      <ahyp:hlinkClr xmlns:ahyp="http://schemas.microsoft.com/office/drawing/2018/hyperlinkcolor" val="tx"/>
+                    </a:ext>
+                  </a:extLst>
+                </a:hlinkClick>
+              </a:rPr>
+              <a:t>좋은수 구하기</a:t>
+            </a:r>
+            <a:endParaRPr lang="ko-KR" altLang="en-US" b="1" dirty="0">
+              <a:solidFill>
+                <a:srgbClr val="FF0000"/>
+              </a:solidFill>
+            </a:endParaRPr>
+          </a:p>
+        </p:txBody>
+      </p:sp>
+      <p:sp>
+        <p:nvSpPr>
+          <p:cNvPr id="5" name="TextBox 4">
+            <a:extLst>
+              <a:ext uri="{FF2B5EF4-FFF2-40B4-BE49-F238E27FC236}">
+                <a16:creationId xmlns:a16="http://schemas.microsoft.com/office/drawing/2014/main" id="{4230BC11-C246-CD3C-BE60-70F94B42E81C}"/>
+              </a:ext>
+            </a:extLst>
+          </p:cNvPr>
+          <p:cNvSpPr txBox="1"/>
+          <p:nvPr/>
+        </p:nvSpPr>
+        <p:spPr>
+          <a:xfrm>
+            <a:off x="7511670" y="2657792"/>
+            <a:ext cx="2755010" cy="1200329"/>
+          </a:xfrm>
+          <a:prstGeom prst="rect">
+            <a:avLst/>
+          </a:prstGeom>
+          <a:noFill/>
+        </p:spPr>
+        <p:txBody>
+          <a:bodyPr wrap="square" rtlCol="0">
+            <a:spAutoFit/>
+          </a:bodyPr>
+          <a:lstStyle/>
+          <a:p>
+            <a:r>
+              <a:rPr lang="ko-KR" altLang="en-US" dirty="0"/>
+              <a:t>슬라이딩 윈도우</a:t>
+            </a:r>
+            <a:endParaRPr lang="en-US" altLang="ko-KR" dirty="0"/>
+          </a:p>
+          <a:p>
+            <a:endParaRPr lang="en-US" altLang="ko-KR" dirty="0"/>
+          </a:p>
+          <a:p>
+            <a:r>
+              <a:rPr lang="en-US" altLang="ko-KR" dirty="0">
+                <a:hlinkClick r:id="rId8"/>
+              </a:rPr>
+              <a:t>DNA</a:t>
+            </a:r>
+            <a:r>
+              <a:rPr lang="ko-KR" altLang="en-US" dirty="0">
+                <a:hlinkClick r:id="rId8"/>
+              </a:rPr>
+              <a:t>비밀번호</a:t>
+            </a:r>
+            <a:endParaRPr lang="en-US" altLang="ko-KR" dirty="0"/>
+          </a:p>
+          <a:p>
+            <a:r>
+              <a:rPr lang="ko-KR" altLang="en-US" b="1" dirty="0">
+                <a:solidFill>
+                  <a:srgbClr val="FF0000"/>
+                </a:solidFill>
+                <a:hlinkClick r:id="rId9">
+                  <a:extLst>
+                    <a:ext uri="{A12FA001-AC4F-418D-AE19-62706E023703}">
+                      <ahyp:hlinkClr xmlns:ahyp="http://schemas.microsoft.com/office/drawing/2018/hyperlinkcolor" val="tx"/>
+                    </a:ext>
+                  </a:extLst>
+                </a:hlinkClick>
+              </a:rPr>
+              <a:t>최솟값 찾기</a:t>
+            </a:r>
+            <a:endParaRPr lang="ko-KR" altLang="en-US" b="1" dirty="0">
+              <a:solidFill>
+                <a:srgbClr val="FF0000"/>
+              </a:solidFill>
+            </a:endParaRPr>
+          </a:p>
+        </p:txBody>
+      </p:sp>
+    </p:spTree>
+    <p:extLst>
+      <p:ext uri="{BB962C8B-B14F-4D97-AF65-F5344CB8AC3E}">
+        <p14:creationId xmlns:p14="http://schemas.microsoft.com/office/powerpoint/2010/main" val="331035480"/>
+      </p:ext>
+    </p:extLst>
+  </p:cSld>
+  <p:clrMapOvr>
+    <a:masterClrMapping/>
+  </p:clrMapOvr>
+</p:sld>
+</file>
+
 <file path=ppt/slides/slide2.xml><?xml version="1.0" encoding="utf-8"?>
 <p:sld xmlns:a="http://schemas.openxmlformats.org/drawingml/2006/main" xmlns:r="http://schemas.openxmlformats.org/officeDocument/2006/relationships" xmlns:p="http://schemas.openxmlformats.org/presentationml/2006/main">
   <p:cSld>
@@ -7340,7 +9726,7 @@
         <p:spPr>
           <a:xfrm>
             <a:off x="528553" y="1765997"/>
-            <a:ext cx="10825247" cy="923330"/>
+            <a:ext cx="10825247" cy="1200329"/>
           </a:xfrm>
           <a:prstGeom prst="rect">
             <a:avLst/>
@@ -7386,19 +9772,41 @@
           <a:p>
             <a:r>
               <a:rPr lang="en-US" altLang="ko-KR" dirty="0"/>
+              <a:t>total</a:t>
+            </a:r>
+            <a:r>
+              <a:rPr lang="ko-KR" altLang="en-US" dirty="0"/>
+              <a:t>이 부족하면 </a:t>
+            </a:r>
+            <a:r>
+              <a:rPr lang="en-US" altLang="ko-KR" dirty="0"/>
               <a:t>end++</a:t>
             </a:r>
             <a:r>
               <a:rPr lang="ko-KR" altLang="en-US" dirty="0"/>
-              <a:t> 할 때 → </a:t>
+              <a:t>  → </a:t>
             </a:r>
             <a:r>
               <a:rPr lang="en-US" altLang="ko-KR" dirty="0"/>
-              <a:t>total += end    ,  start++</a:t>
+              <a:t>total += end    </a:t>
+            </a:r>
+          </a:p>
+          <a:p>
+            <a:r>
+              <a:rPr lang="en-US" altLang="ko-KR" dirty="0"/>
+              <a:t>total</a:t>
             </a:r>
             <a:r>
               <a:rPr lang="ko-KR" altLang="en-US" dirty="0"/>
-              <a:t> 할 때 → </a:t>
+              <a:t>이 넘치면 </a:t>
+            </a:r>
+            <a:r>
+              <a:rPr lang="en-US" altLang="ko-KR" dirty="0"/>
+              <a:t>start++</a:t>
+            </a:r>
+            <a:r>
+              <a:rPr lang="ko-KR" altLang="en-US" dirty="0"/>
+              <a:t>  → </a:t>
             </a:r>
             <a:r>
               <a:rPr lang="en-US" altLang="ko-KR" dirty="0"/>
@@ -7601,6 +10009,3751 @@
           </a:p>
         </p:txBody>
       </p:sp>
+      <p:graphicFrame>
+        <p:nvGraphicFramePr>
+          <p:cNvPr id="3" name="표 2">
+            <a:extLst>
+              <a:ext uri="{FF2B5EF4-FFF2-40B4-BE49-F238E27FC236}">
+                <a16:creationId xmlns:a16="http://schemas.microsoft.com/office/drawing/2014/main" id="{0D6BEB7E-D277-7E27-5D38-307C3A90ABCC}"/>
+              </a:ext>
+            </a:extLst>
+          </p:cNvPr>
+          <p:cNvGraphicFramePr>
+            <a:graphicFrameLocks noGrp="1"/>
+          </p:cNvGraphicFramePr>
+          <p:nvPr>
+            <p:extLst>
+              <p:ext uri="{D42A27DB-BD31-4B8C-83A1-F6EECF244321}">
+                <p14:modId xmlns:p14="http://schemas.microsoft.com/office/powerpoint/2010/main" val="610452821"/>
+              </p:ext>
+            </p:extLst>
+          </p:nvPr>
+        </p:nvGraphicFramePr>
+        <p:xfrm>
+          <a:off x="664375" y="2910366"/>
+          <a:ext cx="3824944" cy="370840"/>
+        </p:xfrm>
+        <a:graphic>
+          <a:graphicData uri="http://schemas.openxmlformats.org/drawingml/2006/table">
+            <a:tbl>
+              <a:tblPr firstRow="1" bandRow="1">
+                <a:tableStyleId>{5C22544A-7EE6-4342-B048-85BDC9FD1C3A}</a:tableStyleId>
+              </a:tblPr>
+              <a:tblGrid>
+                <a:gridCol w="478118">
+                  <a:extLst>
+                    <a:ext uri="{9D8B030D-6E8A-4147-A177-3AD203B41FA5}">
+                      <a16:colId xmlns:a16="http://schemas.microsoft.com/office/drawing/2014/main" val="825026559"/>
+                    </a:ext>
+                  </a:extLst>
+                </a:gridCol>
+                <a:gridCol w="478118">
+                  <a:extLst>
+                    <a:ext uri="{9D8B030D-6E8A-4147-A177-3AD203B41FA5}">
+                      <a16:colId xmlns:a16="http://schemas.microsoft.com/office/drawing/2014/main" val="2456351618"/>
+                    </a:ext>
+                  </a:extLst>
+                </a:gridCol>
+                <a:gridCol w="478118">
+                  <a:extLst>
+                    <a:ext uri="{9D8B030D-6E8A-4147-A177-3AD203B41FA5}">
+                      <a16:colId xmlns:a16="http://schemas.microsoft.com/office/drawing/2014/main" val="1239623525"/>
+                    </a:ext>
+                  </a:extLst>
+                </a:gridCol>
+                <a:gridCol w="478118">
+                  <a:extLst>
+                    <a:ext uri="{9D8B030D-6E8A-4147-A177-3AD203B41FA5}">
+                      <a16:colId xmlns:a16="http://schemas.microsoft.com/office/drawing/2014/main" val="3352409311"/>
+                    </a:ext>
+                  </a:extLst>
+                </a:gridCol>
+                <a:gridCol w="478118">
+                  <a:extLst>
+                    <a:ext uri="{9D8B030D-6E8A-4147-A177-3AD203B41FA5}">
+                      <a16:colId xmlns:a16="http://schemas.microsoft.com/office/drawing/2014/main" val="1836359395"/>
+                    </a:ext>
+                  </a:extLst>
+                </a:gridCol>
+                <a:gridCol w="478118">
+                  <a:extLst>
+                    <a:ext uri="{9D8B030D-6E8A-4147-A177-3AD203B41FA5}">
+                      <a16:colId xmlns:a16="http://schemas.microsoft.com/office/drawing/2014/main" val="3108336370"/>
+                    </a:ext>
+                  </a:extLst>
+                </a:gridCol>
+                <a:gridCol w="478118">
+                  <a:extLst>
+                    <a:ext uri="{9D8B030D-6E8A-4147-A177-3AD203B41FA5}">
+                      <a16:colId xmlns:a16="http://schemas.microsoft.com/office/drawing/2014/main" val="3075664853"/>
+                    </a:ext>
+                  </a:extLst>
+                </a:gridCol>
+                <a:gridCol w="478118">
+                  <a:extLst>
+                    <a:ext uri="{9D8B030D-6E8A-4147-A177-3AD203B41FA5}">
+                      <a16:colId xmlns:a16="http://schemas.microsoft.com/office/drawing/2014/main" val="3570697724"/>
+                    </a:ext>
+                  </a:extLst>
+                </a:gridCol>
+              </a:tblGrid>
+              <a:tr h="370840">
+                <a:tc>
+                  <a:txBody>
+                    <a:bodyPr/>
+                    <a:lstStyle/>
+                    <a:p>
+                      <a:pPr latinLnBrk="1"/>
+                      <a:r>
+                        <a:rPr lang="en-US" altLang="ko-KR" dirty="0"/>
+                        <a:t>C</a:t>
+                      </a:r>
+                      <a:endParaRPr lang="ko-KR" altLang="en-US" dirty="0"/>
+                    </a:p>
+                  </a:txBody>
+                  <a:tcPr/>
+                </a:tc>
+                <a:tc>
+                  <a:txBody>
+                    <a:bodyPr/>
+                    <a:lstStyle/>
+                    <a:p>
+                      <a:pPr latinLnBrk="1"/>
+                      <a:r>
+                        <a:rPr lang="en-US" altLang="ko-KR" dirty="0"/>
+                        <a:t>C</a:t>
+                      </a:r>
+                      <a:endParaRPr lang="ko-KR" altLang="en-US" dirty="0"/>
+                    </a:p>
+                  </a:txBody>
+                  <a:tcPr/>
+                </a:tc>
+                <a:tc>
+                  <a:txBody>
+                    <a:bodyPr/>
+                    <a:lstStyle/>
+                    <a:p>
+                      <a:pPr latinLnBrk="1"/>
+                      <a:r>
+                        <a:rPr lang="en-US" altLang="ko-KR" dirty="0"/>
+                        <a:t>T</a:t>
+                      </a:r>
+                      <a:endParaRPr lang="ko-KR" altLang="en-US" dirty="0"/>
+                    </a:p>
+                  </a:txBody>
+                  <a:tcPr/>
+                </a:tc>
+                <a:tc>
+                  <a:txBody>
+                    <a:bodyPr/>
+                    <a:lstStyle/>
+                    <a:p>
+                      <a:pPr latinLnBrk="1"/>
+                      <a:r>
+                        <a:rPr lang="en-US" altLang="ko-KR" dirty="0"/>
+                        <a:t>G</a:t>
+                      </a:r>
+                      <a:endParaRPr lang="ko-KR" altLang="en-US" dirty="0"/>
+                    </a:p>
+                  </a:txBody>
+                  <a:tcPr/>
+                </a:tc>
+                <a:tc>
+                  <a:txBody>
+                    <a:bodyPr/>
+                    <a:lstStyle/>
+                    <a:p>
+                      <a:pPr latinLnBrk="1"/>
+                      <a:r>
+                        <a:rPr lang="en-US" altLang="ko-KR" dirty="0"/>
+                        <a:t>G</a:t>
+                      </a:r>
+                      <a:endParaRPr lang="ko-KR" altLang="en-US" dirty="0"/>
+                    </a:p>
+                  </a:txBody>
+                  <a:tcPr/>
+                </a:tc>
+                <a:tc>
+                  <a:txBody>
+                    <a:bodyPr/>
+                    <a:lstStyle/>
+                    <a:p>
+                      <a:pPr latinLnBrk="1"/>
+                      <a:r>
+                        <a:rPr lang="en-US" altLang="ko-KR" dirty="0"/>
+                        <a:t>A</a:t>
+                      </a:r>
+                      <a:endParaRPr lang="ko-KR" altLang="en-US" dirty="0"/>
+                    </a:p>
+                  </a:txBody>
+                  <a:tcPr/>
+                </a:tc>
+                <a:tc>
+                  <a:txBody>
+                    <a:bodyPr/>
+                    <a:lstStyle/>
+                    <a:p>
+                      <a:pPr latinLnBrk="1"/>
+                      <a:r>
+                        <a:rPr lang="en-US" altLang="ko-KR" dirty="0"/>
+                        <a:t>T</a:t>
+                      </a:r>
+                      <a:endParaRPr lang="ko-KR" altLang="en-US" dirty="0"/>
+                    </a:p>
+                  </a:txBody>
+                  <a:tcPr/>
+                </a:tc>
+                <a:tc>
+                  <a:txBody>
+                    <a:bodyPr/>
+                    <a:lstStyle/>
+                    <a:p>
+                      <a:pPr latinLnBrk="1"/>
+                      <a:r>
+                        <a:rPr lang="en-US" altLang="ko-KR" dirty="0"/>
+                        <a:t>T</a:t>
+                      </a:r>
+                      <a:endParaRPr lang="ko-KR" altLang="en-US" dirty="0"/>
+                    </a:p>
+                  </a:txBody>
+                  <a:tcPr/>
+                </a:tc>
+                <a:extLst>
+                  <a:ext uri="{0D108BD9-81ED-4DB2-BD59-A6C34878D82A}">
+                    <a16:rowId xmlns:a16="http://schemas.microsoft.com/office/drawing/2014/main" val="176741597"/>
+                  </a:ext>
+                </a:extLst>
+              </a:tr>
+            </a:tbl>
+          </a:graphicData>
+        </a:graphic>
+      </p:graphicFrame>
+      <p:sp>
+        <p:nvSpPr>
+          <p:cNvPr id="4" name="TextBox 3">
+            <a:extLst>
+              <a:ext uri="{FF2B5EF4-FFF2-40B4-BE49-F238E27FC236}">
+                <a16:creationId xmlns:a16="http://schemas.microsoft.com/office/drawing/2014/main" id="{700696FE-EFEF-0393-D3EE-A003CAE1234B}"/>
+              </a:ext>
+            </a:extLst>
+          </p:cNvPr>
+          <p:cNvSpPr txBox="1"/>
+          <p:nvPr/>
+        </p:nvSpPr>
+        <p:spPr>
+          <a:xfrm>
+            <a:off x="838200" y="1556651"/>
+            <a:ext cx="11158055" cy="646331"/>
+          </a:xfrm>
+          <a:prstGeom prst="rect">
+            <a:avLst/>
+          </a:prstGeom>
+          <a:noFill/>
+        </p:spPr>
+        <p:txBody>
+          <a:bodyPr wrap="none" rtlCol="0">
+            <a:spAutoFit/>
+          </a:bodyPr>
+          <a:lstStyle/>
+          <a:p>
+            <a:r>
+              <a:rPr lang="ko-KR" altLang="en-US" dirty="0"/>
+              <a:t> 투 포인터의 일종으로 </a:t>
+            </a:r>
+            <a:r>
+              <a:rPr lang="en-US" altLang="ko-KR" dirty="0"/>
+              <a:t>start</a:t>
+            </a:r>
+            <a:r>
+              <a:rPr lang="ko-KR" altLang="en-US" dirty="0"/>
+              <a:t>와 </a:t>
+            </a:r>
+            <a:r>
+              <a:rPr lang="en-US" altLang="ko-KR" dirty="0"/>
+              <a:t>end </a:t>
+            </a:r>
+            <a:r>
+              <a:rPr lang="ko-KR" altLang="en-US" dirty="0"/>
+              <a:t>로 표현되는 연속된 구간</a:t>
+            </a:r>
+            <a:r>
+              <a:rPr lang="en-US" altLang="ko-KR" dirty="0"/>
+              <a:t>(</a:t>
+            </a:r>
+            <a:r>
+              <a:rPr lang="ko-KR" altLang="en-US" dirty="0"/>
+              <a:t>윈도우</a:t>
+            </a:r>
+            <a:r>
+              <a:rPr lang="en-US" altLang="ko-KR" dirty="0"/>
+              <a:t>)</a:t>
+            </a:r>
+            <a:r>
+              <a:rPr lang="ko-KR" altLang="en-US" dirty="0"/>
+              <a:t>를 한 칸씩 옮겨가며 문제를 해결한다</a:t>
+            </a:r>
+            <a:r>
+              <a:rPr lang="en-US" altLang="ko-KR" dirty="0"/>
+              <a:t>.</a:t>
+            </a:r>
+          </a:p>
+          <a:p>
+            <a:r>
+              <a:rPr lang="ko-KR" altLang="en-US" dirty="0"/>
+              <a:t> 이때 윈도우의 크기가 고정 또는 가변 일수 있다</a:t>
+            </a:r>
+            <a:r>
+              <a:rPr lang="en-US" altLang="ko-KR" dirty="0"/>
+              <a:t>.</a:t>
+            </a:r>
+          </a:p>
+        </p:txBody>
+      </p:sp>
+      <p:sp>
+        <p:nvSpPr>
+          <p:cNvPr id="5" name="직사각형 4">
+            <a:extLst>
+              <a:ext uri="{FF2B5EF4-FFF2-40B4-BE49-F238E27FC236}">
+                <a16:creationId xmlns:a16="http://schemas.microsoft.com/office/drawing/2014/main" id="{1BBFF460-E6FE-71E9-9916-B8EF85A8886D}"/>
+              </a:ext>
+            </a:extLst>
+          </p:cNvPr>
+          <p:cNvSpPr/>
+          <p:nvPr/>
+        </p:nvSpPr>
+        <p:spPr>
+          <a:xfrm>
+            <a:off x="664376" y="2813972"/>
+            <a:ext cx="1880792" cy="503129"/>
+          </a:xfrm>
+          <a:prstGeom prst="rect">
+            <a:avLst/>
+          </a:prstGeom>
+          <a:noFill/>
+          <a:ln w="28575">
+            <a:solidFill>
+              <a:srgbClr val="92D050"/>
+            </a:solidFill>
+            <a:prstDash val="sysDash"/>
+          </a:ln>
+        </p:spPr>
+        <p:style>
+          <a:lnRef idx="2">
+            <a:schemeClr val="accent1">
+              <a:shade val="15000"/>
+            </a:schemeClr>
+          </a:lnRef>
+          <a:fillRef idx="1">
+            <a:schemeClr val="accent1"/>
+          </a:fillRef>
+          <a:effectRef idx="0">
+            <a:schemeClr val="accent1"/>
+          </a:effectRef>
+          <a:fontRef idx="minor">
+            <a:schemeClr val="lt1"/>
+          </a:fontRef>
+        </p:style>
+        <p:txBody>
+          <a:bodyPr rtlCol="0" anchor="ctr"/>
+          <a:lstStyle/>
+          <a:p>
+            <a:pPr algn="ctr"/>
+            <a:endParaRPr lang="ko-KR" altLang="en-US"/>
+          </a:p>
+        </p:txBody>
+      </p:sp>
+      <p:graphicFrame>
+        <p:nvGraphicFramePr>
+          <p:cNvPr id="6" name="표 5">
+            <a:extLst>
+              <a:ext uri="{FF2B5EF4-FFF2-40B4-BE49-F238E27FC236}">
+                <a16:creationId xmlns:a16="http://schemas.microsoft.com/office/drawing/2014/main" id="{44857407-5E41-2EB6-6363-2F6BE8D9CBE6}"/>
+              </a:ext>
+            </a:extLst>
+          </p:cNvPr>
+          <p:cNvGraphicFramePr>
+            <a:graphicFrameLocks noGrp="1"/>
+          </p:cNvGraphicFramePr>
+          <p:nvPr>
+            <p:extLst>
+              <p:ext uri="{D42A27DB-BD31-4B8C-83A1-F6EECF244321}">
+                <p14:modId xmlns:p14="http://schemas.microsoft.com/office/powerpoint/2010/main" val="2897760343"/>
+              </p:ext>
+            </p:extLst>
+          </p:nvPr>
+        </p:nvGraphicFramePr>
+        <p:xfrm>
+          <a:off x="6736225" y="2924766"/>
+          <a:ext cx="3824944" cy="370840"/>
+        </p:xfrm>
+        <a:graphic>
+          <a:graphicData uri="http://schemas.openxmlformats.org/drawingml/2006/table">
+            <a:tbl>
+              <a:tblPr firstRow="1" bandRow="1">
+                <a:tableStyleId>{5C22544A-7EE6-4342-B048-85BDC9FD1C3A}</a:tableStyleId>
+              </a:tblPr>
+              <a:tblGrid>
+                <a:gridCol w="478118">
+                  <a:extLst>
+                    <a:ext uri="{9D8B030D-6E8A-4147-A177-3AD203B41FA5}">
+                      <a16:colId xmlns:a16="http://schemas.microsoft.com/office/drawing/2014/main" val="825026559"/>
+                    </a:ext>
+                  </a:extLst>
+                </a:gridCol>
+                <a:gridCol w="478118">
+                  <a:extLst>
+                    <a:ext uri="{9D8B030D-6E8A-4147-A177-3AD203B41FA5}">
+                      <a16:colId xmlns:a16="http://schemas.microsoft.com/office/drawing/2014/main" val="2456351618"/>
+                    </a:ext>
+                  </a:extLst>
+                </a:gridCol>
+                <a:gridCol w="478118">
+                  <a:extLst>
+                    <a:ext uri="{9D8B030D-6E8A-4147-A177-3AD203B41FA5}">
+                      <a16:colId xmlns:a16="http://schemas.microsoft.com/office/drawing/2014/main" val="1239623525"/>
+                    </a:ext>
+                  </a:extLst>
+                </a:gridCol>
+                <a:gridCol w="478118">
+                  <a:extLst>
+                    <a:ext uri="{9D8B030D-6E8A-4147-A177-3AD203B41FA5}">
+                      <a16:colId xmlns:a16="http://schemas.microsoft.com/office/drawing/2014/main" val="3352409311"/>
+                    </a:ext>
+                  </a:extLst>
+                </a:gridCol>
+                <a:gridCol w="478118">
+                  <a:extLst>
+                    <a:ext uri="{9D8B030D-6E8A-4147-A177-3AD203B41FA5}">
+                      <a16:colId xmlns:a16="http://schemas.microsoft.com/office/drawing/2014/main" val="1836359395"/>
+                    </a:ext>
+                  </a:extLst>
+                </a:gridCol>
+                <a:gridCol w="478118">
+                  <a:extLst>
+                    <a:ext uri="{9D8B030D-6E8A-4147-A177-3AD203B41FA5}">
+                      <a16:colId xmlns:a16="http://schemas.microsoft.com/office/drawing/2014/main" val="3108336370"/>
+                    </a:ext>
+                  </a:extLst>
+                </a:gridCol>
+                <a:gridCol w="478118">
+                  <a:extLst>
+                    <a:ext uri="{9D8B030D-6E8A-4147-A177-3AD203B41FA5}">
+                      <a16:colId xmlns:a16="http://schemas.microsoft.com/office/drawing/2014/main" val="3075664853"/>
+                    </a:ext>
+                  </a:extLst>
+                </a:gridCol>
+                <a:gridCol w="478118">
+                  <a:extLst>
+                    <a:ext uri="{9D8B030D-6E8A-4147-A177-3AD203B41FA5}">
+                      <a16:colId xmlns:a16="http://schemas.microsoft.com/office/drawing/2014/main" val="3570697724"/>
+                    </a:ext>
+                  </a:extLst>
+                </a:gridCol>
+              </a:tblGrid>
+              <a:tr h="370840">
+                <a:tc>
+                  <a:txBody>
+                    <a:bodyPr/>
+                    <a:lstStyle/>
+                    <a:p>
+                      <a:pPr latinLnBrk="1"/>
+                      <a:r>
+                        <a:rPr lang="en-US" altLang="ko-KR" dirty="0"/>
+                        <a:t>C</a:t>
+                      </a:r>
+                      <a:endParaRPr lang="ko-KR" altLang="en-US" dirty="0"/>
+                    </a:p>
+                  </a:txBody>
+                  <a:tcPr/>
+                </a:tc>
+                <a:tc>
+                  <a:txBody>
+                    <a:bodyPr/>
+                    <a:lstStyle/>
+                    <a:p>
+                      <a:pPr latinLnBrk="1"/>
+                      <a:r>
+                        <a:rPr lang="en-US" altLang="ko-KR" dirty="0"/>
+                        <a:t>C</a:t>
+                      </a:r>
+                      <a:endParaRPr lang="ko-KR" altLang="en-US" dirty="0"/>
+                    </a:p>
+                  </a:txBody>
+                  <a:tcPr/>
+                </a:tc>
+                <a:tc>
+                  <a:txBody>
+                    <a:bodyPr/>
+                    <a:lstStyle/>
+                    <a:p>
+                      <a:pPr latinLnBrk="1"/>
+                      <a:r>
+                        <a:rPr lang="en-US" altLang="ko-KR" dirty="0"/>
+                        <a:t>T</a:t>
+                      </a:r>
+                      <a:endParaRPr lang="ko-KR" altLang="en-US" dirty="0"/>
+                    </a:p>
+                  </a:txBody>
+                  <a:tcPr/>
+                </a:tc>
+                <a:tc>
+                  <a:txBody>
+                    <a:bodyPr/>
+                    <a:lstStyle/>
+                    <a:p>
+                      <a:pPr latinLnBrk="1"/>
+                      <a:r>
+                        <a:rPr lang="en-US" altLang="ko-KR" dirty="0"/>
+                        <a:t>G</a:t>
+                      </a:r>
+                      <a:endParaRPr lang="ko-KR" altLang="en-US" dirty="0"/>
+                    </a:p>
+                  </a:txBody>
+                  <a:tcPr/>
+                </a:tc>
+                <a:tc>
+                  <a:txBody>
+                    <a:bodyPr/>
+                    <a:lstStyle/>
+                    <a:p>
+                      <a:pPr latinLnBrk="1"/>
+                      <a:r>
+                        <a:rPr lang="en-US" altLang="ko-KR" dirty="0"/>
+                        <a:t>G</a:t>
+                      </a:r>
+                      <a:endParaRPr lang="ko-KR" altLang="en-US" dirty="0"/>
+                    </a:p>
+                  </a:txBody>
+                  <a:tcPr/>
+                </a:tc>
+                <a:tc>
+                  <a:txBody>
+                    <a:bodyPr/>
+                    <a:lstStyle/>
+                    <a:p>
+                      <a:pPr latinLnBrk="1"/>
+                      <a:r>
+                        <a:rPr lang="en-US" altLang="ko-KR" dirty="0"/>
+                        <a:t>A</a:t>
+                      </a:r>
+                      <a:endParaRPr lang="ko-KR" altLang="en-US" dirty="0"/>
+                    </a:p>
+                  </a:txBody>
+                  <a:tcPr/>
+                </a:tc>
+                <a:tc>
+                  <a:txBody>
+                    <a:bodyPr/>
+                    <a:lstStyle/>
+                    <a:p>
+                      <a:pPr latinLnBrk="1"/>
+                      <a:r>
+                        <a:rPr lang="en-US" altLang="ko-KR" dirty="0"/>
+                        <a:t>T</a:t>
+                      </a:r>
+                      <a:endParaRPr lang="ko-KR" altLang="en-US" dirty="0"/>
+                    </a:p>
+                  </a:txBody>
+                  <a:tcPr/>
+                </a:tc>
+                <a:tc>
+                  <a:txBody>
+                    <a:bodyPr/>
+                    <a:lstStyle/>
+                    <a:p>
+                      <a:pPr latinLnBrk="1"/>
+                      <a:r>
+                        <a:rPr lang="en-US" altLang="ko-KR" dirty="0"/>
+                        <a:t>T</a:t>
+                      </a:r>
+                      <a:endParaRPr lang="ko-KR" altLang="en-US" dirty="0"/>
+                    </a:p>
+                  </a:txBody>
+                  <a:tcPr/>
+                </a:tc>
+                <a:extLst>
+                  <a:ext uri="{0D108BD9-81ED-4DB2-BD59-A6C34878D82A}">
+                    <a16:rowId xmlns:a16="http://schemas.microsoft.com/office/drawing/2014/main" val="176741597"/>
+                  </a:ext>
+                </a:extLst>
+              </a:tr>
+            </a:tbl>
+          </a:graphicData>
+        </a:graphic>
+      </p:graphicFrame>
+      <p:sp>
+        <p:nvSpPr>
+          <p:cNvPr id="7" name="직사각형 6">
+            <a:extLst>
+              <a:ext uri="{FF2B5EF4-FFF2-40B4-BE49-F238E27FC236}">
+                <a16:creationId xmlns:a16="http://schemas.microsoft.com/office/drawing/2014/main" id="{D4274C3D-0F13-A3F8-8C92-AB9FE6F5A53B}"/>
+              </a:ext>
+            </a:extLst>
+          </p:cNvPr>
+          <p:cNvSpPr/>
+          <p:nvPr/>
+        </p:nvSpPr>
+        <p:spPr>
+          <a:xfrm>
+            <a:off x="6736226" y="2877991"/>
+            <a:ext cx="1880792" cy="453456"/>
+          </a:xfrm>
+          <a:prstGeom prst="rect">
+            <a:avLst/>
+          </a:prstGeom>
+          <a:noFill/>
+          <a:ln w="28575">
+            <a:solidFill>
+              <a:srgbClr val="92D050"/>
+            </a:solidFill>
+            <a:prstDash val="sysDash"/>
+          </a:ln>
+        </p:spPr>
+        <p:style>
+          <a:lnRef idx="2">
+            <a:schemeClr val="accent1">
+              <a:shade val="15000"/>
+            </a:schemeClr>
+          </a:lnRef>
+          <a:fillRef idx="1">
+            <a:schemeClr val="accent1"/>
+          </a:fillRef>
+          <a:effectRef idx="0">
+            <a:schemeClr val="accent1"/>
+          </a:effectRef>
+          <a:fontRef idx="minor">
+            <a:schemeClr val="lt1"/>
+          </a:fontRef>
+        </p:style>
+        <p:txBody>
+          <a:bodyPr rtlCol="0" anchor="ctr"/>
+          <a:lstStyle/>
+          <a:p>
+            <a:pPr algn="ctr"/>
+            <a:endParaRPr lang="ko-KR" altLang="en-US"/>
+          </a:p>
+        </p:txBody>
+      </p:sp>
+      <p:graphicFrame>
+        <p:nvGraphicFramePr>
+          <p:cNvPr id="8" name="표 7">
+            <a:extLst>
+              <a:ext uri="{FF2B5EF4-FFF2-40B4-BE49-F238E27FC236}">
+                <a16:creationId xmlns:a16="http://schemas.microsoft.com/office/drawing/2014/main" id="{683DEC26-9A08-3002-312C-3DB81000656E}"/>
+              </a:ext>
+            </a:extLst>
+          </p:cNvPr>
+          <p:cNvGraphicFramePr>
+            <a:graphicFrameLocks noGrp="1"/>
+          </p:cNvGraphicFramePr>
+          <p:nvPr>
+            <p:extLst>
+              <p:ext uri="{D42A27DB-BD31-4B8C-83A1-F6EECF244321}">
+                <p14:modId xmlns:p14="http://schemas.microsoft.com/office/powerpoint/2010/main" val="403106815"/>
+              </p:ext>
+            </p:extLst>
+          </p:nvPr>
+        </p:nvGraphicFramePr>
+        <p:xfrm>
+          <a:off x="664375" y="3775018"/>
+          <a:ext cx="3824944" cy="370840"/>
+        </p:xfrm>
+        <a:graphic>
+          <a:graphicData uri="http://schemas.openxmlformats.org/drawingml/2006/table">
+            <a:tbl>
+              <a:tblPr firstRow="1" bandRow="1">
+                <a:tableStyleId>{5C22544A-7EE6-4342-B048-85BDC9FD1C3A}</a:tableStyleId>
+              </a:tblPr>
+              <a:tblGrid>
+                <a:gridCol w="478118">
+                  <a:extLst>
+                    <a:ext uri="{9D8B030D-6E8A-4147-A177-3AD203B41FA5}">
+                      <a16:colId xmlns:a16="http://schemas.microsoft.com/office/drawing/2014/main" val="825026559"/>
+                    </a:ext>
+                  </a:extLst>
+                </a:gridCol>
+                <a:gridCol w="478118">
+                  <a:extLst>
+                    <a:ext uri="{9D8B030D-6E8A-4147-A177-3AD203B41FA5}">
+                      <a16:colId xmlns:a16="http://schemas.microsoft.com/office/drawing/2014/main" val="2456351618"/>
+                    </a:ext>
+                  </a:extLst>
+                </a:gridCol>
+                <a:gridCol w="478118">
+                  <a:extLst>
+                    <a:ext uri="{9D8B030D-6E8A-4147-A177-3AD203B41FA5}">
+                      <a16:colId xmlns:a16="http://schemas.microsoft.com/office/drawing/2014/main" val="1239623525"/>
+                    </a:ext>
+                  </a:extLst>
+                </a:gridCol>
+                <a:gridCol w="478118">
+                  <a:extLst>
+                    <a:ext uri="{9D8B030D-6E8A-4147-A177-3AD203B41FA5}">
+                      <a16:colId xmlns:a16="http://schemas.microsoft.com/office/drawing/2014/main" val="3352409311"/>
+                    </a:ext>
+                  </a:extLst>
+                </a:gridCol>
+                <a:gridCol w="478118">
+                  <a:extLst>
+                    <a:ext uri="{9D8B030D-6E8A-4147-A177-3AD203B41FA5}">
+                      <a16:colId xmlns:a16="http://schemas.microsoft.com/office/drawing/2014/main" val="1836359395"/>
+                    </a:ext>
+                  </a:extLst>
+                </a:gridCol>
+                <a:gridCol w="478118">
+                  <a:extLst>
+                    <a:ext uri="{9D8B030D-6E8A-4147-A177-3AD203B41FA5}">
+                      <a16:colId xmlns:a16="http://schemas.microsoft.com/office/drawing/2014/main" val="3108336370"/>
+                    </a:ext>
+                  </a:extLst>
+                </a:gridCol>
+                <a:gridCol w="478118">
+                  <a:extLst>
+                    <a:ext uri="{9D8B030D-6E8A-4147-A177-3AD203B41FA5}">
+                      <a16:colId xmlns:a16="http://schemas.microsoft.com/office/drawing/2014/main" val="3075664853"/>
+                    </a:ext>
+                  </a:extLst>
+                </a:gridCol>
+                <a:gridCol w="478118">
+                  <a:extLst>
+                    <a:ext uri="{9D8B030D-6E8A-4147-A177-3AD203B41FA5}">
+                      <a16:colId xmlns:a16="http://schemas.microsoft.com/office/drawing/2014/main" val="3570697724"/>
+                    </a:ext>
+                  </a:extLst>
+                </a:gridCol>
+              </a:tblGrid>
+              <a:tr h="370840">
+                <a:tc>
+                  <a:txBody>
+                    <a:bodyPr/>
+                    <a:lstStyle/>
+                    <a:p>
+                      <a:pPr latinLnBrk="1"/>
+                      <a:r>
+                        <a:rPr lang="en-US" altLang="ko-KR" dirty="0"/>
+                        <a:t>C</a:t>
+                      </a:r>
+                      <a:endParaRPr lang="ko-KR" altLang="en-US" dirty="0"/>
+                    </a:p>
+                  </a:txBody>
+                  <a:tcPr/>
+                </a:tc>
+                <a:tc>
+                  <a:txBody>
+                    <a:bodyPr/>
+                    <a:lstStyle/>
+                    <a:p>
+                      <a:pPr latinLnBrk="1"/>
+                      <a:r>
+                        <a:rPr lang="en-US" altLang="ko-KR" dirty="0"/>
+                        <a:t>C</a:t>
+                      </a:r>
+                      <a:endParaRPr lang="ko-KR" altLang="en-US" dirty="0"/>
+                    </a:p>
+                  </a:txBody>
+                  <a:tcPr/>
+                </a:tc>
+                <a:tc>
+                  <a:txBody>
+                    <a:bodyPr/>
+                    <a:lstStyle/>
+                    <a:p>
+                      <a:pPr latinLnBrk="1"/>
+                      <a:r>
+                        <a:rPr lang="en-US" altLang="ko-KR" dirty="0"/>
+                        <a:t>T</a:t>
+                      </a:r>
+                      <a:endParaRPr lang="ko-KR" altLang="en-US" dirty="0"/>
+                    </a:p>
+                  </a:txBody>
+                  <a:tcPr/>
+                </a:tc>
+                <a:tc>
+                  <a:txBody>
+                    <a:bodyPr/>
+                    <a:lstStyle/>
+                    <a:p>
+                      <a:pPr latinLnBrk="1"/>
+                      <a:r>
+                        <a:rPr lang="en-US" altLang="ko-KR" dirty="0"/>
+                        <a:t>G</a:t>
+                      </a:r>
+                      <a:endParaRPr lang="ko-KR" altLang="en-US" dirty="0"/>
+                    </a:p>
+                  </a:txBody>
+                  <a:tcPr/>
+                </a:tc>
+                <a:tc>
+                  <a:txBody>
+                    <a:bodyPr/>
+                    <a:lstStyle/>
+                    <a:p>
+                      <a:pPr latinLnBrk="1"/>
+                      <a:r>
+                        <a:rPr lang="en-US" altLang="ko-KR" dirty="0"/>
+                        <a:t>G</a:t>
+                      </a:r>
+                      <a:endParaRPr lang="ko-KR" altLang="en-US" dirty="0"/>
+                    </a:p>
+                  </a:txBody>
+                  <a:tcPr/>
+                </a:tc>
+                <a:tc>
+                  <a:txBody>
+                    <a:bodyPr/>
+                    <a:lstStyle/>
+                    <a:p>
+                      <a:pPr latinLnBrk="1"/>
+                      <a:r>
+                        <a:rPr lang="en-US" altLang="ko-KR" dirty="0"/>
+                        <a:t>A</a:t>
+                      </a:r>
+                      <a:endParaRPr lang="ko-KR" altLang="en-US" dirty="0"/>
+                    </a:p>
+                  </a:txBody>
+                  <a:tcPr/>
+                </a:tc>
+                <a:tc>
+                  <a:txBody>
+                    <a:bodyPr/>
+                    <a:lstStyle/>
+                    <a:p>
+                      <a:pPr latinLnBrk="1"/>
+                      <a:r>
+                        <a:rPr lang="en-US" altLang="ko-KR" dirty="0"/>
+                        <a:t>T</a:t>
+                      </a:r>
+                      <a:endParaRPr lang="ko-KR" altLang="en-US" dirty="0"/>
+                    </a:p>
+                  </a:txBody>
+                  <a:tcPr/>
+                </a:tc>
+                <a:tc>
+                  <a:txBody>
+                    <a:bodyPr/>
+                    <a:lstStyle/>
+                    <a:p>
+                      <a:pPr latinLnBrk="1"/>
+                      <a:r>
+                        <a:rPr lang="en-US" altLang="ko-KR" dirty="0"/>
+                        <a:t>T</a:t>
+                      </a:r>
+                      <a:endParaRPr lang="ko-KR" altLang="en-US" dirty="0"/>
+                    </a:p>
+                  </a:txBody>
+                  <a:tcPr/>
+                </a:tc>
+                <a:extLst>
+                  <a:ext uri="{0D108BD9-81ED-4DB2-BD59-A6C34878D82A}">
+                    <a16:rowId xmlns:a16="http://schemas.microsoft.com/office/drawing/2014/main" val="176741597"/>
+                  </a:ext>
+                </a:extLst>
+              </a:tr>
+            </a:tbl>
+          </a:graphicData>
+        </a:graphic>
+      </p:graphicFrame>
+      <p:sp>
+        <p:nvSpPr>
+          <p:cNvPr id="9" name="직사각형 8">
+            <a:extLst>
+              <a:ext uri="{FF2B5EF4-FFF2-40B4-BE49-F238E27FC236}">
+                <a16:creationId xmlns:a16="http://schemas.microsoft.com/office/drawing/2014/main" id="{7229DEA4-D79B-0C08-9F97-D348FEECA431}"/>
+              </a:ext>
+            </a:extLst>
+          </p:cNvPr>
+          <p:cNvSpPr/>
+          <p:nvPr/>
+        </p:nvSpPr>
+        <p:spPr>
+          <a:xfrm>
+            <a:off x="1163912" y="3684033"/>
+            <a:ext cx="1880792" cy="515055"/>
+          </a:xfrm>
+          <a:prstGeom prst="rect">
+            <a:avLst/>
+          </a:prstGeom>
+          <a:noFill/>
+          <a:ln w="28575">
+            <a:solidFill>
+              <a:srgbClr val="92D050"/>
+            </a:solidFill>
+            <a:prstDash val="sysDash"/>
+          </a:ln>
+        </p:spPr>
+        <p:style>
+          <a:lnRef idx="2">
+            <a:schemeClr val="accent1">
+              <a:shade val="15000"/>
+            </a:schemeClr>
+          </a:lnRef>
+          <a:fillRef idx="1">
+            <a:schemeClr val="accent1"/>
+          </a:fillRef>
+          <a:effectRef idx="0">
+            <a:schemeClr val="accent1"/>
+          </a:effectRef>
+          <a:fontRef idx="minor">
+            <a:schemeClr val="lt1"/>
+          </a:fontRef>
+        </p:style>
+        <p:txBody>
+          <a:bodyPr rtlCol="0" anchor="ctr"/>
+          <a:lstStyle/>
+          <a:p>
+            <a:pPr algn="ctr"/>
+            <a:endParaRPr lang="ko-KR" altLang="en-US"/>
+          </a:p>
+        </p:txBody>
+      </p:sp>
+      <p:graphicFrame>
+        <p:nvGraphicFramePr>
+          <p:cNvPr id="10" name="표 9">
+            <a:extLst>
+              <a:ext uri="{FF2B5EF4-FFF2-40B4-BE49-F238E27FC236}">
+                <a16:creationId xmlns:a16="http://schemas.microsoft.com/office/drawing/2014/main" id="{572BA717-8D65-1E55-7F75-49A10F0AAB98}"/>
+              </a:ext>
+            </a:extLst>
+          </p:cNvPr>
+          <p:cNvGraphicFramePr>
+            <a:graphicFrameLocks noGrp="1"/>
+          </p:cNvGraphicFramePr>
+          <p:nvPr>
+            <p:extLst>
+              <p:ext uri="{D42A27DB-BD31-4B8C-83A1-F6EECF244321}">
+                <p14:modId xmlns:p14="http://schemas.microsoft.com/office/powerpoint/2010/main" val="969744019"/>
+              </p:ext>
+            </p:extLst>
+          </p:nvPr>
+        </p:nvGraphicFramePr>
+        <p:xfrm>
+          <a:off x="664375" y="4627216"/>
+          <a:ext cx="3824944" cy="370840"/>
+        </p:xfrm>
+        <a:graphic>
+          <a:graphicData uri="http://schemas.openxmlformats.org/drawingml/2006/table">
+            <a:tbl>
+              <a:tblPr firstRow="1" bandRow="1">
+                <a:tableStyleId>{5C22544A-7EE6-4342-B048-85BDC9FD1C3A}</a:tableStyleId>
+              </a:tblPr>
+              <a:tblGrid>
+                <a:gridCol w="478118">
+                  <a:extLst>
+                    <a:ext uri="{9D8B030D-6E8A-4147-A177-3AD203B41FA5}">
+                      <a16:colId xmlns:a16="http://schemas.microsoft.com/office/drawing/2014/main" val="825026559"/>
+                    </a:ext>
+                  </a:extLst>
+                </a:gridCol>
+                <a:gridCol w="478118">
+                  <a:extLst>
+                    <a:ext uri="{9D8B030D-6E8A-4147-A177-3AD203B41FA5}">
+                      <a16:colId xmlns:a16="http://schemas.microsoft.com/office/drawing/2014/main" val="2456351618"/>
+                    </a:ext>
+                  </a:extLst>
+                </a:gridCol>
+                <a:gridCol w="478118">
+                  <a:extLst>
+                    <a:ext uri="{9D8B030D-6E8A-4147-A177-3AD203B41FA5}">
+                      <a16:colId xmlns:a16="http://schemas.microsoft.com/office/drawing/2014/main" val="1239623525"/>
+                    </a:ext>
+                  </a:extLst>
+                </a:gridCol>
+                <a:gridCol w="478118">
+                  <a:extLst>
+                    <a:ext uri="{9D8B030D-6E8A-4147-A177-3AD203B41FA5}">
+                      <a16:colId xmlns:a16="http://schemas.microsoft.com/office/drawing/2014/main" val="3352409311"/>
+                    </a:ext>
+                  </a:extLst>
+                </a:gridCol>
+                <a:gridCol w="478118">
+                  <a:extLst>
+                    <a:ext uri="{9D8B030D-6E8A-4147-A177-3AD203B41FA5}">
+                      <a16:colId xmlns:a16="http://schemas.microsoft.com/office/drawing/2014/main" val="1836359395"/>
+                    </a:ext>
+                  </a:extLst>
+                </a:gridCol>
+                <a:gridCol w="478118">
+                  <a:extLst>
+                    <a:ext uri="{9D8B030D-6E8A-4147-A177-3AD203B41FA5}">
+                      <a16:colId xmlns:a16="http://schemas.microsoft.com/office/drawing/2014/main" val="3108336370"/>
+                    </a:ext>
+                  </a:extLst>
+                </a:gridCol>
+                <a:gridCol w="478118">
+                  <a:extLst>
+                    <a:ext uri="{9D8B030D-6E8A-4147-A177-3AD203B41FA5}">
+                      <a16:colId xmlns:a16="http://schemas.microsoft.com/office/drawing/2014/main" val="3075664853"/>
+                    </a:ext>
+                  </a:extLst>
+                </a:gridCol>
+                <a:gridCol w="478118">
+                  <a:extLst>
+                    <a:ext uri="{9D8B030D-6E8A-4147-A177-3AD203B41FA5}">
+                      <a16:colId xmlns:a16="http://schemas.microsoft.com/office/drawing/2014/main" val="3570697724"/>
+                    </a:ext>
+                  </a:extLst>
+                </a:gridCol>
+              </a:tblGrid>
+              <a:tr h="370840">
+                <a:tc>
+                  <a:txBody>
+                    <a:bodyPr/>
+                    <a:lstStyle/>
+                    <a:p>
+                      <a:pPr latinLnBrk="1"/>
+                      <a:r>
+                        <a:rPr lang="en-US" altLang="ko-KR" dirty="0"/>
+                        <a:t>C</a:t>
+                      </a:r>
+                      <a:endParaRPr lang="ko-KR" altLang="en-US" dirty="0"/>
+                    </a:p>
+                  </a:txBody>
+                  <a:tcPr/>
+                </a:tc>
+                <a:tc>
+                  <a:txBody>
+                    <a:bodyPr/>
+                    <a:lstStyle/>
+                    <a:p>
+                      <a:pPr latinLnBrk="1"/>
+                      <a:r>
+                        <a:rPr lang="en-US" altLang="ko-KR" dirty="0"/>
+                        <a:t>C</a:t>
+                      </a:r>
+                      <a:endParaRPr lang="ko-KR" altLang="en-US" dirty="0"/>
+                    </a:p>
+                  </a:txBody>
+                  <a:tcPr/>
+                </a:tc>
+                <a:tc>
+                  <a:txBody>
+                    <a:bodyPr/>
+                    <a:lstStyle/>
+                    <a:p>
+                      <a:pPr latinLnBrk="1"/>
+                      <a:r>
+                        <a:rPr lang="en-US" altLang="ko-KR" dirty="0"/>
+                        <a:t>T</a:t>
+                      </a:r>
+                      <a:endParaRPr lang="ko-KR" altLang="en-US" dirty="0"/>
+                    </a:p>
+                  </a:txBody>
+                  <a:tcPr/>
+                </a:tc>
+                <a:tc>
+                  <a:txBody>
+                    <a:bodyPr/>
+                    <a:lstStyle/>
+                    <a:p>
+                      <a:pPr latinLnBrk="1"/>
+                      <a:r>
+                        <a:rPr lang="en-US" altLang="ko-KR" dirty="0"/>
+                        <a:t>G</a:t>
+                      </a:r>
+                      <a:endParaRPr lang="ko-KR" altLang="en-US" dirty="0"/>
+                    </a:p>
+                  </a:txBody>
+                  <a:tcPr/>
+                </a:tc>
+                <a:tc>
+                  <a:txBody>
+                    <a:bodyPr/>
+                    <a:lstStyle/>
+                    <a:p>
+                      <a:pPr latinLnBrk="1"/>
+                      <a:r>
+                        <a:rPr lang="en-US" altLang="ko-KR" dirty="0"/>
+                        <a:t>G</a:t>
+                      </a:r>
+                      <a:endParaRPr lang="ko-KR" altLang="en-US" dirty="0"/>
+                    </a:p>
+                  </a:txBody>
+                  <a:tcPr/>
+                </a:tc>
+                <a:tc>
+                  <a:txBody>
+                    <a:bodyPr/>
+                    <a:lstStyle/>
+                    <a:p>
+                      <a:pPr latinLnBrk="1"/>
+                      <a:r>
+                        <a:rPr lang="en-US" altLang="ko-KR" dirty="0"/>
+                        <a:t>A</a:t>
+                      </a:r>
+                      <a:endParaRPr lang="ko-KR" altLang="en-US" dirty="0"/>
+                    </a:p>
+                  </a:txBody>
+                  <a:tcPr/>
+                </a:tc>
+                <a:tc>
+                  <a:txBody>
+                    <a:bodyPr/>
+                    <a:lstStyle/>
+                    <a:p>
+                      <a:pPr latinLnBrk="1"/>
+                      <a:r>
+                        <a:rPr lang="en-US" altLang="ko-KR" dirty="0"/>
+                        <a:t>T</a:t>
+                      </a:r>
+                      <a:endParaRPr lang="ko-KR" altLang="en-US" dirty="0"/>
+                    </a:p>
+                  </a:txBody>
+                  <a:tcPr/>
+                </a:tc>
+                <a:tc>
+                  <a:txBody>
+                    <a:bodyPr/>
+                    <a:lstStyle/>
+                    <a:p>
+                      <a:pPr latinLnBrk="1"/>
+                      <a:r>
+                        <a:rPr lang="en-US" altLang="ko-KR" dirty="0"/>
+                        <a:t>T</a:t>
+                      </a:r>
+                      <a:endParaRPr lang="ko-KR" altLang="en-US" dirty="0"/>
+                    </a:p>
+                  </a:txBody>
+                  <a:tcPr/>
+                </a:tc>
+                <a:extLst>
+                  <a:ext uri="{0D108BD9-81ED-4DB2-BD59-A6C34878D82A}">
+                    <a16:rowId xmlns:a16="http://schemas.microsoft.com/office/drawing/2014/main" val="176741597"/>
+                  </a:ext>
+                </a:extLst>
+              </a:tr>
+            </a:tbl>
+          </a:graphicData>
+        </a:graphic>
+      </p:graphicFrame>
+      <p:sp>
+        <p:nvSpPr>
+          <p:cNvPr id="11" name="직사각형 10">
+            <a:extLst>
+              <a:ext uri="{FF2B5EF4-FFF2-40B4-BE49-F238E27FC236}">
+                <a16:creationId xmlns:a16="http://schemas.microsoft.com/office/drawing/2014/main" id="{4E158030-E128-F1EA-524E-504A4F88C2F8}"/>
+              </a:ext>
+            </a:extLst>
+          </p:cNvPr>
+          <p:cNvSpPr/>
+          <p:nvPr/>
+        </p:nvSpPr>
+        <p:spPr>
+          <a:xfrm>
+            <a:off x="1638640" y="4554157"/>
+            <a:ext cx="1880792" cy="468770"/>
+          </a:xfrm>
+          <a:prstGeom prst="rect">
+            <a:avLst/>
+          </a:prstGeom>
+          <a:noFill/>
+          <a:ln w="28575">
+            <a:solidFill>
+              <a:srgbClr val="92D050"/>
+            </a:solidFill>
+            <a:prstDash val="sysDash"/>
+          </a:ln>
+        </p:spPr>
+        <p:style>
+          <a:lnRef idx="2">
+            <a:schemeClr val="accent1">
+              <a:shade val="15000"/>
+            </a:schemeClr>
+          </a:lnRef>
+          <a:fillRef idx="1">
+            <a:schemeClr val="accent1"/>
+          </a:fillRef>
+          <a:effectRef idx="0">
+            <a:schemeClr val="accent1"/>
+          </a:effectRef>
+          <a:fontRef idx="minor">
+            <a:schemeClr val="lt1"/>
+          </a:fontRef>
+        </p:style>
+        <p:txBody>
+          <a:bodyPr rtlCol="0" anchor="ctr"/>
+          <a:lstStyle/>
+          <a:p>
+            <a:pPr algn="ctr"/>
+            <a:endParaRPr lang="ko-KR" altLang="en-US"/>
+          </a:p>
+        </p:txBody>
+      </p:sp>
+      <p:graphicFrame>
+        <p:nvGraphicFramePr>
+          <p:cNvPr id="12" name="표 11">
+            <a:extLst>
+              <a:ext uri="{FF2B5EF4-FFF2-40B4-BE49-F238E27FC236}">
+                <a16:creationId xmlns:a16="http://schemas.microsoft.com/office/drawing/2014/main" id="{65E42981-3336-4D6C-9C07-90C052DBE740}"/>
+              </a:ext>
+            </a:extLst>
+          </p:cNvPr>
+          <p:cNvGraphicFramePr>
+            <a:graphicFrameLocks noGrp="1"/>
+          </p:cNvGraphicFramePr>
+          <p:nvPr>
+            <p:extLst>
+              <p:ext uri="{D42A27DB-BD31-4B8C-83A1-F6EECF244321}">
+                <p14:modId xmlns:p14="http://schemas.microsoft.com/office/powerpoint/2010/main" val="2707262345"/>
+              </p:ext>
+            </p:extLst>
+          </p:nvPr>
+        </p:nvGraphicFramePr>
+        <p:xfrm>
+          <a:off x="664375" y="5344181"/>
+          <a:ext cx="3824944" cy="370840"/>
+        </p:xfrm>
+        <a:graphic>
+          <a:graphicData uri="http://schemas.openxmlformats.org/drawingml/2006/table">
+            <a:tbl>
+              <a:tblPr firstRow="1" bandRow="1">
+                <a:tableStyleId>{5C22544A-7EE6-4342-B048-85BDC9FD1C3A}</a:tableStyleId>
+              </a:tblPr>
+              <a:tblGrid>
+                <a:gridCol w="478118">
+                  <a:extLst>
+                    <a:ext uri="{9D8B030D-6E8A-4147-A177-3AD203B41FA5}">
+                      <a16:colId xmlns:a16="http://schemas.microsoft.com/office/drawing/2014/main" val="825026559"/>
+                    </a:ext>
+                  </a:extLst>
+                </a:gridCol>
+                <a:gridCol w="478118">
+                  <a:extLst>
+                    <a:ext uri="{9D8B030D-6E8A-4147-A177-3AD203B41FA5}">
+                      <a16:colId xmlns:a16="http://schemas.microsoft.com/office/drawing/2014/main" val="2456351618"/>
+                    </a:ext>
+                  </a:extLst>
+                </a:gridCol>
+                <a:gridCol w="478118">
+                  <a:extLst>
+                    <a:ext uri="{9D8B030D-6E8A-4147-A177-3AD203B41FA5}">
+                      <a16:colId xmlns:a16="http://schemas.microsoft.com/office/drawing/2014/main" val="1239623525"/>
+                    </a:ext>
+                  </a:extLst>
+                </a:gridCol>
+                <a:gridCol w="478118">
+                  <a:extLst>
+                    <a:ext uri="{9D8B030D-6E8A-4147-A177-3AD203B41FA5}">
+                      <a16:colId xmlns:a16="http://schemas.microsoft.com/office/drawing/2014/main" val="3352409311"/>
+                    </a:ext>
+                  </a:extLst>
+                </a:gridCol>
+                <a:gridCol w="478118">
+                  <a:extLst>
+                    <a:ext uri="{9D8B030D-6E8A-4147-A177-3AD203B41FA5}">
+                      <a16:colId xmlns:a16="http://schemas.microsoft.com/office/drawing/2014/main" val="1836359395"/>
+                    </a:ext>
+                  </a:extLst>
+                </a:gridCol>
+                <a:gridCol w="478118">
+                  <a:extLst>
+                    <a:ext uri="{9D8B030D-6E8A-4147-A177-3AD203B41FA5}">
+                      <a16:colId xmlns:a16="http://schemas.microsoft.com/office/drawing/2014/main" val="3108336370"/>
+                    </a:ext>
+                  </a:extLst>
+                </a:gridCol>
+                <a:gridCol w="478118">
+                  <a:extLst>
+                    <a:ext uri="{9D8B030D-6E8A-4147-A177-3AD203B41FA5}">
+                      <a16:colId xmlns:a16="http://schemas.microsoft.com/office/drawing/2014/main" val="3075664853"/>
+                    </a:ext>
+                  </a:extLst>
+                </a:gridCol>
+                <a:gridCol w="478118">
+                  <a:extLst>
+                    <a:ext uri="{9D8B030D-6E8A-4147-A177-3AD203B41FA5}">
+                      <a16:colId xmlns:a16="http://schemas.microsoft.com/office/drawing/2014/main" val="3570697724"/>
+                    </a:ext>
+                  </a:extLst>
+                </a:gridCol>
+              </a:tblGrid>
+              <a:tr h="370840">
+                <a:tc>
+                  <a:txBody>
+                    <a:bodyPr/>
+                    <a:lstStyle/>
+                    <a:p>
+                      <a:pPr latinLnBrk="1"/>
+                      <a:r>
+                        <a:rPr lang="en-US" altLang="ko-KR" dirty="0"/>
+                        <a:t>C</a:t>
+                      </a:r>
+                      <a:endParaRPr lang="ko-KR" altLang="en-US" dirty="0"/>
+                    </a:p>
+                  </a:txBody>
+                  <a:tcPr/>
+                </a:tc>
+                <a:tc>
+                  <a:txBody>
+                    <a:bodyPr/>
+                    <a:lstStyle/>
+                    <a:p>
+                      <a:pPr latinLnBrk="1"/>
+                      <a:r>
+                        <a:rPr lang="en-US" altLang="ko-KR" dirty="0"/>
+                        <a:t>C</a:t>
+                      </a:r>
+                      <a:endParaRPr lang="ko-KR" altLang="en-US" dirty="0"/>
+                    </a:p>
+                  </a:txBody>
+                  <a:tcPr/>
+                </a:tc>
+                <a:tc>
+                  <a:txBody>
+                    <a:bodyPr/>
+                    <a:lstStyle/>
+                    <a:p>
+                      <a:pPr latinLnBrk="1"/>
+                      <a:r>
+                        <a:rPr lang="en-US" altLang="ko-KR" dirty="0"/>
+                        <a:t>T</a:t>
+                      </a:r>
+                      <a:endParaRPr lang="ko-KR" altLang="en-US" dirty="0"/>
+                    </a:p>
+                  </a:txBody>
+                  <a:tcPr/>
+                </a:tc>
+                <a:tc>
+                  <a:txBody>
+                    <a:bodyPr/>
+                    <a:lstStyle/>
+                    <a:p>
+                      <a:pPr latinLnBrk="1"/>
+                      <a:r>
+                        <a:rPr lang="en-US" altLang="ko-KR" dirty="0"/>
+                        <a:t>G</a:t>
+                      </a:r>
+                      <a:endParaRPr lang="ko-KR" altLang="en-US" dirty="0"/>
+                    </a:p>
+                  </a:txBody>
+                  <a:tcPr/>
+                </a:tc>
+                <a:tc>
+                  <a:txBody>
+                    <a:bodyPr/>
+                    <a:lstStyle/>
+                    <a:p>
+                      <a:pPr latinLnBrk="1"/>
+                      <a:r>
+                        <a:rPr lang="en-US" altLang="ko-KR" dirty="0"/>
+                        <a:t>G</a:t>
+                      </a:r>
+                      <a:endParaRPr lang="ko-KR" altLang="en-US" dirty="0"/>
+                    </a:p>
+                  </a:txBody>
+                  <a:tcPr/>
+                </a:tc>
+                <a:tc>
+                  <a:txBody>
+                    <a:bodyPr/>
+                    <a:lstStyle/>
+                    <a:p>
+                      <a:pPr latinLnBrk="1"/>
+                      <a:r>
+                        <a:rPr lang="en-US" altLang="ko-KR" dirty="0"/>
+                        <a:t>A</a:t>
+                      </a:r>
+                      <a:endParaRPr lang="ko-KR" altLang="en-US" dirty="0"/>
+                    </a:p>
+                  </a:txBody>
+                  <a:tcPr/>
+                </a:tc>
+                <a:tc>
+                  <a:txBody>
+                    <a:bodyPr/>
+                    <a:lstStyle/>
+                    <a:p>
+                      <a:pPr latinLnBrk="1"/>
+                      <a:r>
+                        <a:rPr lang="en-US" altLang="ko-KR" dirty="0"/>
+                        <a:t>T</a:t>
+                      </a:r>
+                      <a:endParaRPr lang="ko-KR" altLang="en-US" dirty="0"/>
+                    </a:p>
+                  </a:txBody>
+                  <a:tcPr/>
+                </a:tc>
+                <a:tc>
+                  <a:txBody>
+                    <a:bodyPr/>
+                    <a:lstStyle/>
+                    <a:p>
+                      <a:pPr latinLnBrk="1"/>
+                      <a:r>
+                        <a:rPr lang="en-US" altLang="ko-KR" dirty="0"/>
+                        <a:t>T</a:t>
+                      </a:r>
+                      <a:endParaRPr lang="ko-KR" altLang="en-US" dirty="0"/>
+                    </a:p>
+                  </a:txBody>
+                  <a:tcPr/>
+                </a:tc>
+                <a:extLst>
+                  <a:ext uri="{0D108BD9-81ED-4DB2-BD59-A6C34878D82A}">
+                    <a16:rowId xmlns:a16="http://schemas.microsoft.com/office/drawing/2014/main" val="176741597"/>
+                  </a:ext>
+                </a:extLst>
+              </a:tr>
+            </a:tbl>
+          </a:graphicData>
+        </a:graphic>
+      </p:graphicFrame>
+      <p:sp>
+        <p:nvSpPr>
+          <p:cNvPr id="13" name="직사각형 12">
+            <a:extLst>
+              <a:ext uri="{FF2B5EF4-FFF2-40B4-BE49-F238E27FC236}">
+                <a16:creationId xmlns:a16="http://schemas.microsoft.com/office/drawing/2014/main" id="{D3251A79-24E0-4528-47AE-93B02968CADD}"/>
+              </a:ext>
+            </a:extLst>
+          </p:cNvPr>
+          <p:cNvSpPr/>
+          <p:nvPr/>
+        </p:nvSpPr>
+        <p:spPr>
+          <a:xfrm>
+            <a:off x="2104308" y="5257853"/>
+            <a:ext cx="1880792" cy="501042"/>
+          </a:xfrm>
+          <a:prstGeom prst="rect">
+            <a:avLst/>
+          </a:prstGeom>
+          <a:noFill/>
+          <a:ln w="28575">
+            <a:solidFill>
+              <a:srgbClr val="92D050"/>
+            </a:solidFill>
+            <a:prstDash val="sysDash"/>
+          </a:ln>
+        </p:spPr>
+        <p:style>
+          <a:lnRef idx="2">
+            <a:schemeClr val="accent1">
+              <a:shade val="15000"/>
+            </a:schemeClr>
+          </a:lnRef>
+          <a:fillRef idx="1">
+            <a:schemeClr val="accent1"/>
+          </a:fillRef>
+          <a:effectRef idx="0">
+            <a:schemeClr val="accent1"/>
+          </a:effectRef>
+          <a:fontRef idx="minor">
+            <a:schemeClr val="lt1"/>
+          </a:fontRef>
+        </p:style>
+        <p:txBody>
+          <a:bodyPr rtlCol="0" anchor="ctr"/>
+          <a:lstStyle/>
+          <a:p>
+            <a:pPr algn="ctr"/>
+            <a:endParaRPr lang="ko-KR" altLang="en-US"/>
+          </a:p>
+        </p:txBody>
+      </p:sp>
+      <p:graphicFrame>
+        <p:nvGraphicFramePr>
+          <p:cNvPr id="14" name="표 13">
+            <a:extLst>
+              <a:ext uri="{FF2B5EF4-FFF2-40B4-BE49-F238E27FC236}">
+                <a16:creationId xmlns:a16="http://schemas.microsoft.com/office/drawing/2014/main" id="{3C35956D-EE7D-092D-43A8-853E5E71F41E}"/>
+              </a:ext>
+            </a:extLst>
+          </p:cNvPr>
+          <p:cNvGraphicFramePr>
+            <a:graphicFrameLocks noGrp="1"/>
+          </p:cNvGraphicFramePr>
+          <p:nvPr>
+            <p:extLst>
+              <p:ext uri="{D42A27DB-BD31-4B8C-83A1-F6EECF244321}">
+                <p14:modId xmlns:p14="http://schemas.microsoft.com/office/powerpoint/2010/main" val="217692889"/>
+              </p:ext>
+            </p:extLst>
+          </p:nvPr>
+        </p:nvGraphicFramePr>
+        <p:xfrm>
+          <a:off x="664375" y="6020504"/>
+          <a:ext cx="3824944" cy="370840"/>
+        </p:xfrm>
+        <a:graphic>
+          <a:graphicData uri="http://schemas.openxmlformats.org/drawingml/2006/table">
+            <a:tbl>
+              <a:tblPr firstRow="1" bandRow="1">
+                <a:tableStyleId>{5C22544A-7EE6-4342-B048-85BDC9FD1C3A}</a:tableStyleId>
+              </a:tblPr>
+              <a:tblGrid>
+                <a:gridCol w="478118">
+                  <a:extLst>
+                    <a:ext uri="{9D8B030D-6E8A-4147-A177-3AD203B41FA5}">
+                      <a16:colId xmlns:a16="http://schemas.microsoft.com/office/drawing/2014/main" val="825026559"/>
+                    </a:ext>
+                  </a:extLst>
+                </a:gridCol>
+                <a:gridCol w="478118">
+                  <a:extLst>
+                    <a:ext uri="{9D8B030D-6E8A-4147-A177-3AD203B41FA5}">
+                      <a16:colId xmlns:a16="http://schemas.microsoft.com/office/drawing/2014/main" val="2456351618"/>
+                    </a:ext>
+                  </a:extLst>
+                </a:gridCol>
+                <a:gridCol w="478118">
+                  <a:extLst>
+                    <a:ext uri="{9D8B030D-6E8A-4147-A177-3AD203B41FA5}">
+                      <a16:colId xmlns:a16="http://schemas.microsoft.com/office/drawing/2014/main" val="1239623525"/>
+                    </a:ext>
+                  </a:extLst>
+                </a:gridCol>
+                <a:gridCol w="478118">
+                  <a:extLst>
+                    <a:ext uri="{9D8B030D-6E8A-4147-A177-3AD203B41FA5}">
+                      <a16:colId xmlns:a16="http://schemas.microsoft.com/office/drawing/2014/main" val="3352409311"/>
+                    </a:ext>
+                  </a:extLst>
+                </a:gridCol>
+                <a:gridCol w="478118">
+                  <a:extLst>
+                    <a:ext uri="{9D8B030D-6E8A-4147-A177-3AD203B41FA5}">
+                      <a16:colId xmlns:a16="http://schemas.microsoft.com/office/drawing/2014/main" val="1836359395"/>
+                    </a:ext>
+                  </a:extLst>
+                </a:gridCol>
+                <a:gridCol w="478118">
+                  <a:extLst>
+                    <a:ext uri="{9D8B030D-6E8A-4147-A177-3AD203B41FA5}">
+                      <a16:colId xmlns:a16="http://schemas.microsoft.com/office/drawing/2014/main" val="3108336370"/>
+                    </a:ext>
+                  </a:extLst>
+                </a:gridCol>
+                <a:gridCol w="478118">
+                  <a:extLst>
+                    <a:ext uri="{9D8B030D-6E8A-4147-A177-3AD203B41FA5}">
+                      <a16:colId xmlns:a16="http://schemas.microsoft.com/office/drawing/2014/main" val="3075664853"/>
+                    </a:ext>
+                  </a:extLst>
+                </a:gridCol>
+                <a:gridCol w="478118">
+                  <a:extLst>
+                    <a:ext uri="{9D8B030D-6E8A-4147-A177-3AD203B41FA5}">
+                      <a16:colId xmlns:a16="http://schemas.microsoft.com/office/drawing/2014/main" val="3570697724"/>
+                    </a:ext>
+                  </a:extLst>
+                </a:gridCol>
+              </a:tblGrid>
+              <a:tr h="370840">
+                <a:tc>
+                  <a:txBody>
+                    <a:bodyPr/>
+                    <a:lstStyle/>
+                    <a:p>
+                      <a:pPr latinLnBrk="1"/>
+                      <a:r>
+                        <a:rPr lang="en-US" altLang="ko-KR" dirty="0"/>
+                        <a:t>C</a:t>
+                      </a:r>
+                      <a:endParaRPr lang="ko-KR" altLang="en-US" dirty="0"/>
+                    </a:p>
+                  </a:txBody>
+                  <a:tcPr/>
+                </a:tc>
+                <a:tc>
+                  <a:txBody>
+                    <a:bodyPr/>
+                    <a:lstStyle/>
+                    <a:p>
+                      <a:pPr latinLnBrk="1"/>
+                      <a:r>
+                        <a:rPr lang="en-US" altLang="ko-KR" dirty="0"/>
+                        <a:t>C</a:t>
+                      </a:r>
+                      <a:endParaRPr lang="ko-KR" altLang="en-US" dirty="0"/>
+                    </a:p>
+                  </a:txBody>
+                  <a:tcPr/>
+                </a:tc>
+                <a:tc>
+                  <a:txBody>
+                    <a:bodyPr/>
+                    <a:lstStyle/>
+                    <a:p>
+                      <a:pPr latinLnBrk="1"/>
+                      <a:r>
+                        <a:rPr lang="en-US" altLang="ko-KR" dirty="0"/>
+                        <a:t>T</a:t>
+                      </a:r>
+                      <a:endParaRPr lang="ko-KR" altLang="en-US" dirty="0"/>
+                    </a:p>
+                  </a:txBody>
+                  <a:tcPr/>
+                </a:tc>
+                <a:tc>
+                  <a:txBody>
+                    <a:bodyPr/>
+                    <a:lstStyle/>
+                    <a:p>
+                      <a:pPr latinLnBrk="1"/>
+                      <a:r>
+                        <a:rPr lang="en-US" altLang="ko-KR" dirty="0"/>
+                        <a:t>G</a:t>
+                      </a:r>
+                      <a:endParaRPr lang="ko-KR" altLang="en-US" dirty="0"/>
+                    </a:p>
+                  </a:txBody>
+                  <a:tcPr/>
+                </a:tc>
+                <a:tc>
+                  <a:txBody>
+                    <a:bodyPr/>
+                    <a:lstStyle/>
+                    <a:p>
+                      <a:pPr latinLnBrk="1"/>
+                      <a:r>
+                        <a:rPr lang="en-US" altLang="ko-KR" dirty="0"/>
+                        <a:t>G</a:t>
+                      </a:r>
+                      <a:endParaRPr lang="ko-KR" altLang="en-US" dirty="0"/>
+                    </a:p>
+                  </a:txBody>
+                  <a:tcPr/>
+                </a:tc>
+                <a:tc>
+                  <a:txBody>
+                    <a:bodyPr/>
+                    <a:lstStyle/>
+                    <a:p>
+                      <a:pPr latinLnBrk="1"/>
+                      <a:r>
+                        <a:rPr lang="en-US" altLang="ko-KR" dirty="0"/>
+                        <a:t>A</a:t>
+                      </a:r>
+                      <a:endParaRPr lang="ko-KR" altLang="en-US" dirty="0"/>
+                    </a:p>
+                  </a:txBody>
+                  <a:tcPr/>
+                </a:tc>
+                <a:tc>
+                  <a:txBody>
+                    <a:bodyPr/>
+                    <a:lstStyle/>
+                    <a:p>
+                      <a:pPr latinLnBrk="1"/>
+                      <a:r>
+                        <a:rPr lang="en-US" altLang="ko-KR" dirty="0"/>
+                        <a:t>T</a:t>
+                      </a:r>
+                      <a:endParaRPr lang="ko-KR" altLang="en-US" dirty="0"/>
+                    </a:p>
+                  </a:txBody>
+                  <a:tcPr/>
+                </a:tc>
+                <a:tc>
+                  <a:txBody>
+                    <a:bodyPr/>
+                    <a:lstStyle/>
+                    <a:p>
+                      <a:pPr latinLnBrk="1"/>
+                      <a:r>
+                        <a:rPr lang="en-US" altLang="ko-KR" dirty="0"/>
+                        <a:t>T</a:t>
+                      </a:r>
+                      <a:endParaRPr lang="ko-KR" altLang="en-US" dirty="0"/>
+                    </a:p>
+                  </a:txBody>
+                  <a:tcPr/>
+                </a:tc>
+                <a:extLst>
+                  <a:ext uri="{0D108BD9-81ED-4DB2-BD59-A6C34878D82A}">
+                    <a16:rowId xmlns:a16="http://schemas.microsoft.com/office/drawing/2014/main" val="176741597"/>
+                  </a:ext>
+                </a:extLst>
+              </a:tr>
+            </a:tbl>
+          </a:graphicData>
+        </a:graphic>
+      </p:graphicFrame>
+      <p:sp>
+        <p:nvSpPr>
+          <p:cNvPr id="15" name="직사각형 14">
+            <a:extLst>
+              <a:ext uri="{FF2B5EF4-FFF2-40B4-BE49-F238E27FC236}">
+                <a16:creationId xmlns:a16="http://schemas.microsoft.com/office/drawing/2014/main" id="{7A8F7E83-04F2-D173-8DCD-324A10037E89}"/>
+              </a:ext>
+            </a:extLst>
+          </p:cNvPr>
+          <p:cNvSpPr/>
+          <p:nvPr/>
+        </p:nvSpPr>
+        <p:spPr>
+          <a:xfrm>
+            <a:off x="2579036" y="5911328"/>
+            <a:ext cx="1880792" cy="567147"/>
+          </a:xfrm>
+          <a:prstGeom prst="rect">
+            <a:avLst/>
+          </a:prstGeom>
+          <a:noFill/>
+          <a:ln w="28575">
+            <a:solidFill>
+              <a:srgbClr val="92D050"/>
+            </a:solidFill>
+            <a:prstDash val="sysDash"/>
+          </a:ln>
+        </p:spPr>
+        <p:style>
+          <a:lnRef idx="2">
+            <a:schemeClr val="accent1">
+              <a:shade val="15000"/>
+            </a:schemeClr>
+          </a:lnRef>
+          <a:fillRef idx="1">
+            <a:schemeClr val="accent1"/>
+          </a:fillRef>
+          <a:effectRef idx="0">
+            <a:schemeClr val="accent1"/>
+          </a:effectRef>
+          <a:fontRef idx="minor">
+            <a:schemeClr val="lt1"/>
+          </a:fontRef>
+        </p:style>
+        <p:txBody>
+          <a:bodyPr rtlCol="0" anchor="ctr"/>
+          <a:lstStyle/>
+          <a:p>
+            <a:pPr algn="ctr"/>
+            <a:endParaRPr lang="ko-KR" altLang="en-US"/>
+          </a:p>
+        </p:txBody>
+      </p:sp>
+      <p:graphicFrame>
+        <p:nvGraphicFramePr>
+          <p:cNvPr id="18" name="표 17">
+            <a:extLst>
+              <a:ext uri="{FF2B5EF4-FFF2-40B4-BE49-F238E27FC236}">
+                <a16:creationId xmlns:a16="http://schemas.microsoft.com/office/drawing/2014/main" id="{4C3BB8E9-0BAB-02D5-518C-139EB26A66A7}"/>
+              </a:ext>
+            </a:extLst>
+          </p:cNvPr>
+          <p:cNvGraphicFramePr>
+            <a:graphicFrameLocks noGrp="1"/>
+          </p:cNvGraphicFramePr>
+          <p:nvPr>
+            <p:extLst>
+              <p:ext uri="{D42A27DB-BD31-4B8C-83A1-F6EECF244321}">
+                <p14:modId xmlns:p14="http://schemas.microsoft.com/office/powerpoint/2010/main" val="1728496556"/>
+              </p:ext>
+            </p:extLst>
+          </p:nvPr>
+        </p:nvGraphicFramePr>
+        <p:xfrm>
+          <a:off x="6736225" y="3806830"/>
+          <a:ext cx="3824944" cy="370840"/>
+        </p:xfrm>
+        <a:graphic>
+          <a:graphicData uri="http://schemas.openxmlformats.org/drawingml/2006/table">
+            <a:tbl>
+              <a:tblPr firstRow="1" bandRow="1">
+                <a:tableStyleId>{5C22544A-7EE6-4342-B048-85BDC9FD1C3A}</a:tableStyleId>
+              </a:tblPr>
+              <a:tblGrid>
+                <a:gridCol w="478118">
+                  <a:extLst>
+                    <a:ext uri="{9D8B030D-6E8A-4147-A177-3AD203B41FA5}">
+                      <a16:colId xmlns:a16="http://schemas.microsoft.com/office/drawing/2014/main" val="825026559"/>
+                    </a:ext>
+                  </a:extLst>
+                </a:gridCol>
+                <a:gridCol w="478118">
+                  <a:extLst>
+                    <a:ext uri="{9D8B030D-6E8A-4147-A177-3AD203B41FA5}">
+                      <a16:colId xmlns:a16="http://schemas.microsoft.com/office/drawing/2014/main" val="2456351618"/>
+                    </a:ext>
+                  </a:extLst>
+                </a:gridCol>
+                <a:gridCol w="478118">
+                  <a:extLst>
+                    <a:ext uri="{9D8B030D-6E8A-4147-A177-3AD203B41FA5}">
+                      <a16:colId xmlns:a16="http://schemas.microsoft.com/office/drawing/2014/main" val="1239623525"/>
+                    </a:ext>
+                  </a:extLst>
+                </a:gridCol>
+                <a:gridCol w="478118">
+                  <a:extLst>
+                    <a:ext uri="{9D8B030D-6E8A-4147-A177-3AD203B41FA5}">
+                      <a16:colId xmlns:a16="http://schemas.microsoft.com/office/drawing/2014/main" val="3352409311"/>
+                    </a:ext>
+                  </a:extLst>
+                </a:gridCol>
+                <a:gridCol w="478118">
+                  <a:extLst>
+                    <a:ext uri="{9D8B030D-6E8A-4147-A177-3AD203B41FA5}">
+                      <a16:colId xmlns:a16="http://schemas.microsoft.com/office/drawing/2014/main" val="1836359395"/>
+                    </a:ext>
+                  </a:extLst>
+                </a:gridCol>
+                <a:gridCol w="478118">
+                  <a:extLst>
+                    <a:ext uri="{9D8B030D-6E8A-4147-A177-3AD203B41FA5}">
+                      <a16:colId xmlns:a16="http://schemas.microsoft.com/office/drawing/2014/main" val="3108336370"/>
+                    </a:ext>
+                  </a:extLst>
+                </a:gridCol>
+                <a:gridCol w="478118">
+                  <a:extLst>
+                    <a:ext uri="{9D8B030D-6E8A-4147-A177-3AD203B41FA5}">
+                      <a16:colId xmlns:a16="http://schemas.microsoft.com/office/drawing/2014/main" val="3075664853"/>
+                    </a:ext>
+                  </a:extLst>
+                </a:gridCol>
+                <a:gridCol w="478118">
+                  <a:extLst>
+                    <a:ext uri="{9D8B030D-6E8A-4147-A177-3AD203B41FA5}">
+                      <a16:colId xmlns:a16="http://schemas.microsoft.com/office/drawing/2014/main" val="3570697724"/>
+                    </a:ext>
+                  </a:extLst>
+                </a:gridCol>
+              </a:tblGrid>
+              <a:tr h="370840">
+                <a:tc>
+                  <a:txBody>
+                    <a:bodyPr/>
+                    <a:lstStyle/>
+                    <a:p>
+                      <a:pPr latinLnBrk="1"/>
+                      <a:r>
+                        <a:rPr lang="en-US" altLang="ko-KR" dirty="0"/>
+                        <a:t>C</a:t>
+                      </a:r>
+                      <a:endParaRPr lang="ko-KR" altLang="en-US" dirty="0"/>
+                    </a:p>
+                  </a:txBody>
+                  <a:tcPr/>
+                </a:tc>
+                <a:tc>
+                  <a:txBody>
+                    <a:bodyPr/>
+                    <a:lstStyle/>
+                    <a:p>
+                      <a:pPr latinLnBrk="1"/>
+                      <a:r>
+                        <a:rPr lang="en-US" altLang="ko-KR" dirty="0"/>
+                        <a:t>C</a:t>
+                      </a:r>
+                      <a:endParaRPr lang="ko-KR" altLang="en-US" dirty="0"/>
+                    </a:p>
+                  </a:txBody>
+                  <a:tcPr/>
+                </a:tc>
+                <a:tc>
+                  <a:txBody>
+                    <a:bodyPr/>
+                    <a:lstStyle/>
+                    <a:p>
+                      <a:pPr latinLnBrk="1"/>
+                      <a:r>
+                        <a:rPr lang="en-US" altLang="ko-KR" dirty="0"/>
+                        <a:t>T</a:t>
+                      </a:r>
+                      <a:endParaRPr lang="ko-KR" altLang="en-US" dirty="0"/>
+                    </a:p>
+                  </a:txBody>
+                  <a:tcPr/>
+                </a:tc>
+                <a:tc>
+                  <a:txBody>
+                    <a:bodyPr/>
+                    <a:lstStyle/>
+                    <a:p>
+                      <a:pPr latinLnBrk="1"/>
+                      <a:r>
+                        <a:rPr lang="en-US" altLang="ko-KR" dirty="0"/>
+                        <a:t>G</a:t>
+                      </a:r>
+                      <a:endParaRPr lang="ko-KR" altLang="en-US" dirty="0"/>
+                    </a:p>
+                  </a:txBody>
+                  <a:tcPr/>
+                </a:tc>
+                <a:tc>
+                  <a:txBody>
+                    <a:bodyPr/>
+                    <a:lstStyle/>
+                    <a:p>
+                      <a:pPr latinLnBrk="1"/>
+                      <a:r>
+                        <a:rPr lang="en-US" altLang="ko-KR" dirty="0"/>
+                        <a:t>G</a:t>
+                      </a:r>
+                      <a:endParaRPr lang="ko-KR" altLang="en-US" dirty="0"/>
+                    </a:p>
+                  </a:txBody>
+                  <a:tcPr/>
+                </a:tc>
+                <a:tc>
+                  <a:txBody>
+                    <a:bodyPr/>
+                    <a:lstStyle/>
+                    <a:p>
+                      <a:pPr latinLnBrk="1"/>
+                      <a:r>
+                        <a:rPr lang="en-US" altLang="ko-KR" dirty="0"/>
+                        <a:t>A</a:t>
+                      </a:r>
+                      <a:endParaRPr lang="ko-KR" altLang="en-US" dirty="0"/>
+                    </a:p>
+                  </a:txBody>
+                  <a:tcPr/>
+                </a:tc>
+                <a:tc>
+                  <a:txBody>
+                    <a:bodyPr/>
+                    <a:lstStyle/>
+                    <a:p>
+                      <a:pPr latinLnBrk="1"/>
+                      <a:r>
+                        <a:rPr lang="en-US" altLang="ko-KR" dirty="0"/>
+                        <a:t>T</a:t>
+                      </a:r>
+                      <a:endParaRPr lang="ko-KR" altLang="en-US" dirty="0"/>
+                    </a:p>
+                  </a:txBody>
+                  <a:tcPr/>
+                </a:tc>
+                <a:tc>
+                  <a:txBody>
+                    <a:bodyPr/>
+                    <a:lstStyle/>
+                    <a:p>
+                      <a:pPr latinLnBrk="1"/>
+                      <a:r>
+                        <a:rPr lang="en-US" altLang="ko-KR" dirty="0"/>
+                        <a:t>T</a:t>
+                      </a:r>
+                      <a:endParaRPr lang="ko-KR" altLang="en-US" dirty="0"/>
+                    </a:p>
+                  </a:txBody>
+                  <a:tcPr/>
+                </a:tc>
+                <a:extLst>
+                  <a:ext uri="{0D108BD9-81ED-4DB2-BD59-A6C34878D82A}">
+                    <a16:rowId xmlns:a16="http://schemas.microsoft.com/office/drawing/2014/main" val="176741597"/>
+                  </a:ext>
+                </a:extLst>
+              </a:tr>
+            </a:tbl>
+          </a:graphicData>
+        </a:graphic>
+      </p:graphicFrame>
+      <p:sp>
+        <p:nvSpPr>
+          <p:cNvPr id="19" name="직사각형 18">
+            <a:extLst>
+              <a:ext uri="{FF2B5EF4-FFF2-40B4-BE49-F238E27FC236}">
+                <a16:creationId xmlns:a16="http://schemas.microsoft.com/office/drawing/2014/main" id="{78AFD1EC-E1B1-0193-099B-167DE9E42E38}"/>
+              </a:ext>
+            </a:extLst>
+          </p:cNvPr>
+          <p:cNvSpPr/>
+          <p:nvPr/>
+        </p:nvSpPr>
+        <p:spPr>
+          <a:xfrm>
+            <a:off x="6736225" y="3736126"/>
+            <a:ext cx="2393477" cy="495073"/>
+          </a:xfrm>
+          <a:prstGeom prst="rect">
+            <a:avLst/>
+          </a:prstGeom>
+          <a:noFill/>
+          <a:ln w="28575">
+            <a:solidFill>
+              <a:srgbClr val="92D050"/>
+            </a:solidFill>
+            <a:prstDash val="sysDash"/>
+          </a:ln>
+        </p:spPr>
+        <p:style>
+          <a:lnRef idx="2">
+            <a:schemeClr val="accent1">
+              <a:shade val="15000"/>
+            </a:schemeClr>
+          </a:lnRef>
+          <a:fillRef idx="1">
+            <a:schemeClr val="accent1"/>
+          </a:fillRef>
+          <a:effectRef idx="0">
+            <a:schemeClr val="accent1"/>
+          </a:effectRef>
+          <a:fontRef idx="minor">
+            <a:schemeClr val="lt1"/>
+          </a:fontRef>
+        </p:style>
+        <p:txBody>
+          <a:bodyPr rtlCol="0" anchor="ctr"/>
+          <a:lstStyle/>
+          <a:p>
+            <a:pPr algn="ctr"/>
+            <a:endParaRPr lang="ko-KR" altLang="en-US"/>
+          </a:p>
+        </p:txBody>
+      </p:sp>
+      <p:graphicFrame>
+        <p:nvGraphicFramePr>
+          <p:cNvPr id="20" name="표 19">
+            <a:extLst>
+              <a:ext uri="{FF2B5EF4-FFF2-40B4-BE49-F238E27FC236}">
+                <a16:creationId xmlns:a16="http://schemas.microsoft.com/office/drawing/2014/main" id="{D3818389-B954-BEB0-2408-DF0C02B05FC6}"/>
+              </a:ext>
+            </a:extLst>
+          </p:cNvPr>
+          <p:cNvGraphicFramePr>
+            <a:graphicFrameLocks noGrp="1"/>
+          </p:cNvGraphicFramePr>
+          <p:nvPr>
+            <p:extLst>
+              <p:ext uri="{D42A27DB-BD31-4B8C-83A1-F6EECF244321}">
+                <p14:modId xmlns:p14="http://schemas.microsoft.com/office/powerpoint/2010/main" val="3625459456"/>
+              </p:ext>
+            </p:extLst>
+          </p:nvPr>
+        </p:nvGraphicFramePr>
+        <p:xfrm>
+          <a:off x="6736225" y="4503474"/>
+          <a:ext cx="3824944" cy="370840"/>
+        </p:xfrm>
+        <a:graphic>
+          <a:graphicData uri="http://schemas.openxmlformats.org/drawingml/2006/table">
+            <a:tbl>
+              <a:tblPr firstRow="1" bandRow="1">
+                <a:tableStyleId>{5C22544A-7EE6-4342-B048-85BDC9FD1C3A}</a:tableStyleId>
+              </a:tblPr>
+              <a:tblGrid>
+                <a:gridCol w="478118">
+                  <a:extLst>
+                    <a:ext uri="{9D8B030D-6E8A-4147-A177-3AD203B41FA5}">
+                      <a16:colId xmlns:a16="http://schemas.microsoft.com/office/drawing/2014/main" val="825026559"/>
+                    </a:ext>
+                  </a:extLst>
+                </a:gridCol>
+                <a:gridCol w="478118">
+                  <a:extLst>
+                    <a:ext uri="{9D8B030D-6E8A-4147-A177-3AD203B41FA5}">
+                      <a16:colId xmlns:a16="http://schemas.microsoft.com/office/drawing/2014/main" val="2456351618"/>
+                    </a:ext>
+                  </a:extLst>
+                </a:gridCol>
+                <a:gridCol w="478118">
+                  <a:extLst>
+                    <a:ext uri="{9D8B030D-6E8A-4147-A177-3AD203B41FA5}">
+                      <a16:colId xmlns:a16="http://schemas.microsoft.com/office/drawing/2014/main" val="1239623525"/>
+                    </a:ext>
+                  </a:extLst>
+                </a:gridCol>
+                <a:gridCol w="478118">
+                  <a:extLst>
+                    <a:ext uri="{9D8B030D-6E8A-4147-A177-3AD203B41FA5}">
+                      <a16:colId xmlns:a16="http://schemas.microsoft.com/office/drawing/2014/main" val="3352409311"/>
+                    </a:ext>
+                  </a:extLst>
+                </a:gridCol>
+                <a:gridCol w="478118">
+                  <a:extLst>
+                    <a:ext uri="{9D8B030D-6E8A-4147-A177-3AD203B41FA5}">
+                      <a16:colId xmlns:a16="http://schemas.microsoft.com/office/drawing/2014/main" val="1836359395"/>
+                    </a:ext>
+                  </a:extLst>
+                </a:gridCol>
+                <a:gridCol w="478118">
+                  <a:extLst>
+                    <a:ext uri="{9D8B030D-6E8A-4147-A177-3AD203B41FA5}">
+                      <a16:colId xmlns:a16="http://schemas.microsoft.com/office/drawing/2014/main" val="3108336370"/>
+                    </a:ext>
+                  </a:extLst>
+                </a:gridCol>
+                <a:gridCol w="478118">
+                  <a:extLst>
+                    <a:ext uri="{9D8B030D-6E8A-4147-A177-3AD203B41FA5}">
+                      <a16:colId xmlns:a16="http://schemas.microsoft.com/office/drawing/2014/main" val="3075664853"/>
+                    </a:ext>
+                  </a:extLst>
+                </a:gridCol>
+                <a:gridCol w="478118">
+                  <a:extLst>
+                    <a:ext uri="{9D8B030D-6E8A-4147-A177-3AD203B41FA5}">
+                      <a16:colId xmlns:a16="http://schemas.microsoft.com/office/drawing/2014/main" val="3570697724"/>
+                    </a:ext>
+                  </a:extLst>
+                </a:gridCol>
+              </a:tblGrid>
+              <a:tr h="370840">
+                <a:tc>
+                  <a:txBody>
+                    <a:bodyPr/>
+                    <a:lstStyle/>
+                    <a:p>
+                      <a:pPr latinLnBrk="1"/>
+                      <a:r>
+                        <a:rPr lang="en-US" altLang="ko-KR" dirty="0"/>
+                        <a:t>C</a:t>
+                      </a:r>
+                      <a:endParaRPr lang="ko-KR" altLang="en-US" dirty="0"/>
+                    </a:p>
+                  </a:txBody>
+                  <a:tcPr/>
+                </a:tc>
+                <a:tc>
+                  <a:txBody>
+                    <a:bodyPr/>
+                    <a:lstStyle/>
+                    <a:p>
+                      <a:pPr latinLnBrk="1"/>
+                      <a:r>
+                        <a:rPr lang="en-US" altLang="ko-KR" dirty="0"/>
+                        <a:t>C</a:t>
+                      </a:r>
+                      <a:endParaRPr lang="ko-KR" altLang="en-US" dirty="0"/>
+                    </a:p>
+                  </a:txBody>
+                  <a:tcPr/>
+                </a:tc>
+                <a:tc>
+                  <a:txBody>
+                    <a:bodyPr/>
+                    <a:lstStyle/>
+                    <a:p>
+                      <a:pPr latinLnBrk="1"/>
+                      <a:r>
+                        <a:rPr lang="en-US" altLang="ko-KR" dirty="0"/>
+                        <a:t>T</a:t>
+                      </a:r>
+                      <a:endParaRPr lang="ko-KR" altLang="en-US" dirty="0"/>
+                    </a:p>
+                  </a:txBody>
+                  <a:tcPr/>
+                </a:tc>
+                <a:tc>
+                  <a:txBody>
+                    <a:bodyPr/>
+                    <a:lstStyle/>
+                    <a:p>
+                      <a:pPr latinLnBrk="1"/>
+                      <a:r>
+                        <a:rPr lang="en-US" altLang="ko-KR" dirty="0"/>
+                        <a:t>G</a:t>
+                      </a:r>
+                      <a:endParaRPr lang="ko-KR" altLang="en-US" dirty="0"/>
+                    </a:p>
+                  </a:txBody>
+                  <a:tcPr/>
+                </a:tc>
+                <a:tc>
+                  <a:txBody>
+                    <a:bodyPr/>
+                    <a:lstStyle/>
+                    <a:p>
+                      <a:pPr latinLnBrk="1"/>
+                      <a:r>
+                        <a:rPr lang="en-US" altLang="ko-KR" dirty="0"/>
+                        <a:t>G</a:t>
+                      </a:r>
+                      <a:endParaRPr lang="ko-KR" altLang="en-US" dirty="0"/>
+                    </a:p>
+                  </a:txBody>
+                  <a:tcPr/>
+                </a:tc>
+                <a:tc>
+                  <a:txBody>
+                    <a:bodyPr/>
+                    <a:lstStyle/>
+                    <a:p>
+                      <a:pPr latinLnBrk="1"/>
+                      <a:r>
+                        <a:rPr lang="en-US" altLang="ko-KR" dirty="0"/>
+                        <a:t>A</a:t>
+                      </a:r>
+                      <a:endParaRPr lang="ko-KR" altLang="en-US" dirty="0"/>
+                    </a:p>
+                  </a:txBody>
+                  <a:tcPr/>
+                </a:tc>
+                <a:tc>
+                  <a:txBody>
+                    <a:bodyPr/>
+                    <a:lstStyle/>
+                    <a:p>
+                      <a:pPr latinLnBrk="1"/>
+                      <a:r>
+                        <a:rPr lang="en-US" altLang="ko-KR" dirty="0"/>
+                        <a:t>T</a:t>
+                      </a:r>
+                      <a:endParaRPr lang="ko-KR" altLang="en-US" dirty="0"/>
+                    </a:p>
+                  </a:txBody>
+                  <a:tcPr/>
+                </a:tc>
+                <a:tc>
+                  <a:txBody>
+                    <a:bodyPr/>
+                    <a:lstStyle/>
+                    <a:p>
+                      <a:pPr latinLnBrk="1"/>
+                      <a:r>
+                        <a:rPr lang="en-US" altLang="ko-KR" dirty="0"/>
+                        <a:t>T</a:t>
+                      </a:r>
+                      <a:endParaRPr lang="ko-KR" altLang="en-US" dirty="0"/>
+                    </a:p>
+                  </a:txBody>
+                  <a:tcPr/>
+                </a:tc>
+                <a:extLst>
+                  <a:ext uri="{0D108BD9-81ED-4DB2-BD59-A6C34878D82A}">
+                    <a16:rowId xmlns:a16="http://schemas.microsoft.com/office/drawing/2014/main" val="176741597"/>
+                  </a:ext>
+                </a:extLst>
+              </a:tr>
+            </a:tbl>
+          </a:graphicData>
+        </a:graphic>
+      </p:graphicFrame>
+      <p:sp>
+        <p:nvSpPr>
+          <p:cNvPr id="21" name="직사각형 20">
+            <a:extLst>
+              <a:ext uri="{FF2B5EF4-FFF2-40B4-BE49-F238E27FC236}">
+                <a16:creationId xmlns:a16="http://schemas.microsoft.com/office/drawing/2014/main" id="{08C3BFCF-A4DE-2A56-6329-3FCEDE3DDF44}"/>
+              </a:ext>
+            </a:extLst>
+          </p:cNvPr>
+          <p:cNvSpPr/>
+          <p:nvPr/>
+        </p:nvSpPr>
+        <p:spPr>
+          <a:xfrm>
+            <a:off x="8617018" y="4416770"/>
+            <a:ext cx="995284" cy="516829"/>
+          </a:xfrm>
+          <a:prstGeom prst="rect">
+            <a:avLst/>
+          </a:prstGeom>
+          <a:noFill/>
+          <a:ln w="28575">
+            <a:solidFill>
+              <a:srgbClr val="92D050"/>
+            </a:solidFill>
+            <a:prstDash val="sysDash"/>
+          </a:ln>
+        </p:spPr>
+        <p:style>
+          <a:lnRef idx="2">
+            <a:schemeClr val="accent1">
+              <a:shade val="15000"/>
+            </a:schemeClr>
+          </a:lnRef>
+          <a:fillRef idx="1">
+            <a:schemeClr val="accent1"/>
+          </a:fillRef>
+          <a:effectRef idx="0">
+            <a:schemeClr val="accent1"/>
+          </a:effectRef>
+          <a:fontRef idx="minor">
+            <a:schemeClr val="lt1"/>
+          </a:fontRef>
+        </p:style>
+        <p:txBody>
+          <a:bodyPr rtlCol="0" anchor="ctr"/>
+          <a:lstStyle/>
+          <a:p>
+            <a:pPr algn="ctr"/>
+            <a:endParaRPr lang="ko-KR" altLang="en-US"/>
+          </a:p>
+        </p:txBody>
+      </p:sp>
+      <p:graphicFrame>
+        <p:nvGraphicFramePr>
+          <p:cNvPr id="22" name="표 21">
+            <a:extLst>
+              <a:ext uri="{FF2B5EF4-FFF2-40B4-BE49-F238E27FC236}">
+                <a16:creationId xmlns:a16="http://schemas.microsoft.com/office/drawing/2014/main" id="{81482B71-192A-D0CF-2368-AE4964C14367}"/>
+              </a:ext>
+            </a:extLst>
+          </p:cNvPr>
+          <p:cNvGraphicFramePr>
+            <a:graphicFrameLocks noGrp="1"/>
+          </p:cNvGraphicFramePr>
+          <p:nvPr>
+            <p:extLst>
+              <p:ext uri="{D42A27DB-BD31-4B8C-83A1-F6EECF244321}">
+                <p14:modId xmlns:p14="http://schemas.microsoft.com/office/powerpoint/2010/main" val="51456512"/>
+              </p:ext>
+            </p:extLst>
+          </p:nvPr>
+        </p:nvGraphicFramePr>
+        <p:xfrm>
+          <a:off x="6736225" y="5206273"/>
+          <a:ext cx="3824944" cy="370840"/>
+        </p:xfrm>
+        <a:graphic>
+          <a:graphicData uri="http://schemas.openxmlformats.org/drawingml/2006/table">
+            <a:tbl>
+              <a:tblPr firstRow="1" bandRow="1">
+                <a:tableStyleId>{5C22544A-7EE6-4342-B048-85BDC9FD1C3A}</a:tableStyleId>
+              </a:tblPr>
+              <a:tblGrid>
+                <a:gridCol w="478118">
+                  <a:extLst>
+                    <a:ext uri="{9D8B030D-6E8A-4147-A177-3AD203B41FA5}">
+                      <a16:colId xmlns:a16="http://schemas.microsoft.com/office/drawing/2014/main" val="825026559"/>
+                    </a:ext>
+                  </a:extLst>
+                </a:gridCol>
+                <a:gridCol w="478118">
+                  <a:extLst>
+                    <a:ext uri="{9D8B030D-6E8A-4147-A177-3AD203B41FA5}">
+                      <a16:colId xmlns:a16="http://schemas.microsoft.com/office/drawing/2014/main" val="2456351618"/>
+                    </a:ext>
+                  </a:extLst>
+                </a:gridCol>
+                <a:gridCol w="478118">
+                  <a:extLst>
+                    <a:ext uri="{9D8B030D-6E8A-4147-A177-3AD203B41FA5}">
+                      <a16:colId xmlns:a16="http://schemas.microsoft.com/office/drawing/2014/main" val="1239623525"/>
+                    </a:ext>
+                  </a:extLst>
+                </a:gridCol>
+                <a:gridCol w="478118">
+                  <a:extLst>
+                    <a:ext uri="{9D8B030D-6E8A-4147-A177-3AD203B41FA5}">
+                      <a16:colId xmlns:a16="http://schemas.microsoft.com/office/drawing/2014/main" val="3352409311"/>
+                    </a:ext>
+                  </a:extLst>
+                </a:gridCol>
+                <a:gridCol w="478118">
+                  <a:extLst>
+                    <a:ext uri="{9D8B030D-6E8A-4147-A177-3AD203B41FA5}">
+                      <a16:colId xmlns:a16="http://schemas.microsoft.com/office/drawing/2014/main" val="1836359395"/>
+                    </a:ext>
+                  </a:extLst>
+                </a:gridCol>
+                <a:gridCol w="478118">
+                  <a:extLst>
+                    <a:ext uri="{9D8B030D-6E8A-4147-A177-3AD203B41FA5}">
+                      <a16:colId xmlns:a16="http://schemas.microsoft.com/office/drawing/2014/main" val="3108336370"/>
+                    </a:ext>
+                  </a:extLst>
+                </a:gridCol>
+                <a:gridCol w="478118">
+                  <a:extLst>
+                    <a:ext uri="{9D8B030D-6E8A-4147-A177-3AD203B41FA5}">
+                      <a16:colId xmlns:a16="http://schemas.microsoft.com/office/drawing/2014/main" val="3075664853"/>
+                    </a:ext>
+                  </a:extLst>
+                </a:gridCol>
+                <a:gridCol w="478118">
+                  <a:extLst>
+                    <a:ext uri="{9D8B030D-6E8A-4147-A177-3AD203B41FA5}">
+                      <a16:colId xmlns:a16="http://schemas.microsoft.com/office/drawing/2014/main" val="3570697724"/>
+                    </a:ext>
+                  </a:extLst>
+                </a:gridCol>
+              </a:tblGrid>
+              <a:tr h="370840">
+                <a:tc>
+                  <a:txBody>
+                    <a:bodyPr/>
+                    <a:lstStyle/>
+                    <a:p>
+                      <a:pPr latinLnBrk="1"/>
+                      <a:r>
+                        <a:rPr lang="en-US" altLang="ko-KR" dirty="0"/>
+                        <a:t>C</a:t>
+                      </a:r>
+                      <a:endParaRPr lang="ko-KR" altLang="en-US" dirty="0"/>
+                    </a:p>
+                  </a:txBody>
+                  <a:tcPr/>
+                </a:tc>
+                <a:tc>
+                  <a:txBody>
+                    <a:bodyPr/>
+                    <a:lstStyle/>
+                    <a:p>
+                      <a:pPr latinLnBrk="1"/>
+                      <a:r>
+                        <a:rPr lang="en-US" altLang="ko-KR" dirty="0"/>
+                        <a:t>C</a:t>
+                      </a:r>
+                      <a:endParaRPr lang="ko-KR" altLang="en-US" dirty="0"/>
+                    </a:p>
+                  </a:txBody>
+                  <a:tcPr/>
+                </a:tc>
+                <a:tc>
+                  <a:txBody>
+                    <a:bodyPr/>
+                    <a:lstStyle/>
+                    <a:p>
+                      <a:pPr latinLnBrk="1"/>
+                      <a:r>
+                        <a:rPr lang="en-US" altLang="ko-KR" dirty="0"/>
+                        <a:t>T</a:t>
+                      </a:r>
+                      <a:endParaRPr lang="ko-KR" altLang="en-US" dirty="0"/>
+                    </a:p>
+                  </a:txBody>
+                  <a:tcPr/>
+                </a:tc>
+                <a:tc>
+                  <a:txBody>
+                    <a:bodyPr/>
+                    <a:lstStyle/>
+                    <a:p>
+                      <a:pPr latinLnBrk="1"/>
+                      <a:r>
+                        <a:rPr lang="en-US" altLang="ko-KR" dirty="0"/>
+                        <a:t>G</a:t>
+                      </a:r>
+                      <a:endParaRPr lang="ko-KR" altLang="en-US" dirty="0"/>
+                    </a:p>
+                  </a:txBody>
+                  <a:tcPr/>
+                </a:tc>
+                <a:tc>
+                  <a:txBody>
+                    <a:bodyPr/>
+                    <a:lstStyle/>
+                    <a:p>
+                      <a:pPr latinLnBrk="1"/>
+                      <a:r>
+                        <a:rPr lang="en-US" altLang="ko-KR" dirty="0"/>
+                        <a:t>G</a:t>
+                      </a:r>
+                      <a:endParaRPr lang="ko-KR" altLang="en-US" dirty="0"/>
+                    </a:p>
+                  </a:txBody>
+                  <a:tcPr/>
+                </a:tc>
+                <a:tc>
+                  <a:txBody>
+                    <a:bodyPr/>
+                    <a:lstStyle/>
+                    <a:p>
+                      <a:pPr latinLnBrk="1"/>
+                      <a:r>
+                        <a:rPr lang="en-US" altLang="ko-KR" dirty="0"/>
+                        <a:t>A</a:t>
+                      </a:r>
+                      <a:endParaRPr lang="ko-KR" altLang="en-US" dirty="0"/>
+                    </a:p>
+                  </a:txBody>
+                  <a:tcPr/>
+                </a:tc>
+                <a:tc>
+                  <a:txBody>
+                    <a:bodyPr/>
+                    <a:lstStyle/>
+                    <a:p>
+                      <a:pPr latinLnBrk="1"/>
+                      <a:r>
+                        <a:rPr lang="en-US" altLang="ko-KR" dirty="0"/>
+                        <a:t>T</a:t>
+                      </a:r>
+                      <a:endParaRPr lang="ko-KR" altLang="en-US" dirty="0"/>
+                    </a:p>
+                  </a:txBody>
+                  <a:tcPr/>
+                </a:tc>
+                <a:tc>
+                  <a:txBody>
+                    <a:bodyPr/>
+                    <a:lstStyle/>
+                    <a:p>
+                      <a:pPr latinLnBrk="1"/>
+                      <a:r>
+                        <a:rPr lang="en-US" altLang="ko-KR" dirty="0"/>
+                        <a:t>T</a:t>
+                      </a:r>
+                      <a:endParaRPr lang="ko-KR" altLang="en-US" dirty="0"/>
+                    </a:p>
+                  </a:txBody>
+                  <a:tcPr/>
+                </a:tc>
+                <a:extLst>
+                  <a:ext uri="{0D108BD9-81ED-4DB2-BD59-A6C34878D82A}">
+                    <a16:rowId xmlns:a16="http://schemas.microsoft.com/office/drawing/2014/main" val="176741597"/>
+                  </a:ext>
+                </a:extLst>
+              </a:tr>
+            </a:tbl>
+          </a:graphicData>
+        </a:graphic>
+      </p:graphicFrame>
+      <p:sp>
+        <p:nvSpPr>
+          <p:cNvPr id="23" name="직사각형 22">
+            <a:extLst>
+              <a:ext uri="{FF2B5EF4-FFF2-40B4-BE49-F238E27FC236}">
+                <a16:creationId xmlns:a16="http://schemas.microsoft.com/office/drawing/2014/main" id="{729BB2F4-18CA-2174-CCA0-8C9512552703}"/>
+              </a:ext>
+            </a:extLst>
+          </p:cNvPr>
+          <p:cNvSpPr/>
+          <p:nvPr/>
+        </p:nvSpPr>
+        <p:spPr>
+          <a:xfrm>
+            <a:off x="8617018" y="5142446"/>
+            <a:ext cx="1492926" cy="488196"/>
+          </a:xfrm>
+          <a:prstGeom prst="rect">
+            <a:avLst/>
+          </a:prstGeom>
+          <a:noFill/>
+          <a:ln w="28575">
+            <a:solidFill>
+              <a:srgbClr val="92D050"/>
+            </a:solidFill>
+            <a:prstDash val="sysDash"/>
+          </a:ln>
+        </p:spPr>
+        <p:style>
+          <a:lnRef idx="2">
+            <a:schemeClr val="accent1">
+              <a:shade val="15000"/>
+            </a:schemeClr>
+          </a:lnRef>
+          <a:fillRef idx="1">
+            <a:schemeClr val="accent1"/>
+          </a:fillRef>
+          <a:effectRef idx="0">
+            <a:schemeClr val="accent1"/>
+          </a:effectRef>
+          <a:fontRef idx="minor">
+            <a:schemeClr val="lt1"/>
+          </a:fontRef>
+        </p:style>
+        <p:txBody>
+          <a:bodyPr rtlCol="0" anchor="ctr"/>
+          <a:lstStyle/>
+          <a:p>
+            <a:pPr algn="ctr"/>
+            <a:endParaRPr lang="ko-KR" altLang="en-US"/>
+          </a:p>
+        </p:txBody>
+      </p:sp>
+      <p:sp>
+        <p:nvSpPr>
+          <p:cNvPr id="24" name="TextBox 23">
+            <a:extLst>
+              <a:ext uri="{FF2B5EF4-FFF2-40B4-BE49-F238E27FC236}">
+                <a16:creationId xmlns:a16="http://schemas.microsoft.com/office/drawing/2014/main" id="{0BC67108-B1F3-C6E3-F50F-9E873CC1F053}"/>
+              </a:ext>
+            </a:extLst>
+          </p:cNvPr>
+          <p:cNvSpPr txBox="1"/>
+          <p:nvPr/>
+        </p:nvSpPr>
+        <p:spPr>
+          <a:xfrm>
+            <a:off x="9457268" y="2325545"/>
+            <a:ext cx="2633132" cy="523220"/>
+          </a:xfrm>
+          <a:prstGeom prst="rect">
+            <a:avLst/>
+          </a:prstGeom>
+          <a:noFill/>
+        </p:spPr>
+        <p:txBody>
+          <a:bodyPr wrap="square" rtlCol="0">
+            <a:spAutoFit/>
+          </a:bodyPr>
+          <a:lstStyle/>
+          <a:p>
+            <a:r>
+              <a:rPr lang="en-US" altLang="ko-KR" sz="1400" dirty="0"/>
+              <a:t>end</a:t>
+            </a:r>
+            <a:r>
+              <a:rPr lang="ko-KR" altLang="en-US" sz="1400" dirty="0"/>
+              <a:t>는 다음 원소를 포함시키기 위해 한번에 항상</a:t>
+            </a:r>
+            <a:r>
+              <a:rPr lang="en-US" altLang="ko-KR" sz="1400" dirty="0"/>
+              <a:t>+1 </a:t>
+            </a:r>
+            <a:r>
+              <a:rPr lang="ko-KR" altLang="en-US" sz="1400" dirty="0"/>
+              <a:t>이동</a:t>
+            </a:r>
+            <a:r>
+              <a:rPr lang="en-US" altLang="ko-KR" sz="1400" dirty="0"/>
+              <a:t> </a:t>
+            </a:r>
+            <a:endParaRPr lang="ko-KR" altLang="en-US" sz="1400" dirty="0"/>
+          </a:p>
+        </p:txBody>
+      </p:sp>
+      <p:graphicFrame>
+        <p:nvGraphicFramePr>
+          <p:cNvPr id="25" name="표 24">
+            <a:extLst>
+              <a:ext uri="{FF2B5EF4-FFF2-40B4-BE49-F238E27FC236}">
+                <a16:creationId xmlns:a16="http://schemas.microsoft.com/office/drawing/2014/main" id="{3D53B3BB-038B-33B0-2622-45F97549E4A5}"/>
+              </a:ext>
+            </a:extLst>
+          </p:cNvPr>
+          <p:cNvGraphicFramePr>
+            <a:graphicFrameLocks noGrp="1"/>
+          </p:cNvGraphicFramePr>
+          <p:nvPr>
+            <p:extLst>
+              <p:ext uri="{D42A27DB-BD31-4B8C-83A1-F6EECF244321}">
+                <p14:modId xmlns:p14="http://schemas.microsoft.com/office/powerpoint/2010/main" val="839223402"/>
+              </p:ext>
+            </p:extLst>
+          </p:nvPr>
+        </p:nvGraphicFramePr>
+        <p:xfrm>
+          <a:off x="6704546" y="6006402"/>
+          <a:ext cx="3824944" cy="370840"/>
+        </p:xfrm>
+        <a:graphic>
+          <a:graphicData uri="http://schemas.openxmlformats.org/drawingml/2006/table">
+            <a:tbl>
+              <a:tblPr firstRow="1" bandRow="1">
+                <a:tableStyleId>{5C22544A-7EE6-4342-B048-85BDC9FD1C3A}</a:tableStyleId>
+              </a:tblPr>
+              <a:tblGrid>
+                <a:gridCol w="478118">
+                  <a:extLst>
+                    <a:ext uri="{9D8B030D-6E8A-4147-A177-3AD203B41FA5}">
+                      <a16:colId xmlns:a16="http://schemas.microsoft.com/office/drawing/2014/main" val="825026559"/>
+                    </a:ext>
+                  </a:extLst>
+                </a:gridCol>
+                <a:gridCol w="478118">
+                  <a:extLst>
+                    <a:ext uri="{9D8B030D-6E8A-4147-A177-3AD203B41FA5}">
+                      <a16:colId xmlns:a16="http://schemas.microsoft.com/office/drawing/2014/main" val="2456351618"/>
+                    </a:ext>
+                  </a:extLst>
+                </a:gridCol>
+                <a:gridCol w="478118">
+                  <a:extLst>
+                    <a:ext uri="{9D8B030D-6E8A-4147-A177-3AD203B41FA5}">
+                      <a16:colId xmlns:a16="http://schemas.microsoft.com/office/drawing/2014/main" val="1239623525"/>
+                    </a:ext>
+                  </a:extLst>
+                </a:gridCol>
+                <a:gridCol w="478118">
+                  <a:extLst>
+                    <a:ext uri="{9D8B030D-6E8A-4147-A177-3AD203B41FA5}">
+                      <a16:colId xmlns:a16="http://schemas.microsoft.com/office/drawing/2014/main" val="3352409311"/>
+                    </a:ext>
+                  </a:extLst>
+                </a:gridCol>
+                <a:gridCol w="478118">
+                  <a:extLst>
+                    <a:ext uri="{9D8B030D-6E8A-4147-A177-3AD203B41FA5}">
+                      <a16:colId xmlns:a16="http://schemas.microsoft.com/office/drawing/2014/main" val="1836359395"/>
+                    </a:ext>
+                  </a:extLst>
+                </a:gridCol>
+                <a:gridCol w="478118">
+                  <a:extLst>
+                    <a:ext uri="{9D8B030D-6E8A-4147-A177-3AD203B41FA5}">
+                      <a16:colId xmlns:a16="http://schemas.microsoft.com/office/drawing/2014/main" val="3108336370"/>
+                    </a:ext>
+                  </a:extLst>
+                </a:gridCol>
+                <a:gridCol w="478118">
+                  <a:extLst>
+                    <a:ext uri="{9D8B030D-6E8A-4147-A177-3AD203B41FA5}">
+                      <a16:colId xmlns:a16="http://schemas.microsoft.com/office/drawing/2014/main" val="3075664853"/>
+                    </a:ext>
+                  </a:extLst>
+                </a:gridCol>
+                <a:gridCol w="478118">
+                  <a:extLst>
+                    <a:ext uri="{9D8B030D-6E8A-4147-A177-3AD203B41FA5}">
+                      <a16:colId xmlns:a16="http://schemas.microsoft.com/office/drawing/2014/main" val="3570697724"/>
+                    </a:ext>
+                  </a:extLst>
+                </a:gridCol>
+              </a:tblGrid>
+              <a:tr h="370840">
+                <a:tc>
+                  <a:txBody>
+                    <a:bodyPr/>
+                    <a:lstStyle/>
+                    <a:p>
+                      <a:pPr latinLnBrk="1"/>
+                      <a:r>
+                        <a:rPr lang="en-US" altLang="ko-KR" dirty="0"/>
+                        <a:t>C</a:t>
+                      </a:r>
+                      <a:endParaRPr lang="ko-KR" altLang="en-US" dirty="0"/>
+                    </a:p>
+                  </a:txBody>
+                  <a:tcPr/>
+                </a:tc>
+                <a:tc>
+                  <a:txBody>
+                    <a:bodyPr/>
+                    <a:lstStyle/>
+                    <a:p>
+                      <a:pPr latinLnBrk="1"/>
+                      <a:r>
+                        <a:rPr lang="en-US" altLang="ko-KR" dirty="0"/>
+                        <a:t>C</a:t>
+                      </a:r>
+                      <a:endParaRPr lang="ko-KR" altLang="en-US" dirty="0"/>
+                    </a:p>
+                  </a:txBody>
+                  <a:tcPr/>
+                </a:tc>
+                <a:tc>
+                  <a:txBody>
+                    <a:bodyPr/>
+                    <a:lstStyle/>
+                    <a:p>
+                      <a:pPr latinLnBrk="1"/>
+                      <a:r>
+                        <a:rPr lang="en-US" altLang="ko-KR" dirty="0"/>
+                        <a:t>T</a:t>
+                      </a:r>
+                      <a:endParaRPr lang="ko-KR" altLang="en-US" dirty="0"/>
+                    </a:p>
+                  </a:txBody>
+                  <a:tcPr/>
+                </a:tc>
+                <a:tc>
+                  <a:txBody>
+                    <a:bodyPr/>
+                    <a:lstStyle/>
+                    <a:p>
+                      <a:pPr latinLnBrk="1"/>
+                      <a:r>
+                        <a:rPr lang="en-US" altLang="ko-KR" dirty="0"/>
+                        <a:t>G</a:t>
+                      </a:r>
+                      <a:endParaRPr lang="ko-KR" altLang="en-US" dirty="0"/>
+                    </a:p>
+                  </a:txBody>
+                  <a:tcPr/>
+                </a:tc>
+                <a:tc>
+                  <a:txBody>
+                    <a:bodyPr/>
+                    <a:lstStyle/>
+                    <a:p>
+                      <a:pPr latinLnBrk="1"/>
+                      <a:r>
+                        <a:rPr lang="en-US" altLang="ko-KR" dirty="0"/>
+                        <a:t>G</a:t>
+                      </a:r>
+                      <a:endParaRPr lang="ko-KR" altLang="en-US" dirty="0"/>
+                    </a:p>
+                  </a:txBody>
+                  <a:tcPr/>
+                </a:tc>
+                <a:tc>
+                  <a:txBody>
+                    <a:bodyPr/>
+                    <a:lstStyle/>
+                    <a:p>
+                      <a:pPr latinLnBrk="1"/>
+                      <a:r>
+                        <a:rPr lang="en-US" altLang="ko-KR" dirty="0"/>
+                        <a:t>A</a:t>
+                      </a:r>
+                      <a:endParaRPr lang="ko-KR" altLang="en-US" dirty="0"/>
+                    </a:p>
+                  </a:txBody>
+                  <a:tcPr/>
+                </a:tc>
+                <a:tc>
+                  <a:txBody>
+                    <a:bodyPr/>
+                    <a:lstStyle/>
+                    <a:p>
+                      <a:pPr latinLnBrk="1"/>
+                      <a:r>
+                        <a:rPr lang="en-US" altLang="ko-KR" dirty="0"/>
+                        <a:t>T</a:t>
+                      </a:r>
+                      <a:endParaRPr lang="ko-KR" altLang="en-US" dirty="0"/>
+                    </a:p>
+                  </a:txBody>
+                  <a:tcPr/>
+                </a:tc>
+                <a:tc>
+                  <a:txBody>
+                    <a:bodyPr/>
+                    <a:lstStyle/>
+                    <a:p>
+                      <a:pPr latinLnBrk="1"/>
+                      <a:r>
+                        <a:rPr lang="en-US" altLang="ko-KR" dirty="0"/>
+                        <a:t>T</a:t>
+                      </a:r>
+                      <a:endParaRPr lang="ko-KR" altLang="en-US" dirty="0"/>
+                    </a:p>
+                  </a:txBody>
+                  <a:tcPr/>
+                </a:tc>
+                <a:extLst>
+                  <a:ext uri="{0D108BD9-81ED-4DB2-BD59-A6C34878D82A}">
+                    <a16:rowId xmlns:a16="http://schemas.microsoft.com/office/drawing/2014/main" val="176741597"/>
+                  </a:ext>
+                </a:extLst>
+              </a:tr>
+            </a:tbl>
+          </a:graphicData>
+        </a:graphic>
+      </p:graphicFrame>
+      <p:sp>
+        <p:nvSpPr>
+          <p:cNvPr id="26" name="직사각형 25">
+            <a:extLst>
+              <a:ext uri="{FF2B5EF4-FFF2-40B4-BE49-F238E27FC236}">
+                <a16:creationId xmlns:a16="http://schemas.microsoft.com/office/drawing/2014/main" id="{AC017B99-A3E3-DC05-15B8-3CEA5BCFB00A}"/>
+              </a:ext>
+            </a:extLst>
+          </p:cNvPr>
+          <p:cNvSpPr/>
+          <p:nvPr/>
+        </p:nvSpPr>
+        <p:spPr>
+          <a:xfrm>
+            <a:off x="9068243" y="5962600"/>
+            <a:ext cx="1492926" cy="424691"/>
+          </a:xfrm>
+          <a:prstGeom prst="rect">
+            <a:avLst/>
+          </a:prstGeom>
+          <a:noFill/>
+          <a:ln w="28575">
+            <a:solidFill>
+              <a:srgbClr val="92D050"/>
+            </a:solidFill>
+            <a:prstDash val="sysDash"/>
+          </a:ln>
+        </p:spPr>
+        <p:style>
+          <a:lnRef idx="2">
+            <a:schemeClr val="accent1">
+              <a:shade val="15000"/>
+            </a:schemeClr>
+          </a:lnRef>
+          <a:fillRef idx="1">
+            <a:schemeClr val="accent1"/>
+          </a:fillRef>
+          <a:effectRef idx="0">
+            <a:schemeClr val="accent1"/>
+          </a:effectRef>
+          <a:fontRef idx="minor">
+            <a:schemeClr val="lt1"/>
+          </a:fontRef>
+        </p:style>
+        <p:txBody>
+          <a:bodyPr rtlCol="0" anchor="ctr"/>
+          <a:lstStyle/>
+          <a:p>
+            <a:pPr algn="ctr"/>
+            <a:endParaRPr lang="ko-KR" altLang="en-US"/>
+          </a:p>
+        </p:txBody>
+      </p:sp>
+      <p:sp>
+        <p:nvSpPr>
+          <p:cNvPr id="27" name="TextBox 26">
+            <a:extLst>
+              <a:ext uri="{FF2B5EF4-FFF2-40B4-BE49-F238E27FC236}">
+                <a16:creationId xmlns:a16="http://schemas.microsoft.com/office/drawing/2014/main" id="{A81E267C-F84E-8174-FB7A-B4695E201780}"/>
+              </a:ext>
+            </a:extLst>
+          </p:cNvPr>
+          <p:cNvSpPr txBox="1"/>
+          <p:nvPr/>
+        </p:nvSpPr>
+        <p:spPr>
+          <a:xfrm>
+            <a:off x="6256868" y="2363702"/>
+            <a:ext cx="2633132" cy="307777"/>
+          </a:xfrm>
+          <a:prstGeom prst="rect">
+            <a:avLst/>
+          </a:prstGeom>
+          <a:noFill/>
+        </p:spPr>
+        <p:txBody>
+          <a:bodyPr wrap="square" rtlCol="0">
+            <a:spAutoFit/>
+          </a:bodyPr>
+          <a:lstStyle/>
+          <a:p>
+            <a:r>
+              <a:rPr lang="en-US" altLang="ko-KR" sz="1400" dirty="0"/>
+              <a:t>  start</a:t>
+            </a:r>
+            <a:r>
+              <a:rPr lang="ko-KR" altLang="en-US" sz="1400" dirty="0"/>
+              <a:t>는 한번에 </a:t>
+            </a:r>
+            <a:r>
+              <a:rPr lang="en-US" altLang="ko-KR" sz="1400" dirty="0"/>
+              <a:t>0</a:t>
+            </a:r>
+            <a:r>
+              <a:rPr lang="ko-KR" altLang="en-US" sz="1400" dirty="0"/>
+              <a:t>이상 </a:t>
+            </a:r>
+            <a:r>
+              <a:rPr lang="en-US" altLang="ko-KR" sz="1400" dirty="0"/>
+              <a:t> </a:t>
+            </a:r>
+            <a:endParaRPr lang="ko-KR" altLang="en-US" sz="1400" dirty="0"/>
+          </a:p>
+        </p:txBody>
+      </p:sp>
+      <p:cxnSp>
+        <p:nvCxnSpPr>
+          <p:cNvPr id="29" name="직선 화살표 연결선 28">
+            <a:extLst>
+              <a:ext uri="{FF2B5EF4-FFF2-40B4-BE49-F238E27FC236}">
+                <a16:creationId xmlns:a16="http://schemas.microsoft.com/office/drawing/2014/main" id="{67D73CBC-C5D7-75D4-EAFF-9690071513DC}"/>
+              </a:ext>
+            </a:extLst>
+          </p:cNvPr>
+          <p:cNvCxnSpPr/>
+          <p:nvPr/>
+        </p:nvCxnSpPr>
+        <p:spPr>
+          <a:xfrm>
+            <a:off x="855133" y="2663156"/>
+            <a:ext cx="0" cy="261610"/>
+          </a:xfrm>
+          <a:prstGeom prst="straightConnector1">
+            <a:avLst/>
+          </a:prstGeom>
+          <a:ln>
+            <a:solidFill>
+              <a:srgbClr val="002060"/>
+            </a:solidFill>
+            <a:tailEnd type="triangle"/>
+          </a:ln>
+        </p:spPr>
+        <p:style>
+          <a:lnRef idx="1">
+            <a:schemeClr val="accent1"/>
+          </a:lnRef>
+          <a:fillRef idx="0">
+            <a:schemeClr val="accent1"/>
+          </a:fillRef>
+          <a:effectRef idx="0">
+            <a:schemeClr val="accent1"/>
+          </a:effectRef>
+          <a:fontRef idx="minor">
+            <a:schemeClr val="tx1"/>
+          </a:fontRef>
+        </p:style>
+      </p:cxnSp>
+      <p:cxnSp>
+        <p:nvCxnSpPr>
+          <p:cNvPr id="30" name="직선 화살표 연결선 29">
+            <a:extLst>
+              <a:ext uri="{FF2B5EF4-FFF2-40B4-BE49-F238E27FC236}">
+                <a16:creationId xmlns:a16="http://schemas.microsoft.com/office/drawing/2014/main" id="{8B553168-73E6-0105-2C79-68E9F1A50BF8}"/>
+              </a:ext>
+            </a:extLst>
+          </p:cNvPr>
+          <p:cNvCxnSpPr/>
+          <p:nvPr/>
+        </p:nvCxnSpPr>
+        <p:spPr>
+          <a:xfrm>
+            <a:off x="2333501" y="2663156"/>
+            <a:ext cx="0" cy="261610"/>
+          </a:xfrm>
+          <a:prstGeom prst="straightConnector1">
+            <a:avLst/>
+          </a:prstGeom>
+          <a:ln>
+            <a:solidFill>
+              <a:srgbClr val="002060"/>
+            </a:solidFill>
+            <a:tailEnd type="triangle"/>
+          </a:ln>
+        </p:spPr>
+        <p:style>
+          <a:lnRef idx="1">
+            <a:schemeClr val="accent1"/>
+          </a:lnRef>
+          <a:fillRef idx="0">
+            <a:schemeClr val="accent1"/>
+          </a:fillRef>
+          <a:effectRef idx="0">
+            <a:schemeClr val="accent1"/>
+          </a:effectRef>
+          <a:fontRef idx="minor">
+            <a:schemeClr val="tx1"/>
+          </a:fontRef>
+        </p:style>
+      </p:cxnSp>
+      <p:cxnSp>
+        <p:nvCxnSpPr>
+          <p:cNvPr id="31" name="직선 화살표 연결선 30">
+            <a:extLst>
+              <a:ext uri="{FF2B5EF4-FFF2-40B4-BE49-F238E27FC236}">
+                <a16:creationId xmlns:a16="http://schemas.microsoft.com/office/drawing/2014/main" id="{3091860E-FA02-E4D2-CF7C-A98EDD6247DA}"/>
+              </a:ext>
+            </a:extLst>
+          </p:cNvPr>
+          <p:cNvCxnSpPr/>
+          <p:nvPr/>
+        </p:nvCxnSpPr>
+        <p:spPr>
+          <a:xfrm>
+            <a:off x="6959599" y="2663156"/>
+            <a:ext cx="0" cy="261610"/>
+          </a:xfrm>
+          <a:prstGeom prst="straightConnector1">
+            <a:avLst/>
+          </a:prstGeom>
+          <a:ln>
+            <a:solidFill>
+              <a:srgbClr val="002060"/>
+            </a:solidFill>
+            <a:tailEnd type="triangle"/>
+          </a:ln>
+        </p:spPr>
+        <p:style>
+          <a:lnRef idx="1">
+            <a:schemeClr val="accent1"/>
+          </a:lnRef>
+          <a:fillRef idx="0">
+            <a:schemeClr val="accent1"/>
+          </a:fillRef>
+          <a:effectRef idx="0">
+            <a:schemeClr val="accent1"/>
+          </a:effectRef>
+          <a:fontRef idx="minor">
+            <a:schemeClr val="tx1"/>
+          </a:fontRef>
+        </p:style>
+      </p:cxnSp>
+      <p:cxnSp>
+        <p:nvCxnSpPr>
+          <p:cNvPr id="32" name="직선 화살표 연결선 31">
+            <a:extLst>
+              <a:ext uri="{FF2B5EF4-FFF2-40B4-BE49-F238E27FC236}">
+                <a16:creationId xmlns:a16="http://schemas.microsoft.com/office/drawing/2014/main" id="{FC33C9FB-5433-1E07-44A4-0E17EB1C51C0}"/>
+              </a:ext>
+            </a:extLst>
+          </p:cNvPr>
+          <p:cNvCxnSpPr/>
+          <p:nvPr/>
+        </p:nvCxnSpPr>
+        <p:spPr>
+          <a:xfrm>
+            <a:off x="8437967" y="2663156"/>
+            <a:ext cx="0" cy="261610"/>
+          </a:xfrm>
+          <a:prstGeom prst="straightConnector1">
+            <a:avLst/>
+          </a:prstGeom>
+          <a:ln>
+            <a:solidFill>
+              <a:srgbClr val="002060"/>
+            </a:solidFill>
+            <a:tailEnd type="triangle"/>
+          </a:ln>
+        </p:spPr>
+        <p:style>
+          <a:lnRef idx="1">
+            <a:schemeClr val="accent1"/>
+          </a:lnRef>
+          <a:fillRef idx="0">
+            <a:schemeClr val="accent1"/>
+          </a:fillRef>
+          <a:effectRef idx="0">
+            <a:schemeClr val="accent1"/>
+          </a:effectRef>
+          <a:fontRef idx="minor">
+            <a:schemeClr val="tx1"/>
+          </a:fontRef>
+        </p:style>
+      </p:cxnSp>
+      <p:cxnSp>
+        <p:nvCxnSpPr>
+          <p:cNvPr id="33" name="직선 화살표 연결선 32">
+            <a:extLst>
+              <a:ext uri="{FF2B5EF4-FFF2-40B4-BE49-F238E27FC236}">
+                <a16:creationId xmlns:a16="http://schemas.microsoft.com/office/drawing/2014/main" id="{2F02912A-FA84-828E-53FC-B66D4F1DB4B3}"/>
+              </a:ext>
+            </a:extLst>
+          </p:cNvPr>
+          <p:cNvCxnSpPr/>
+          <p:nvPr/>
+        </p:nvCxnSpPr>
+        <p:spPr>
+          <a:xfrm>
+            <a:off x="1363133" y="3513408"/>
+            <a:ext cx="0" cy="261610"/>
+          </a:xfrm>
+          <a:prstGeom prst="straightConnector1">
+            <a:avLst/>
+          </a:prstGeom>
+          <a:ln>
+            <a:solidFill>
+              <a:srgbClr val="002060"/>
+            </a:solidFill>
+            <a:tailEnd type="triangle"/>
+          </a:ln>
+        </p:spPr>
+        <p:style>
+          <a:lnRef idx="1">
+            <a:schemeClr val="accent1"/>
+          </a:lnRef>
+          <a:fillRef idx="0">
+            <a:schemeClr val="accent1"/>
+          </a:fillRef>
+          <a:effectRef idx="0">
+            <a:schemeClr val="accent1"/>
+          </a:effectRef>
+          <a:fontRef idx="minor">
+            <a:schemeClr val="tx1"/>
+          </a:fontRef>
+        </p:style>
+      </p:cxnSp>
+      <p:cxnSp>
+        <p:nvCxnSpPr>
+          <p:cNvPr id="34" name="직선 화살표 연결선 33">
+            <a:extLst>
+              <a:ext uri="{FF2B5EF4-FFF2-40B4-BE49-F238E27FC236}">
+                <a16:creationId xmlns:a16="http://schemas.microsoft.com/office/drawing/2014/main" id="{3826DC5B-1826-11BB-B358-C4833C07F08A}"/>
+              </a:ext>
+            </a:extLst>
+          </p:cNvPr>
+          <p:cNvCxnSpPr/>
+          <p:nvPr/>
+        </p:nvCxnSpPr>
+        <p:spPr>
+          <a:xfrm>
+            <a:off x="2841501" y="3513408"/>
+            <a:ext cx="0" cy="261610"/>
+          </a:xfrm>
+          <a:prstGeom prst="straightConnector1">
+            <a:avLst/>
+          </a:prstGeom>
+          <a:ln>
+            <a:solidFill>
+              <a:srgbClr val="002060"/>
+            </a:solidFill>
+            <a:tailEnd type="triangle"/>
+          </a:ln>
+        </p:spPr>
+        <p:style>
+          <a:lnRef idx="1">
+            <a:schemeClr val="accent1"/>
+          </a:lnRef>
+          <a:fillRef idx="0">
+            <a:schemeClr val="accent1"/>
+          </a:fillRef>
+          <a:effectRef idx="0">
+            <a:schemeClr val="accent1"/>
+          </a:effectRef>
+          <a:fontRef idx="minor">
+            <a:schemeClr val="tx1"/>
+          </a:fontRef>
+        </p:style>
+      </p:cxnSp>
+      <p:cxnSp>
+        <p:nvCxnSpPr>
+          <p:cNvPr id="35" name="직선 화살표 연결선 34">
+            <a:extLst>
+              <a:ext uri="{FF2B5EF4-FFF2-40B4-BE49-F238E27FC236}">
+                <a16:creationId xmlns:a16="http://schemas.microsoft.com/office/drawing/2014/main" id="{0543A5C4-2423-1CD3-08B4-BC0F92C02163}"/>
+              </a:ext>
+            </a:extLst>
+          </p:cNvPr>
+          <p:cNvCxnSpPr/>
+          <p:nvPr/>
+        </p:nvCxnSpPr>
+        <p:spPr>
+          <a:xfrm>
+            <a:off x="6959599" y="3545220"/>
+            <a:ext cx="0" cy="261610"/>
+          </a:xfrm>
+          <a:prstGeom prst="straightConnector1">
+            <a:avLst/>
+          </a:prstGeom>
+          <a:ln>
+            <a:solidFill>
+              <a:srgbClr val="002060"/>
+            </a:solidFill>
+            <a:tailEnd type="triangle"/>
+          </a:ln>
+        </p:spPr>
+        <p:style>
+          <a:lnRef idx="1">
+            <a:schemeClr val="accent1"/>
+          </a:lnRef>
+          <a:fillRef idx="0">
+            <a:schemeClr val="accent1"/>
+          </a:fillRef>
+          <a:effectRef idx="0">
+            <a:schemeClr val="accent1"/>
+          </a:effectRef>
+          <a:fontRef idx="minor">
+            <a:schemeClr val="tx1"/>
+          </a:fontRef>
+        </p:style>
+      </p:cxnSp>
+      <p:cxnSp>
+        <p:nvCxnSpPr>
+          <p:cNvPr id="36" name="직선 화살표 연결선 35">
+            <a:extLst>
+              <a:ext uri="{FF2B5EF4-FFF2-40B4-BE49-F238E27FC236}">
+                <a16:creationId xmlns:a16="http://schemas.microsoft.com/office/drawing/2014/main" id="{E6527A94-D4D7-C50E-DF27-0A695E2CA40B}"/>
+              </a:ext>
+            </a:extLst>
+          </p:cNvPr>
+          <p:cNvCxnSpPr/>
+          <p:nvPr/>
+        </p:nvCxnSpPr>
+        <p:spPr>
+          <a:xfrm>
+            <a:off x="8852834" y="3540300"/>
+            <a:ext cx="0" cy="261610"/>
+          </a:xfrm>
+          <a:prstGeom prst="straightConnector1">
+            <a:avLst/>
+          </a:prstGeom>
+          <a:ln>
+            <a:solidFill>
+              <a:srgbClr val="002060"/>
+            </a:solidFill>
+            <a:tailEnd type="triangle"/>
+          </a:ln>
+        </p:spPr>
+        <p:style>
+          <a:lnRef idx="1">
+            <a:schemeClr val="accent1"/>
+          </a:lnRef>
+          <a:fillRef idx="0">
+            <a:schemeClr val="accent1"/>
+          </a:fillRef>
+          <a:effectRef idx="0">
+            <a:schemeClr val="accent1"/>
+          </a:effectRef>
+          <a:fontRef idx="minor">
+            <a:schemeClr val="tx1"/>
+          </a:fontRef>
+        </p:style>
+      </p:cxnSp>
+      <p:cxnSp>
+        <p:nvCxnSpPr>
+          <p:cNvPr id="37" name="직선 화살표 연결선 36">
+            <a:extLst>
+              <a:ext uri="{FF2B5EF4-FFF2-40B4-BE49-F238E27FC236}">
+                <a16:creationId xmlns:a16="http://schemas.microsoft.com/office/drawing/2014/main" id="{E5F03F08-ECD9-368F-144E-EDDABA58E824}"/>
+              </a:ext>
+            </a:extLst>
+          </p:cNvPr>
+          <p:cNvCxnSpPr/>
+          <p:nvPr/>
+        </p:nvCxnSpPr>
+        <p:spPr>
+          <a:xfrm>
+            <a:off x="8890000" y="4251181"/>
+            <a:ext cx="0" cy="261610"/>
+          </a:xfrm>
+          <a:prstGeom prst="straightConnector1">
+            <a:avLst/>
+          </a:prstGeom>
+          <a:ln>
+            <a:solidFill>
+              <a:srgbClr val="002060"/>
+            </a:solidFill>
+            <a:tailEnd type="triangle"/>
+          </a:ln>
+        </p:spPr>
+        <p:style>
+          <a:lnRef idx="1">
+            <a:schemeClr val="accent1"/>
+          </a:lnRef>
+          <a:fillRef idx="0">
+            <a:schemeClr val="accent1"/>
+          </a:fillRef>
+          <a:effectRef idx="0">
+            <a:schemeClr val="accent1"/>
+          </a:effectRef>
+          <a:fontRef idx="minor">
+            <a:schemeClr val="tx1"/>
+          </a:fontRef>
+        </p:style>
+      </p:cxnSp>
+      <p:cxnSp>
+        <p:nvCxnSpPr>
+          <p:cNvPr id="38" name="직선 화살표 연결선 37">
+            <a:extLst>
+              <a:ext uri="{FF2B5EF4-FFF2-40B4-BE49-F238E27FC236}">
+                <a16:creationId xmlns:a16="http://schemas.microsoft.com/office/drawing/2014/main" id="{72527948-D573-4C6E-3643-6C0E2EB3DB17}"/>
+              </a:ext>
+            </a:extLst>
+          </p:cNvPr>
+          <p:cNvCxnSpPr/>
+          <p:nvPr/>
+        </p:nvCxnSpPr>
+        <p:spPr>
+          <a:xfrm>
+            <a:off x="9363481" y="4251181"/>
+            <a:ext cx="0" cy="261610"/>
+          </a:xfrm>
+          <a:prstGeom prst="straightConnector1">
+            <a:avLst/>
+          </a:prstGeom>
+          <a:ln>
+            <a:solidFill>
+              <a:srgbClr val="002060"/>
+            </a:solidFill>
+            <a:tailEnd type="triangle"/>
+          </a:ln>
+        </p:spPr>
+        <p:style>
+          <a:lnRef idx="1">
+            <a:schemeClr val="accent1"/>
+          </a:lnRef>
+          <a:fillRef idx="0">
+            <a:schemeClr val="accent1"/>
+          </a:fillRef>
+          <a:effectRef idx="0">
+            <a:schemeClr val="accent1"/>
+          </a:effectRef>
+          <a:fontRef idx="minor">
+            <a:schemeClr val="tx1"/>
+          </a:fontRef>
+        </p:style>
+      </p:cxnSp>
+      <p:cxnSp>
+        <p:nvCxnSpPr>
+          <p:cNvPr id="39" name="직선 화살표 연결선 38">
+            <a:extLst>
+              <a:ext uri="{FF2B5EF4-FFF2-40B4-BE49-F238E27FC236}">
+                <a16:creationId xmlns:a16="http://schemas.microsoft.com/office/drawing/2014/main" id="{0F0610AA-E7F9-50DE-34C9-F28125F50A1E}"/>
+              </a:ext>
+            </a:extLst>
+          </p:cNvPr>
+          <p:cNvCxnSpPr/>
+          <p:nvPr/>
+        </p:nvCxnSpPr>
+        <p:spPr>
+          <a:xfrm>
+            <a:off x="8890000" y="4943648"/>
+            <a:ext cx="0" cy="261610"/>
+          </a:xfrm>
+          <a:prstGeom prst="straightConnector1">
+            <a:avLst/>
+          </a:prstGeom>
+          <a:ln>
+            <a:solidFill>
+              <a:srgbClr val="002060"/>
+            </a:solidFill>
+            <a:tailEnd type="triangle"/>
+          </a:ln>
+        </p:spPr>
+        <p:style>
+          <a:lnRef idx="1">
+            <a:schemeClr val="accent1"/>
+          </a:lnRef>
+          <a:fillRef idx="0">
+            <a:schemeClr val="accent1"/>
+          </a:fillRef>
+          <a:effectRef idx="0">
+            <a:schemeClr val="accent1"/>
+          </a:effectRef>
+          <a:fontRef idx="minor">
+            <a:schemeClr val="tx1"/>
+          </a:fontRef>
+        </p:style>
+      </p:cxnSp>
+      <p:cxnSp>
+        <p:nvCxnSpPr>
+          <p:cNvPr id="40" name="직선 화살표 연결선 39">
+            <a:extLst>
+              <a:ext uri="{FF2B5EF4-FFF2-40B4-BE49-F238E27FC236}">
+                <a16:creationId xmlns:a16="http://schemas.microsoft.com/office/drawing/2014/main" id="{62FD9D16-4461-5832-0E57-98A278FD53D0}"/>
+              </a:ext>
+            </a:extLst>
+          </p:cNvPr>
+          <p:cNvCxnSpPr/>
+          <p:nvPr/>
+        </p:nvCxnSpPr>
+        <p:spPr>
+          <a:xfrm>
+            <a:off x="9880600" y="4950315"/>
+            <a:ext cx="0" cy="261610"/>
+          </a:xfrm>
+          <a:prstGeom prst="straightConnector1">
+            <a:avLst/>
+          </a:prstGeom>
+          <a:ln>
+            <a:solidFill>
+              <a:srgbClr val="002060"/>
+            </a:solidFill>
+            <a:tailEnd type="triangle"/>
+          </a:ln>
+        </p:spPr>
+        <p:style>
+          <a:lnRef idx="1">
+            <a:schemeClr val="accent1"/>
+          </a:lnRef>
+          <a:fillRef idx="0">
+            <a:schemeClr val="accent1"/>
+          </a:fillRef>
+          <a:effectRef idx="0">
+            <a:schemeClr val="accent1"/>
+          </a:effectRef>
+          <a:fontRef idx="minor">
+            <a:schemeClr val="tx1"/>
+          </a:fontRef>
+        </p:style>
+      </p:cxnSp>
+      <p:cxnSp>
+        <p:nvCxnSpPr>
+          <p:cNvPr id="41" name="직선 화살표 연결선 40">
+            <a:extLst>
+              <a:ext uri="{FF2B5EF4-FFF2-40B4-BE49-F238E27FC236}">
+                <a16:creationId xmlns:a16="http://schemas.microsoft.com/office/drawing/2014/main" id="{3833A3FA-618B-B67D-5F0F-52D76BDDA705}"/>
+              </a:ext>
+            </a:extLst>
+          </p:cNvPr>
+          <p:cNvCxnSpPr/>
+          <p:nvPr/>
+        </p:nvCxnSpPr>
+        <p:spPr>
+          <a:xfrm>
+            <a:off x="10295467" y="5735543"/>
+            <a:ext cx="0" cy="261610"/>
+          </a:xfrm>
+          <a:prstGeom prst="straightConnector1">
+            <a:avLst/>
+          </a:prstGeom>
+          <a:ln>
+            <a:solidFill>
+              <a:srgbClr val="002060"/>
+            </a:solidFill>
+            <a:tailEnd type="triangle"/>
+          </a:ln>
+        </p:spPr>
+        <p:style>
+          <a:lnRef idx="1">
+            <a:schemeClr val="accent1"/>
+          </a:lnRef>
+          <a:fillRef idx="0">
+            <a:schemeClr val="accent1"/>
+          </a:fillRef>
+          <a:effectRef idx="0">
+            <a:schemeClr val="accent1"/>
+          </a:effectRef>
+          <a:fontRef idx="minor">
+            <a:schemeClr val="tx1"/>
+          </a:fontRef>
+        </p:style>
+      </p:cxnSp>
+      <p:cxnSp>
+        <p:nvCxnSpPr>
+          <p:cNvPr id="42" name="직선 화살표 연결선 41">
+            <a:extLst>
+              <a:ext uri="{FF2B5EF4-FFF2-40B4-BE49-F238E27FC236}">
+                <a16:creationId xmlns:a16="http://schemas.microsoft.com/office/drawing/2014/main" id="{8E4E2BFD-BB74-C4E0-E340-17B72286EDFF}"/>
+              </a:ext>
+            </a:extLst>
+          </p:cNvPr>
+          <p:cNvCxnSpPr/>
+          <p:nvPr/>
+        </p:nvCxnSpPr>
+        <p:spPr>
+          <a:xfrm>
+            <a:off x="9287934" y="5758894"/>
+            <a:ext cx="0" cy="261610"/>
+          </a:xfrm>
+          <a:prstGeom prst="straightConnector1">
+            <a:avLst/>
+          </a:prstGeom>
+          <a:ln>
+            <a:solidFill>
+              <a:srgbClr val="002060"/>
+            </a:solidFill>
+            <a:tailEnd type="triangle"/>
+          </a:ln>
+        </p:spPr>
+        <p:style>
+          <a:lnRef idx="1">
+            <a:schemeClr val="accent1"/>
+          </a:lnRef>
+          <a:fillRef idx="0">
+            <a:schemeClr val="accent1"/>
+          </a:fillRef>
+          <a:effectRef idx="0">
+            <a:schemeClr val="accent1"/>
+          </a:effectRef>
+          <a:fontRef idx="minor">
+            <a:schemeClr val="tx1"/>
+          </a:fontRef>
+        </p:style>
+      </p:cxnSp>
+      <p:cxnSp>
+        <p:nvCxnSpPr>
+          <p:cNvPr id="43" name="직선 화살표 연결선 42">
+            <a:extLst>
+              <a:ext uri="{FF2B5EF4-FFF2-40B4-BE49-F238E27FC236}">
+                <a16:creationId xmlns:a16="http://schemas.microsoft.com/office/drawing/2014/main" id="{06252000-F8DF-EF18-8E8D-029B4AA43969}"/>
+              </a:ext>
+            </a:extLst>
+          </p:cNvPr>
+          <p:cNvCxnSpPr/>
+          <p:nvPr/>
+        </p:nvCxnSpPr>
+        <p:spPr>
+          <a:xfrm>
+            <a:off x="1854199" y="4365606"/>
+            <a:ext cx="0" cy="261610"/>
+          </a:xfrm>
+          <a:prstGeom prst="straightConnector1">
+            <a:avLst/>
+          </a:prstGeom>
+          <a:ln>
+            <a:solidFill>
+              <a:srgbClr val="002060"/>
+            </a:solidFill>
+            <a:tailEnd type="triangle"/>
+          </a:ln>
+        </p:spPr>
+        <p:style>
+          <a:lnRef idx="1">
+            <a:schemeClr val="accent1"/>
+          </a:lnRef>
+          <a:fillRef idx="0">
+            <a:schemeClr val="accent1"/>
+          </a:fillRef>
+          <a:effectRef idx="0">
+            <a:schemeClr val="accent1"/>
+          </a:effectRef>
+          <a:fontRef idx="minor">
+            <a:schemeClr val="tx1"/>
+          </a:fontRef>
+        </p:style>
+      </p:cxnSp>
+      <p:cxnSp>
+        <p:nvCxnSpPr>
+          <p:cNvPr id="44" name="직선 화살표 연결선 43">
+            <a:extLst>
+              <a:ext uri="{FF2B5EF4-FFF2-40B4-BE49-F238E27FC236}">
+                <a16:creationId xmlns:a16="http://schemas.microsoft.com/office/drawing/2014/main" id="{0FB27773-7263-3B54-8D3C-0BE10173B528}"/>
+              </a:ext>
+            </a:extLst>
+          </p:cNvPr>
+          <p:cNvCxnSpPr/>
+          <p:nvPr/>
+        </p:nvCxnSpPr>
+        <p:spPr>
+          <a:xfrm>
+            <a:off x="3332567" y="4365606"/>
+            <a:ext cx="0" cy="261610"/>
+          </a:xfrm>
+          <a:prstGeom prst="straightConnector1">
+            <a:avLst/>
+          </a:prstGeom>
+          <a:ln>
+            <a:solidFill>
+              <a:srgbClr val="002060"/>
+            </a:solidFill>
+            <a:tailEnd type="triangle"/>
+          </a:ln>
+        </p:spPr>
+        <p:style>
+          <a:lnRef idx="1">
+            <a:schemeClr val="accent1"/>
+          </a:lnRef>
+          <a:fillRef idx="0">
+            <a:schemeClr val="accent1"/>
+          </a:fillRef>
+          <a:effectRef idx="0">
+            <a:schemeClr val="accent1"/>
+          </a:effectRef>
+          <a:fontRef idx="minor">
+            <a:schemeClr val="tx1"/>
+          </a:fontRef>
+        </p:style>
+      </p:cxnSp>
+      <p:cxnSp>
+        <p:nvCxnSpPr>
+          <p:cNvPr id="45" name="직선 화살표 연결선 44">
+            <a:extLst>
+              <a:ext uri="{FF2B5EF4-FFF2-40B4-BE49-F238E27FC236}">
+                <a16:creationId xmlns:a16="http://schemas.microsoft.com/office/drawing/2014/main" id="{E8DB82BC-B104-78B2-1DDF-AE80BFA2F9B2}"/>
+              </a:ext>
+            </a:extLst>
+          </p:cNvPr>
+          <p:cNvCxnSpPr/>
+          <p:nvPr/>
+        </p:nvCxnSpPr>
+        <p:spPr>
+          <a:xfrm>
+            <a:off x="2311399" y="5082571"/>
+            <a:ext cx="0" cy="261610"/>
+          </a:xfrm>
+          <a:prstGeom prst="straightConnector1">
+            <a:avLst/>
+          </a:prstGeom>
+          <a:ln>
+            <a:solidFill>
+              <a:srgbClr val="002060"/>
+            </a:solidFill>
+            <a:tailEnd type="triangle"/>
+          </a:ln>
+        </p:spPr>
+        <p:style>
+          <a:lnRef idx="1">
+            <a:schemeClr val="accent1"/>
+          </a:lnRef>
+          <a:fillRef idx="0">
+            <a:schemeClr val="accent1"/>
+          </a:fillRef>
+          <a:effectRef idx="0">
+            <a:schemeClr val="accent1"/>
+          </a:effectRef>
+          <a:fontRef idx="minor">
+            <a:schemeClr val="tx1"/>
+          </a:fontRef>
+        </p:style>
+      </p:cxnSp>
+      <p:cxnSp>
+        <p:nvCxnSpPr>
+          <p:cNvPr id="46" name="직선 화살표 연결선 45">
+            <a:extLst>
+              <a:ext uri="{FF2B5EF4-FFF2-40B4-BE49-F238E27FC236}">
+                <a16:creationId xmlns:a16="http://schemas.microsoft.com/office/drawing/2014/main" id="{1AA8BB55-8899-55E1-7129-A72277873335}"/>
+              </a:ext>
+            </a:extLst>
+          </p:cNvPr>
+          <p:cNvCxnSpPr/>
+          <p:nvPr/>
+        </p:nvCxnSpPr>
+        <p:spPr>
+          <a:xfrm>
+            <a:off x="3789767" y="5082571"/>
+            <a:ext cx="0" cy="261610"/>
+          </a:xfrm>
+          <a:prstGeom prst="straightConnector1">
+            <a:avLst/>
+          </a:prstGeom>
+          <a:ln>
+            <a:solidFill>
+              <a:srgbClr val="002060"/>
+            </a:solidFill>
+            <a:tailEnd type="triangle"/>
+          </a:ln>
+        </p:spPr>
+        <p:style>
+          <a:lnRef idx="1">
+            <a:schemeClr val="accent1"/>
+          </a:lnRef>
+          <a:fillRef idx="0">
+            <a:schemeClr val="accent1"/>
+          </a:fillRef>
+          <a:effectRef idx="0">
+            <a:schemeClr val="accent1"/>
+          </a:effectRef>
+          <a:fontRef idx="minor">
+            <a:schemeClr val="tx1"/>
+          </a:fontRef>
+        </p:style>
+      </p:cxnSp>
+      <p:cxnSp>
+        <p:nvCxnSpPr>
+          <p:cNvPr id="49" name="직선 화살표 연결선 48">
+            <a:extLst>
+              <a:ext uri="{FF2B5EF4-FFF2-40B4-BE49-F238E27FC236}">
+                <a16:creationId xmlns:a16="http://schemas.microsoft.com/office/drawing/2014/main" id="{76365ABA-6123-6D1A-BAEE-F707E300CB85}"/>
+              </a:ext>
+            </a:extLst>
+          </p:cNvPr>
+          <p:cNvCxnSpPr/>
+          <p:nvPr/>
+        </p:nvCxnSpPr>
+        <p:spPr>
+          <a:xfrm>
+            <a:off x="2785533" y="5774666"/>
+            <a:ext cx="0" cy="261610"/>
+          </a:xfrm>
+          <a:prstGeom prst="straightConnector1">
+            <a:avLst/>
+          </a:prstGeom>
+          <a:ln>
+            <a:solidFill>
+              <a:srgbClr val="002060"/>
+            </a:solidFill>
+            <a:tailEnd type="triangle"/>
+          </a:ln>
+        </p:spPr>
+        <p:style>
+          <a:lnRef idx="1">
+            <a:schemeClr val="accent1"/>
+          </a:lnRef>
+          <a:fillRef idx="0">
+            <a:schemeClr val="accent1"/>
+          </a:fillRef>
+          <a:effectRef idx="0">
+            <a:schemeClr val="accent1"/>
+          </a:effectRef>
+          <a:fontRef idx="minor">
+            <a:schemeClr val="tx1"/>
+          </a:fontRef>
+        </p:style>
+      </p:cxnSp>
+      <p:cxnSp>
+        <p:nvCxnSpPr>
+          <p:cNvPr id="50" name="직선 화살표 연결선 49">
+            <a:extLst>
+              <a:ext uri="{FF2B5EF4-FFF2-40B4-BE49-F238E27FC236}">
+                <a16:creationId xmlns:a16="http://schemas.microsoft.com/office/drawing/2014/main" id="{A309E047-6B11-B558-5ACD-ACDC416D7A27}"/>
+              </a:ext>
+            </a:extLst>
+          </p:cNvPr>
+          <p:cNvCxnSpPr/>
+          <p:nvPr/>
+        </p:nvCxnSpPr>
+        <p:spPr>
+          <a:xfrm>
+            <a:off x="4263901" y="5774666"/>
+            <a:ext cx="0" cy="261610"/>
+          </a:xfrm>
+          <a:prstGeom prst="straightConnector1">
+            <a:avLst/>
+          </a:prstGeom>
+          <a:ln>
+            <a:solidFill>
+              <a:srgbClr val="002060"/>
+            </a:solidFill>
+            <a:tailEnd type="triangle"/>
+          </a:ln>
+        </p:spPr>
+        <p:style>
+          <a:lnRef idx="1">
+            <a:schemeClr val="accent1"/>
+          </a:lnRef>
+          <a:fillRef idx="0">
+            <a:schemeClr val="accent1"/>
+          </a:fillRef>
+          <a:effectRef idx="0">
+            <a:schemeClr val="accent1"/>
+          </a:effectRef>
+          <a:fontRef idx="minor">
+            <a:schemeClr val="tx1"/>
+          </a:fontRef>
+        </p:style>
+      </p:cxnSp>
     </p:spTree>
     <p:extLst>
       <p:ext uri="{BB962C8B-B14F-4D97-AF65-F5344CB8AC3E}">
@@ -7636,7 +13789,7 @@
           <p:cNvPr id="2" name="제목 1">
             <a:extLst>
               <a:ext uri="{FF2B5EF4-FFF2-40B4-BE49-F238E27FC236}">
-                <a16:creationId xmlns:a16="http://schemas.microsoft.com/office/drawing/2014/main" id="{E3AC0A3F-7F57-0FB5-0AB4-1F884D04F766}"/>
+                <a16:creationId xmlns:a16="http://schemas.microsoft.com/office/drawing/2014/main" id="{79FDB992-11BF-3810-F016-F18B32D5DCF0}"/>
               </a:ext>
             </a:extLst>
           </p:cNvPr>
@@ -7654,17 +13807,47 @@
           <a:p>
             <a:r>
               <a:rPr lang="ko-KR" altLang="en-US" dirty="0"/>
-              <a:t>풀어볼 만한 문제</a:t>
+              <a:t>부분 최소값 찾기</a:t>
             </a:r>
           </a:p>
         </p:txBody>
       </p:sp>
+      <p:pic>
+        <p:nvPicPr>
+          <p:cNvPr id="4" name="그림 3">
+            <a:extLst>
+              <a:ext uri="{FF2B5EF4-FFF2-40B4-BE49-F238E27FC236}">
+                <a16:creationId xmlns:a16="http://schemas.microsoft.com/office/drawing/2014/main" id="{59B90172-7941-7273-7D1F-BA70C63C2BEA}"/>
+              </a:ext>
+            </a:extLst>
+          </p:cNvPr>
+          <p:cNvPicPr>
+            <a:picLocks noChangeAspect="1"/>
+          </p:cNvPicPr>
+          <p:nvPr/>
+        </p:nvPicPr>
+        <p:blipFill>
+          <a:blip r:embed="rId2"/>
+          <a:stretch>
+            <a:fillRect/>
+          </a:stretch>
+        </p:blipFill>
+        <p:spPr>
+          <a:xfrm>
+            <a:off x="341558" y="1479021"/>
+            <a:ext cx="8362175" cy="5167110"/>
+          </a:xfrm>
+          <a:prstGeom prst="rect">
+            <a:avLst/>
+          </a:prstGeom>
+        </p:spPr>
+      </p:pic>
       <p:sp>
         <p:nvSpPr>
-          <p:cNvPr id="3" name="TextBox 2">
+          <p:cNvPr id="5" name="TextBox 4">
             <a:extLst>
               <a:ext uri="{FF2B5EF4-FFF2-40B4-BE49-F238E27FC236}">
-                <a16:creationId xmlns:a16="http://schemas.microsoft.com/office/drawing/2014/main" id="{87CF02FA-CFF7-3ABB-45F0-9403C715C8E5}"/>
+                <a16:creationId xmlns:a16="http://schemas.microsoft.com/office/drawing/2014/main" id="{B53BBEEA-0666-FBFC-8F93-5A61DEDC3A2C}"/>
               </a:ext>
             </a:extLst>
           </p:cNvPr>
@@ -7673,8 +13856,8 @@
         </p:nvSpPr>
         <p:spPr>
           <a:xfrm>
-            <a:off x="643368" y="2690336"/>
-            <a:ext cx="2194832" cy="1477328"/>
+            <a:off x="2722034" y="5059011"/>
+            <a:ext cx="1181734" cy="1138773"/>
           </a:xfrm>
           <a:prstGeom prst="rect">
             <a:avLst/>
@@ -7688,117 +13871,172 @@
           <a:lstStyle/>
           <a:p>
             <a:r>
-              <a:rPr lang="ko-KR" altLang="en-US" dirty="0"/>
-              <a:t>반복된 </a:t>
-            </a:r>
-            <a:r>
-              <a:rPr lang="ko-KR" altLang="en-US" dirty="0" err="1"/>
-              <a:t>구간합</a:t>
-            </a:r>
-            <a:r>
-              <a:rPr lang="ko-KR" altLang="en-US" dirty="0"/>
-              <a:t> 질의</a:t>
-            </a:r>
-            <a:endParaRPr lang="en-US" altLang="ko-KR" dirty="0">
-              <a:solidFill>
-                <a:srgbClr val="0563C1"/>
-              </a:solidFill>
-              <a:hlinkClick r:id="rId2">
-                <a:extLst>
-                  <a:ext uri="{A12FA001-AC4F-418D-AE19-62706E023703}">
-                    <ahyp:hlinkClr xmlns:ahyp="http://schemas.microsoft.com/office/drawing/2018/hyperlinkcolor" val="tx"/>
-                  </a:ext>
-                </a:extLst>
-              </a:hlinkClick>
-            </a:endParaRPr>
-          </a:p>
-          <a:p>
-            <a:endParaRPr lang="en-US" altLang="ko-KR" dirty="0">
-              <a:solidFill>
-                <a:srgbClr val="0563C1"/>
-              </a:solidFill>
-              <a:hlinkClick r:id="rId2">
-                <a:extLst>
-                  <a:ext uri="{A12FA001-AC4F-418D-AE19-62706E023703}">
-                    <ahyp:hlinkClr xmlns:ahyp="http://schemas.microsoft.com/office/drawing/2018/hyperlinkcolor" val="tx"/>
-                  </a:ext>
-                </a:extLst>
-              </a:hlinkClick>
-            </a:endParaRPr>
-          </a:p>
-          <a:p>
-            <a:r>
-              <a:rPr lang="ko-KR" altLang="en-US" b="1" dirty="0">
-                <a:solidFill>
-                  <a:srgbClr val="FF0000"/>
-                </a:solidFill>
-                <a:hlinkClick r:id="rId2">
-                  <a:extLst>
-                    <a:ext uri="{A12FA001-AC4F-418D-AE19-62706E023703}">
-                      <ahyp:hlinkClr xmlns:ahyp="http://schemas.microsoft.com/office/drawing/2018/hyperlinkcolor" val="tx"/>
-                    </a:ext>
-                  </a:extLst>
-                </a:hlinkClick>
-              </a:rPr>
-              <a:t>구간 합 구하기 </a:t>
-            </a:r>
-            <a:r>
-              <a:rPr lang="en-US" altLang="ko-KR" b="1" dirty="0">
-                <a:solidFill>
-                  <a:srgbClr val="FF0000"/>
-                </a:solidFill>
-                <a:hlinkClick r:id="rId2">
-                  <a:extLst>
-                    <a:ext uri="{A12FA001-AC4F-418D-AE19-62706E023703}">
-                      <ahyp:hlinkClr xmlns:ahyp="http://schemas.microsoft.com/office/drawing/2018/hyperlinkcolor" val="tx"/>
-                    </a:ext>
-                  </a:extLst>
-                </a:hlinkClick>
-              </a:rPr>
+              <a:rPr lang="en-US" altLang="ko-KR" sz="1200" dirty="0"/>
+              <a:t>N=12 , L =3</a:t>
+            </a:r>
+          </a:p>
+          <a:p>
+            <a:r>
+              <a:rPr lang="en-US" altLang="ko-KR" sz="1200" dirty="0"/>
+              <a:t>D</a:t>
+            </a:r>
+            <a:r>
+              <a:rPr lang="en-US" altLang="ko-KR" sz="1200" baseline="-25000" dirty="0"/>
+              <a:t>1 </a:t>
+            </a:r>
+            <a:r>
+              <a:rPr lang="en-US" altLang="ko-KR" sz="1200" dirty="0"/>
+              <a:t>= A</a:t>
+            </a:r>
+            <a:r>
+              <a:rPr lang="en-US" altLang="ko-KR" sz="1200" baseline="-25000" dirty="0"/>
+              <a:t>-1 ,</a:t>
+            </a:r>
+            <a:r>
+              <a:rPr lang="en-US" altLang="ko-KR" sz="1200" dirty="0"/>
+              <a:t>A</a:t>
+            </a:r>
+            <a:r>
+              <a:rPr lang="en-US" altLang="ko-KR" sz="1200" baseline="-25000" dirty="0"/>
+              <a:t>0 ,</a:t>
+            </a:r>
+            <a:r>
+              <a:rPr lang="en-US" altLang="ko-KR" sz="1200" b="1" dirty="0"/>
+              <a:t>A</a:t>
+            </a:r>
+            <a:r>
+              <a:rPr lang="en-US" altLang="ko-KR" sz="1200" b="1" baseline="-25000" dirty="0"/>
+              <a:t>1</a:t>
+            </a:r>
+          </a:p>
+          <a:p>
+            <a:r>
+              <a:rPr lang="en-US" altLang="ko-KR" sz="1200" dirty="0"/>
+              <a:t>D</a:t>
+            </a:r>
+            <a:r>
+              <a:rPr lang="en-US" altLang="ko-KR" sz="1200" baseline="-25000" dirty="0"/>
+              <a:t>2 </a:t>
+            </a:r>
+            <a:r>
+              <a:rPr lang="en-US" altLang="ko-KR" sz="1200" dirty="0"/>
+              <a:t>= A</a:t>
+            </a:r>
+            <a:r>
+              <a:rPr lang="en-US" altLang="ko-KR" sz="1200" baseline="-25000" dirty="0"/>
+              <a:t>0</a:t>
+            </a:r>
+            <a:r>
+              <a:rPr lang="en-US" altLang="ko-KR" sz="1200" b="1" baseline="-25000" dirty="0"/>
+              <a:t> ,</a:t>
+            </a:r>
+            <a:r>
+              <a:rPr lang="en-US" altLang="ko-KR" sz="1200" b="1" dirty="0"/>
+              <a:t>A</a:t>
+            </a:r>
+            <a:r>
+              <a:rPr lang="en-US" altLang="ko-KR" sz="1200" b="1" baseline="-25000" dirty="0"/>
+              <a:t>1 ,</a:t>
+            </a:r>
+            <a:r>
+              <a:rPr lang="en-US" altLang="ko-KR" sz="1200" b="1" dirty="0"/>
+              <a:t>A</a:t>
+            </a:r>
+            <a:r>
+              <a:rPr lang="en-US" altLang="ko-KR" sz="1200" b="1" baseline="-25000" dirty="0"/>
+              <a:t>2</a:t>
+            </a:r>
+            <a:endParaRPr lang="ko-KR" altLang="en-US" sz="1200" b="1" baseline="-25000" dirty="0"/>
+          </a:p>
+          <a:p>
+            <a:r>
+              <a:rPr lang="en-US" altLang="ko-KR" sz="1200" dirty="0"/>
+              <a:t>D</a:t>
+            </a:r>
+            <a:r>
+              <a:rPr lang="en-US" altLang="ko-KR" sz="1200" baseline="-25000" dirty="0"/>
+              <a:t>3 </a:t>
+            </a:r>
+            <a:r>
+              <a:rPr lang="en-US" altLang="ko-KR" sz="1200" dirty="0"/>
+              <a:t>= </a:t>
+            </a:r>
+            <a:r>
+              <a:rPr lang="en-US" altLang="ko-KR" sz="1200" b="1" dirty="0"/>
+              <a:t>A</a:t>
+            </a:r>
+            <a:r>
+              <a:rPr lang="en-US" altLang="ko-KR" sz="1200" b="1" baseline="-25000" dirty="0"/>
+              <a:t>1 ,</a:t>
+            </a:r>
+            <a:r>
+              <a:rPr lang="en-US" altLang="ko-KR" sz="1200" b="1" dirty="0"/>
+              <a:t>A</a:t>
+            </a:r>
+            <a:r>
+              <a:rPr lang="en-US" altLang="ko-KR" sz="1200" b="1" baseline="-25000" dirty="0"/>
+              <a:t>2 ,</a:t>
+            </a:r>
+            <a:r>
+              <a:rPr lang="en-US" altLang="ko-KR" sz="1200" b="1" dirty="0"/>
+              <a:t>A</a:t>
+            </a:r>
+            <a:r>
+              <a:rPr lang="en-US" altLang="ko-KR" sz="1200" b="1" baseline="-25000" dirty="0"/>
+              <a:t>3</a:t>
+            </a:r>
+            <a:endParaRPr lang="ko-KR" altLang="en-US" sz="1200" b="1" baseline="-25000" dirty="0"/>
+          </a:p>
+          <a:p>
+            <a:r>
+              <a:rPr lang="en-US" altLang="ko-KR" sz="1200" dirty="0"/>
+              <a:t>D</a:t>
+            </a:r>
+            <a:r>
+              <a:rPr lang="en-US" altLang="ko-KR" sz="1200" baseline="-25000" dirty="0"/>
+              <a:t>4 </a:t>
+            </a:r>
+            <a:r>
+              <a:rPr lang="en-US" altLang="ko-KR" sz="1200" dirty="0"/>
+              <a:t>= </a:t>
+            </a:r>
+            <a:r>
+              <a:rPr lang="en-US" altLang="ko-KR" sz="1200" b="1" dirty="0"/>
+              <a:t>A</a:t>
+            </a:r>
+            <a:r>
+              <a:rPr lang="en-US" altLang="ko-KR" sz="1200" b="1" baseline="-25000" dirty="0"/>
+              <a:t>2 ,</a:t>
+            </a:r>
+            <a:r>
+              <a:rPr lang="en-US" altLang="ko-KR" sz="1200" b="1" dirty="0"/>
+              <a:t>A</a:t>
+            </a:r>
+            <a:r>
+              <a:rPr lang="en-US" altLang="ko-KR" sz="1200" b="1" baseline="-25000" dirty="0"/>
+              <a:t>3 ,</a:t>
+            </a:r>
+            <a:r>
+              <a:rPr lang="en-US" altLang="ko-KR" sz="1200" b="1" dirty="0"/>
+              <a:t>A</a:t>
+            </a:r>
+            <a:r>
+              <a:rPr lang="en-US" altLang="ko-KR" sz="1200" b="1" baseline="-25000" dirty="0"/>
               <a:t>4</a:t>
             </a:r>
-            <a:endParaRPr lang="en-US" altLang="ko-KR" b="1" dirty="0">
-              <a:solidFill>
-                <a:srgbClr val="FF0000"/>
-              </a:solidFill>
-            </a:endParaRPr>
-          </a:p>
-          <a:p>
-            <a:r>
-              <a:rPr lang="ko-KR" altLang="en-US" dirty="0">
-                <a:hlinkClick r:id="rId3"/>
-              </a:rPr>
-              <a:t>구간 합 구하기 </a:t>
-            </a:r>
-            <a:r>
-              <a:rPr lang="en-US" altLang="ko-KR" dirty="0">
-                <a:hlinkClick r:id="rId3"/>
-              </a:rPr>
-              <a:t>5</a:t>
-            </a:r>
-            <a:endParaRPr lang="en-US" altLang="ko-KR" dirty="0"/>
-          </a:p>
-          <a:p>
-            <a:r>
-              <a:rPr lang="ko-KR" altLang="en-US" dirty="0">
-                <a:hlinkClick r:id="rId4"/>
-              </a:rPr>
-              <a:t>나머지 합</a:t>
-            </a:r>
-            <a:r>
-              <a:rPr lang="ko-KR" altLang="en-US" dirty="0"/>
-              <a:t> </a:t>
-            </a:r>
-            <a:endParaRPr lang="en-US" altLang="ko-KR" dirty="0"/>
+            <a:endParaRPr lang="ko-KR" altLang="en-US" sz="1200" b="1" baseline="-25000" dirty="0"/>
+          </a:p>
+          <a:p>
+            <a:endParaRPr lang="en-US" altLang="ko-KR" sz="1200" baseline="-25000" dirty="0"/>
           </a:p>
         </p:txBody>
       </p:sp>
       <p:sp>
         <p:nvSpPr>
-          <p:cNvPr id="4" name="TextBox 3">
+          <p:cNvPr id="7" name="TextBox 6">
             <a:extLst>
               <a:ext uri="{FF2B5EF4-FFF2-40B4-BE49-F238E27FC236}">
-                <a16:creationId xmlns:a16="http://schemas.microsoft.com/office/drawing/2014/main" id="{9326BBB8-C02A-2A9D-2A02-A0D404116370}"/>
+                <a16:creationId xmlns:a16="http://schemas.microsoft.com/office/drawing/2014/main" id="{B32D4946-7981-C191-5C18-6FD68F02ABAD}"/>
               </a:ext>
             </a:extLst>
           </p:cNvPr>
@@ -7807,8 +14045,8 @@
         </p:nvSpPr>
         <p:spPr>
           <a:xfrm>
-            <a:off x="4255248" y="2690336"/>
-            <a:ext cx="1651414" cy="1477328"/>
+            <a:off x="4246033" y="3203146"/>
+            <a:ext cx="6771405" cy="646331"/>
           </a:xfrm>
           <a:prstGeom prst="rect">
             <a:avLst/>
@@ -7823,67 +14061,112 @@
           <a:p>
             <a:r>
               <a:rPr lang="ko-KR" altLang="en-US" dirty="0"/>
-              <a:t>투 포인터</a:t>
+              <a:t>슬라이딩 윈도우가 이동할 때 새로운 최소값을 찾기 위해</a:t>
             </a:r>
             <a:endParaRPr lang="en-US" altLang="ko-KR" dirty="0"/>
           </a:p>
           <a:p>
+            <a:r>
+              <a:rPr lang="ko-KR" altLang="en-US" dirty="0"/>
+              <a:t>윈도우 내부 전체 루프를 돌면 </a:t>
+            </a:r>
+            <a:r>
+              <a:rPr lang="en-US" altLang="ko-KR" dirty="0"/>
+              <a:t>N=L </a:t>
+            </a:r>
+            <a:r>
+              <a:rPr lang="ko-KR" altLang="en-US" dirty="0"/>
+              <a:t>같은 경우 있으므로 </a:t>
+            </a:r>
+            <a:r>
+              <a:rPr lang="en-US" altLang="ko-KR" dirty="0"/>
+              <a:t>O(N</a:t>
+            </a:r>
+            <a:r>
+              <a:rPr lang="en-US" altLang="ko-KR" baseline="30000" dirty="0"/>
+              <a:t>2</a:t>
+            </a:r>
+            <a:r>
+              <a:rPr lang="en-US" altLang="ko-KR" dirty="0"/>
+              <a:t>)</a:t>
+            </a:r>
+            <a:r>
+              <a:rPr lang="ko-KR" altLang="en-US" dirty="0"/>
+              <a:t> </a:t>
+            </a:r>
             <a:endParaRPr lang="en-US" altLang="ko-KR" dirty="0"/>
           </a:p>
-          <a:p>
-            <a:r>
-              <a:rPr lang="ko-KR" altLang="en-US" dirty="0">
-                <a:hlinkClick r:id="rId5" action="ppaction://hlinkfile"/>
-              </a:rPr>
-              <a:t>수들의 합 </a:t>
-            </a:r>
-            <a:r>
-              <a:rPr lang="en-US" altLang="ko-KR" dirty="0">
-                <a:hlinkClick r:id="rId5" action="ppaction://hlinkfile"/>
-              </a:rPr>
-              <a:t>5</a:t>
-            </a:r>
-            <a:endParaRPr lang="en-US" altLang="ko-KR" dirty="0"/>
-          </a:p>
-          <a:p>
-            <a:r>
-              <a:rPr lang="ko-KR" altLang="en-US" dirty="0">
-                <a:hlinkClick r:id="rId6"/>
-              </a:rPr>
-              <a:t>주몽</a:t>
-            </a:r>
-            <a:endParaRPr lang="en-US" altLang="ko-KR" dirty="0"/>
-          </a:p>
-          <a:p>
-            <a:r>
-              <a:rPr lang="ko-KR" altLang="en-US" b="1" dirty="0">
-                <a:solidFill>
-                  <a:srgbClr val="FF0000"/>
-                </a:solidFill>
-                <a:hlinkClick r:id="rId7">
-                  <a:extLst>
-                    <a:ext uri="{A12FA001-AC4F-418D-AE19-62706E023703}">
-                      <ahyp:hlinkClr xmlns:ahyp="http://schemas.microsoft.com/office/drawing/2018/hyperlinkcolor" val="tx"/>
-                    </a:ext>
-                  </a:extLst>
-                </a:hlinkClick>
-              </a:rPr>
-              <a:t>좋은수 구하기</a:t>
-            </a:r>
-            <a:endParaRPr lang="ko-KR" altLang="en-US" b="1" dirty="0">
-              <a:solidFill>
-                <a:srgbClr val="FF0000"/>
-              </a:solidFill>
-            </a:endParaRPr>
+        </p:txBody>
+      </p:sp>
+    </p:spTree>
+    <p:extLst>
+      <p:ext uri="{BB962C8B-B14F-4D97-AF65-F5344CB8AC3E}">
+        <p14:creationId xmlns:p14="http://schemas.microsoft.com/office/powerpoint/2010/main" val="4231649119"/>
+      </p:ext>
+    </p:extLst>
+  </p:cSld>
+  <p:clrMapOvr>
+    <a:masterClrMapping/>
+  </p:clrMapOvr>
+</p:sld>
+</file>
+
+<file path=ppt/slides/slide9.xml><?xml version="1.0" encoding="utf-8"?>
+<p:sld xmlns:a="http://schemas.openxmlformats.org/drawingml/2006/main" xmlns:r="http://schemas.openxmlformats.org/officeDocument/2006/relationships" xmlns:p="http://schemas.openxmlformats.org/presentationml/2006/main">
+  <p:cSld>
+    <p:spTree>
+      <p:nvGrpSpPr>
+        <p:cNvPr id="1" name=""/>
+        <p:cNvGrpSpPr/>
+        <p:nvPr/>
+      </p:nvGrpSpPr>
+      <p:grpSpPr>
+        <a:xfrm>
+          <a:off x="0" y="0"/>
+          <a:ext cx="0" cy="0"/>
+          <a:chOff x="0" y="0"/>
+          <a:chExt cx="0" cy="0"/>
+        </a:xfrm>
+      </p:grpSpPr>
+      <p:sp>
+        <p:nvSpPr>
+          <p:cNvPr id="2" name="제목 1">
+            <a:extLst>
+              <a:ext uri="{FF2B5EF4-FFF2-40B4-BE49-F238E27FC236}">
+                <a16:creationId xmlns:a16="http://schemas.microsoft.com/office/drawing/2014/main" id="{26DE772E-32C6-FA9D-1214-B40D29C7E91F}"/>
+              </a:ext>
+            </a:extLst>
+          </p:cNvPr>
+          <p:cNvSpPr>
+            <a:spLocks noGrp="1"/>
+          </p:cNvSpPr>
+          <p:nvPr>
+            <p:ph type="title"/>
+          </p:nvPr>
+        </p:nvSpPr>
+        <p:spPr/>
+        <p:txBody>
+          <a:bodyPr/>
+          <a:lstStyle/>
+          <a:p>
+            <a:r>
+              <a:rPr lang="ko-KR" altLang="en-US" dirty="0"/>
+              <a:t>단조 큐</a:t>
+            </a:r>
+            <a:r>
+              <a:rPr lang="en-US" altLang="ko-KR" dirty="0"/>
+              <a:t>(Monotonic Queue)</a:t>
+            </a:r>
+            <a:endParaRPr lang="ko-KR" altLang="en-US" dirty="0"/>
           </a:p>
         </p:txBody>
       </p:sp>
       <p:sp>
         <p:nvSpPr>
-          <p:cNvPr id="5" name="TextBox 4">
+          <p:cNvPr id="4" name="TextBox 3">
             <a:extLst>
               <a:ext uri="{FF2B5EF4-FFF2-40B4-BE49-F238E27FC236}">
-                <a16:creationId xmlns:a16="http://schemas.microsoft.com/office/drawing/2014/main" id="{4230BC11-C246-CD3C-BE60-70F94B42E81C}"/>
+                <a16:creationId xmlns:a16="http://schemas.microsoft.com/office/drawing/2014/main" id="{33CE96D8-7C7D-E5DE-A3DC-464A3C831820}"/>
               </a:ext>
             </a:extLst>
           </p:cNvPr>
@@ -7892,8 +14175,8 @@
         </p:nvSpPr>
         <p:spPr>
           <a:xfrm>
-            <a:off x="7511670" y="2657792"/>
-            <a:ext cx="2755010" cy="1200329"/>
+            <a:off x="264159" y="1461823"/>
+            <a:ext cx="9215967" cy="830997"/>
           </a:xfrm>
           <a:prstGeom prst="rect">
             <a:avLst/>
@@ -7901,63 +14184,1741 @@
           <a:noFill/>
         </p:spPr>
         <p:txBody>
-          <a:bodyPr wrap="square" rtlCol="0">
+          <a:bodyPr wrap="square">
             <a:spAutoFit/>
           </a:bodyPr>
           <a:lstStyle/>
           <a:p>
-            <a:r>
-              <a:rPr lang="ko-KR" altLang="en-US" dirty="0"/>
-              <a:t>슬라이딩 윈도우</a:t>
-            </a:r>
-            <a:endParaRPr lang="en-US" altLang="ko-KR" dirty="0"/>
-          </a:p>
-          <a:p>
-            <a:endParaRPr lang="en-US" altLang="ko-KR" dirty="0"/>
-          </a:p>
-          <a:p>
-            <a:r>
-              <a:rPr lang="en-US" altLang="ko-KR" dirty="0">
-                <a:hlinkClick r:id="rId8"/>
+            <a:pPr>
+              <a:buNone/>
+            </a:pPr>
+            <a:r>
+              <a:rPr lang="ko-KR" altLang="en-US" sz="1600" b="1" dirty="0" err="1"/>
+              <a:t>모노톤</a:t>
+            </a:r>
+            <a:r>
+              <a:rPr lang="en-US" altLang="ko-KR" sz="1600" b="1" dirty="0"/>
+              <a:t>(monotone)</a:t>
+            </a:r>
+            <a:r>
+              <a:rPr lang="ko-KR" altLang="en-US" sz="1600" b="1" dirty="0"/>
+              <a:t>의 뜻 </a:t>
+            </a:r>
+            <a:r>
+              <a:rPr lang="en-US" altLang="ko-KR" sz="1600" b="1" dirty="0"/>
+              <a:t>: </a:t>
+            </a:r>
+            <a:r>
+              <a:rPr lang="ko-KR" altLang="en-US" sz="1600" b="1" dirty="0"/>
+              <a:t>단조</a:t>
+            </a:r>
+            <a:r>
+              <a:rPr lang="en-US" altLang="ko-KR" sz="1600" b="1" dirty="0"/>
+              <a:t>(</a:t>
+            </a:r>
+            <a:r>
+              <a:rPr lang="ko-KR" altLang="en-US" sz="1600" b="1" dirty="0"/>
+              <a:t>單調</a:t>
+            </a:r>
+            <a:r>
+              <a:rPr lang="en-US" altLang="ko-KR" sz="1600" b="1" dirty="0"/>
+              <a:t>)</a:t>
+            </a:r>
+            <a:r>
+              <a:rPr lang="ko-KR" altLang="en-US" sz="1600" dirty="0"/>
+              <a:t> 라는 뜻</a:t>
+            </a:r>
+            <a:endParaRPr lang="en-US" altLang="ko-KR" sz="1600" dirty="0"/>
+          </a:p>
+          <a:p>
+            <a:r>
+              <a:rPr lang="ko-KR" altLang="en-US" sz="1600" dirty="0"/>
+              <a:t>수학에서 “단조 증가” </a:t>
+            </a:r>
+            <a:r>
+              <a:rPr lang="en-US" altLang="ko-KR" sz="1600" dirty="0"/>
+              <a:t>= </a:t>
+            </a:r>
+            <a:r>
+              <a:rPr lang="ko-KR" altLang="en-US" sz="1600" dirty="0"/>
+              <a:t>값이 계속 </a:t>
+            </a:r>
+            <a:r>
+              <a:rPr lang="ko-KR" altLang="en-US" sz="1600" b="1" dirty="0"/>
+              <a:t>같거나 커짐</a:t>
+            </a:r>
+            <a:r>
+              <a:rPr lang="en-US" altLang="ko-KR" sz="1600" dirty="0"/>
+              <a:t>. “</a:t>
+            </a:r>
+            <a:r>
+              <a:rPr lang="ko-KR" altLang="en-US" sz="1600" dirty="0"/>
+              <a:t>단조 감소” </a:t>
+            </a:r>
+            <a:r>
+              <a:rPr lang="en-US" altLang="ko-KR" sz="1600" dirty="0"/>
+              <a:t>= </a:t>
+            </a:r>
+            <a:r>
+              <a:rPr lang="ko-KR" altLang="en-US" sz="1600" dirty="0"/>
+              <a:t>값이 계속 </a:t>
+            </a:r>
+            <a:r>
+              <a:rPr lang="ko-KR" altLang="en-US" sz="1600" b="1" dirty="0"/>
+              <a:t>같거나 </a:t>
+            </a:r>
+            <a:r>
+              <a:rPr lang="ko-KR" altLang="en-US" sz="1600" b="1" dirty="0" err="1"/>
+              <a:t>작아짐</a:t>
+            </a:r>
+            <a:r>
+              <a:rPr lang="en-US" altLang="ko-KR" sz="1600" dirty="0"/>
+              <a:t>.</a:t>
+            </a:r>
+          </a:p>
+          <a:p>
+            <a:pPr>
+              <a:buNone/>
+            </a:pPr>
+            <a:r>
+              <a:rPr lang="ko-KR" altLang="en-US" sz="1600" dirty="0"/>
+              <a:t>즉</a:t>
+            </a:r>
+            <a:r>
+              <a:rPr lang="en-US" altLang="ko-KR" sz="1600" dirty="0"/>
+              <a:t>, “</a:t>
+            </a:r>
+            <a:r>
+              <a:rPr lang="ko-KR" altLang="en-US" sz="1600" dirty="0"/>
+              <a:t>항상 같은 방향으로만 변하는 </a:t>
+            </a:r>
+            <a:r>
+              <a:rPr lang="ko-KR" altLang="en-US" sz="1600" dirty="0" err="1"/>
+              <a:t>성질”을</a:t>
+            </a:r>
+            <a:r>
+              <a:rPr lang="ko-KR" altLang="en-US" sz="1600" dirty="0"/>
+              <a:t> 말한다</a:t>
+            </a:r>
+            <a:r>
+              <a:rPr lang="en-US" altLang="ko-KR" sz="1600" dirty="0"/>
+              <a:t>.</a:t>
+            </a:r>
+          </a:p>
+        </p:txBody>
+      </p:sp>
+      <p:sp>
+        <p:nvSpPr>
+          <p:cNvPr id="6" name="TextBox 5">
+            <a:extLst>
+              <a:ext uri="{FF2B5EF4-FFF2-40B4-BE49-F238E27FC236}">
+                <a16:creationId xmlns:a16="http://schemas.microsoft.com/office/drawing/2014/main" id="{453CCBCD-26A6-BF84-2F26-DC1DD8C0231D}"/>
+              </a:ext>
+            </a:extLst>
+          </p:cNvPr>
+          <p:cNvSpPr txBox="1"/>
+          <p:nvPr/>
+        </p:nvSpPr>
+        <p:spPr>
+          <a:xfrm>
+            <a:off x="264159" y="2292820"/>
+            <a:ext cx="10596033" cy="830997"/>
+          </a:xfrm>
+          <a:prstGeom prst="rect">
+            <a:avLst/>
+          </a:prstGeom>
+          <a:noFill/>
+        </p:spPr>
+        <p:txBody>
+          <a:bodyPr wrap="square">
+            <a:spAutoFit/>
+          </a:bodyPr>
+          <a:lstStyle/>
+          <a:p>
+            <a:r>
+              <a:rPr lang="ko-KR" altLang="en-US" sz="1600" dirty="0"/>
+              <a:t>큐</a:t>
+            </a:r>
+            <a:r>
+              <a:rPr lang="en-US" altLang="ko-KR" sz="1600" dirty="0"/>
+              <a:t>(Queue)</a:t>
+            </a:r>
+            <a:r>
+              <a:rPr lang="ko-KR" altLang="en-US" sz="1600" dirty="0"/>
+              <a:t>인데</a:t>
+            </a:r>
+            <a:r>
+              <a:rPr lang="en-US" altLang="ko-KR" sz="1600" dirty="0"/>
+              <a:t>, </a:t>
+            </a:r>
+            <a:r>
+              <a:rPr lang="ko-KR" altLang="en-US" sz="1600" dirty="0"/>
+              <a:t>원소들이 </a:t>
+            </a:r>
+            <a:r>
+              <a:rPr lang="ko-KR" altLang="en-US" sz="1600" b="1" dirty="0"/>
+              <a:t>항상 단조 증가</a:t>
+            </a:r>
+            <a:r>
+              <a:rPr lang="ko-KR" altLang="en-US" sz="1600" dirty="0"/>
+              <a:t> 또는 </a:t>
+            </a:r>
+            <a:r>
+              <a:rPr lang="ko-KR" altLang="en-US" sz="1600" b="1" dirty="0"/>
+              <a:t>단조 감소</a:t>
+            </a:r>
+            <a:r>
+              <a:rPr lang="ko-KR" altLang="en-US" sz="1600" dirty="0"/>
+              <a:t> 상태를 유지하도록 만든 자료구조</a:t>
+            </a:r>
+            <a:endParaRPr lang="en-US" altLang="ko-KR" sz="1600" dirty="0"/>
+          </a:p>
+          <a:p>
+            <a:r>
+              <a:rPr lang="ko-KR" altLang="en-US" sz="1600" dirty="0"/>
+              <a:t>일반 큐처럼 들어온 순서대로 쌓지 않고</a:t>
+            </a:r>
+            <a:r>
+              <a:rPr lang="en-US" altLang="ko-KR" sz="1600" dirty="0"/>
+              <a:t>, </a:t>
+            </a:r>
+            <a:r>
+              <a:rPr lang="ko-KR" altLang="en-US" sz="1600" b="1" dirty="0"/>
+              <a:t>새로운 값이 들어올 때 불필요한 값</a:t>
+            </a:r>
+            <a:r>
+              <a:rPr lang="en-US" altLang="ko-KR" sz="1600" b="1" dirty="0"/>
+              <a:t>(</a:t>
+            </a:r>
+            <a:r>
+              <a:rPr lang="ko-KR" altLang="en-US" sz="1600" b="1" dirty="0"/>
+              <a:t>미래에 절대 최소</a:t>
+            </a:r>
+            <a:r>
+              <a:rPr lang="en-US" altLang="ko-KR" sz="1600" b="1" dirty="0"/>
+              <a:t>/</a:t>
+            </a:r>
+            <a:r>
+              <a:rPr lang="ko-KR" altLang="en-US" sz="1600" b="1" dirty="0"/>
+              <a:t>최대가 될 수 없는 값</a:t>
+            </a:r>
+            <a:r>
+              <a:rPr lang="en-US" altLang="ko-KR" sz="1600" b="1" dirty="0"/>
+              <a:t>)</a:t>
+            </a:r>
+            <a:r>
+              <a:rPr lang="ko-KR" altLang="en-US" sz="1600" b="1" dirty="0"/>
+              <a:t>을 제거</a:t>
+            </a:r>
+            <a:r>
+              <a:rPr lang="ko-KR" altLang="en-US" sz="1600" dirty="0"/>
+              <a:t>해서 단조성을 유지한다</a:t>
+            </a:r>
+            <a:r>
+              <a:rPr lang="en-US" altLang="ko-KR" sz="1600" dirty="0"/>
+              <a:t>.</a:t>
+            </a:r>
+          </a:p>
+        </p:txBody>
+      </p:sp>
+      <p:sp>
+        <p:nvSpPr>
+          <p:cNvPr id="12" name="TextBox 11">
+            <a:extLst>
+              <a:ext uri="{FF2B5EF4-FFF2-40B4-BE49-F238E27FC236}">
+                <a16:creationId xmlns:a16="http://schemas.microsoft.com/office/drawing/2014/main" id="{52A73386-1A51-2F4D-905F-92BE12869A04}"/>
+              </a:ext>
+            </a:extLst>
+          </p:cNvPr>
+          <p:cNvSpPr txBox="1"/>
+          <p:nvPr/>
+        </p:nvSpPr>
+        <p:spPr>
+          <a:xfrm>
+            <a:off x="50800" y="4097947"/>
+            <a:ext cx="2702560" cy="1015663"/>
+          </a:xfrm>
+          <a:prstGeom prst="rect">
+            <a:avLst/>
+          </a:prstGeom>
+          <a:noFill/>
+        </p:spPr>
+        <p:txBody>
+          <a:bodyPr wrap="square">
+            <a:spAutoFit/>
+          </a:bodyPr>
+          <a:lstStyle/>
+          <a:p>
+            <a:r>
+              <a:rPr lang="ko-KR" altLang="en-US" sz="1200" dirty="0"/>
+              <a:t>입력</a:t>
+            </a:r>
+            <a:r>
+              <a:rPr lang="en-US" altLang="ko-KR" sz="1200" dirty="0"/>
+              <a:t>: [1, 2, 3, 4]</a:t>
+            </a:r>
+            <a:endParaRPr lang="ko-KR" altLang="en-US" sz="1200" dirty="0"/>
+          </a:p>
+          <a:p>
+            <a:r>
+              <a:rPr lang="en-US" altLang="ko-KR" sz="1200" dirty="0"/>
+              <a:t>push 1 → </a:t>
+            </a:r>
+            <a:r>
+              <a:rPr lang="en-US" altLang="ko-KR" sz="1200" dirty="0" err="1"/>
+              <a:t>dq</a:t>
+            </a:r>
+            <a:r>
+              <a:rPr lang="en-US" altLang="ko-KR" sz="1200" dirty="0"/>
+              <a:t>=[1], min=1</a:t>
+            </a:r>
+          </a:p>
+          <a:p>
+            <a:r>
+              <a:rPr lang="en-US" altLang="ko-KR" sz="1200" dirty="0"/>
+              <a:t>push 2 → </a:t>
+            </a:r>
+            <a:r>
+              <a:rPr lang="en-US" altLang="ko-KR" sz="1200" dirty="0" err="1"/>
+              <a:t>dq</a:t>
+            </a:r>
+            <a:r>
+              <a:rPr lang="en-US" altLang="ko-KR" sz="1200" dirty="0"/>
+              <a:t>=[1,2], min=1</a:t>
+            </a:r>
+          </a:p>
+          <a:p>
+            <a:r>
+              <a:rPr lang="en-US" altLang="ko-KR" sz="1200" dirty="0"/>
+              <a:t>push 3 → </a:t>
+            </a:r>
+            <a:r>
+              <a:rPr lang="en-US" altLang="ko-KR" sz="1200" dirty="0" err="1"/>
+              <a:t>dq</a:t>
+            </a:r>
+            <a:r>
+              <a:rPr lang="en-US" altLang="ko-KR" sz="1200" dirty="0"/>
+              <a:t>=[1,2,3], min=1</a:t>
+            </a:r>
+          </a:p>
+          <a:p>
+            <a:r>
+              <a:rPr lang="en-US" altLang="ko-KR" sz="1200" dirty="0"/>
+              <a:t>push 4 → </a:t>
+            </a:r>
+            <a:r>
+              <a:rPr lang="en-US" altLang="ko-KR" sz="1200" dirty="0" err="1"/>
+              <a:t>dq</a:t>
+            </a:r>
+            <a:r>
+              <a:rPr lang="en-US" altLang="ko-KR" sz="1200" dirty="0"/>
+              <a:t>=[1,2,3,4], min=1</a:t>
+            </a:r>
+          </a:p>
+        </p:txBody>
+      </p:sp>
+      <p:sp>
+        <p:nvSpPr>
+          <p:cNvPr id="13" name="Rectangle 3">
+            <a:extLst>
+              <a:ext uri="{FF2B5EF4-FFF2-40B4-BE49-F238E27FC236}">
+                <a16:creationId xmlns:a16="http://schemas.microsoft.com/office/drawing/2014/main" id="{43BD144E-181B-A8E5-2392-5FE08104170B}"/>
+              </a:ext>
+            </a:extLst>
+          </p:cNvPr>
+          <p:cNvSpPr>
+            <a:spLocks noChangeArrowheads="1"/>
+          </p:cNvSpPr>
+          <p:nvPr/>
+        </p:nvSpPr>
+        <p:spPr bwMode="auto">
+          <a:xfrm>
+            <a:off x="457199" y="3246630"/>
+            <a:ext cx="10681855" cy="738664"/>
+          </a:xfrm>
+          <a:prstGeom prst="rect">
+            <a:avLst/>
+          </a:prstGeom>
+          <a:noFill/>
+          <a:ln>
+            <a:noFill/>
+          </a:ln>
+          <a:effectLst/>
+          <a:extLst>
+            <a:ext uri="{909E8E84-426E-40DD-AFC4-6F175D3DCCD1}">
+              <a14:hiddenFill xmlns:a14="http://schemas.microsoft.com/office/drawing/2010/main">
+                <a:solidFill>
+                  <a:schemeClr val="accent1"/>
+                </a:solidFill>
+              </a14:hiddenFill>
+            </a:ext>
+            <a:ext uri="{91240B29-F687-4F45-9708-019B960494DF}">
+              <a14:hiddenLine xmlns:a14="http://schemas.microsoft.com/office/drawing/2010/main" w="9525">
+                <a:solidFill>
+                  <a:schemeClr val="tx1"/>
+                </a:solidFill>
+                <a:miter lim="800000"/>
+                <a:headEnd/>
+                <a:tailEnd/>
+              </a14:hiddenLine>
+            </a:ext>
+            <a:ext uri="{AF507438-7753-43E0-B8FC-AC1667EBCBE1}">
+              <a14:hiddenEffects xmlns:a14="http://schemas.microsoft.com/office/drawing/2010/main">
+                <a:effectLst>
+                  <a:outerShdw dist="35921" dir="2700000" algn="ctr" rotWithShape="0">
+                    <a:schemeClr val="bg2"/>
+                  </a:outerShdw>
+                </a:effectLst>
+              </a14:hiddenEffects>
+            </a:ext>
+          </a:extLst>
+        </p:spPr>
+        <p:txBody>
+          <a:bodyPr vert="horz" wrap="square" lIns="91440" tIns="45720" rIns="91440" bIns="45720" numCol="1" anchor="ctr" anchorCtr="0" compatLnSpc="1">
+            <a:prstTxWarp prst="textNoShape">
+              <a:avLst/>
+            </a:prstTxWarp>
+            <a:spAutoFit/>
+          </a:bodyPr>
+          <a:lstStyle/>
+          <a:p>
+            <a:pPr marL="0" marR="0" lvl="0" indent="0" algn="l" defTabSz="914400" rtl="0" eaLnBrk="0" fontAlgn="base" latinLnBrk="0" hangingPunct="0">
+              <a:lnSpc>
+                <a:spcPct val="100000"/>
+              </a:lnSpc>
+              <a:spcBef>
+                <a:spcPct val="0"/>
+              </a:spcBef>
+              <a:spcAft>
+                <a:spcPct val="0"/>
+              </a:spcAft>
+              <a:buClrTx/>
+              <a:buSzTx/>
+              <a:tabLst/>
+            </a:pPr>
+            <a:r>
+              <a:rPr lang="ko-KR" altLang="en-US" sz="1400" dirty="0">
+                <a:latin typeface="Arial" panose="020B0604020202020204" pitchFamily="34" charset="0"/>
               </a:rPr>
-              <a:t>DNA</a:t>
-            </a:r>
-            <a:r>
-              <a:rPr lang="ko-KR" altLang="en-US" dirty="0">
-                <a:hlinkClick r:id="rId8"/>
+              <a:t>앞뒤에 추가 삭제가 최적화된 </a:t>
+            </a:r>
+            <a:r>
+              <a:rPr lang="en-US" altLang="ko-KR" sz="1400" dirty="0">
+                <a:latin typeface="Arial" panose="020B0604020202020204" pitchFamily="34" charset="0"/>
               </a:rPr>
-              <a:t>비밀번호</a:t>
-            </a:r>
-            <a:endParaRPr lang="en-US" altLang="ko-KR" dirty="0"/>
-          </a:p>
-          <a:p>
-            <a:r>
-              <a:rPr lang="ko-KR" altLang="en-US" b="1" dirty="0">
+              <a:t>deque(double</a:t>
+            </a:r>
+            <a:r>
+              <a:rPr lang="ko-KR" altLang="en-US" sz="1400" dirty="0">
+                <a:latin typeface="Arial" panose="020B0604020202020204" pitchFamily="34" charset="0"/>
+              </a:rPr>
+              <a:t> </a:t>
+            </a:r>
+            <a:r>
+              <a:rPr lang="en-US" altLang="ko-KR" sz="1400" dirty="0">
+                <a:latin typeface="Arial" panose="020B0604020202020204" pitchFamily="34" charset="0"/>
+              </a:rPr>
+              <a:t>ended</a:t>
+            </a:r>
+            <a:r>
+              <a:rPr lang="ko-KR" altLang="en-US" sz="1400" dirty="0">
+                <a:latin typeface="Arial" panose="020B0604020202020204" pitchFamily="34" charset="0"/>
+              </a:rPr>
+              <a:t> </a:t>
+            </a:r>
+            <a:r>
+              <a:rPr lang="en-US" altLang="ko-KR" sz="1400" dirty="0">
+                <a:latin typeface="Arial" panose="020B0604020202020204" pitchFamily="34" charset="0"/>
+              </a:rPr>
+              <a:t>queue)</a:t>
+            </a:r>
+            <a:r>
+              <a:rPr lang="ko-KR" altLang="en-US" sz="1400" dirty="0">
+                <a:latin typeface="Arial" panose="020B0604020202020204" pitchFamily="34" charset="0"/>
+              </a:rPr>
+              <a:t> 사용</a:t>
+            </a:r>
+            <a:endParaRPr lang="en-US" altLang="ko-KR" sz="1400" dirty="0">
+              <a:latin typeface="Arial" panose="020B0604020202020204" pitchFamily="34" charset="0"/>
+            </a:endParaRPr>
+          </a:p>
+          <a:p>
+            <a:pPr lvl="0" eaLnBrk="0" fontAlgn="base" latinLnBrk="0" hangingPunct="0">
+              <a:spcBef>
+                <a:spcPct val="0"/>
+              </a:spcBef>
+              <a:spcAft>
+                <a:spcPct val="0"/>
+              </a:spcAft>
+            </a:pPr>
+            <a:r>
+              <a:rPr kumimoji="0" lang="ko-KR" altLang="ko-KR" sz="1400" i="0" u="none" strike="noStrike" cap="none" normalizeH="0" baseline="0" dirty="0">
+                <a:ln>
+                  <a:noFill/>
+                </a:ln>
                 <a:solidFill>
-                  <a:srgbClr val="FF0000"/>
+                  <a:schemeClr val="tx1"/>
                 </a:solidFill>
-                <a:hlinkClick r:id="rId9">
-                  <a:extLst>
-                    <a:ext uri="{A12FA001-AC4F-418D-AE19-62706E023703}">
-                      <ahyp:hlinkClr xmlns:ahyp="http://schemas.microsoft.com/office/drawing/2018/hyperlinkcolor" val="tx"/>
-                    </a:ext>
-                  </a:extLst>
-                </a:hlinkClick>
+                <a:effectLst/>
+                <a:latin typeface="Arial" panose="020B0604020202020204" pitchFamily="34" charset="0"/>
               </a:rPr>
-              <a:t>최솟값 찾기</a:t>
-            </a:r>
-            <a:endParaRPr lang="ko-KR" altLang="en-US" b="1" dirty="0">
+              <a:t>새 값 삽입</a:t>
+            </a:r>
+            <a:r>
+              <a:rPr kumimoji="0" lang="ko-KR" altLang="en-US" sz="1400" i="0" u="none" strike="noStrike" cap="none" normalizeH="0" baseline="0" dirty="0">
+                <a:ln>
+                  <a:noFill/>
+                </a:ln>
+                <a:solidFill>
+                  <a:schemeClr val="tx1"/>
+                </a:solidFill>
+                <a:effectLst/>
+                <a:latin typeface="Arial" panose="020B0604020202020204" pitchFamily="34" charset="0"/>
+              </a:rPr>
+              <a:t>은</a:t>
+            </a:r>
+            <a:r>
+              <a:rPr kumimoji="0" lang="en-US" altLang="ko-KR" sz="1400" i="0" u="none" strike="noStrike" cap="none" normalizeH="0" baseline="0" dirty="0">
+                <a:ln>
+                  <a:noFill/>
+                </a:ln>
+                <a:solidFill>
+                  <a:schemeClr val="tx1"/>
+                </a:solidFill>
+                <a:effectLst/>
+                <a:latin typeface="Arial" panose="020B0604020202020204" pitchFamily="34" charset="0"/>
+              </a:rPr>
+              <a:t> </a:t>
+            </a:r>
+            <a:r>
+              <a:rPr lang="en-US" altLang="ko-KR" sz="1400" dirty="0">
+                <a:latin typeface="Arial" panose="020B0604020202020204" pitchFamily="34" charset="0"/>
+              </a:rPr>
+              <a:t> </a:t>
+            </a:r>
+            <a:r>
+              <a:rPr lang="ko-KR" altLang="en-US" sz="1400" dirty="0">
+                <a:latin typeface="Arial" panose="020B0604020202020204" pitchFamily="34" charset="0"/>
+              </a:rPr>
+              <a:t>먼저</a:t>
+            </a:r>
+            <a:r>
+              <a:rPr lang="en-US" altLang="ko-KR" sz="1400" dirty="0">
+                <a:latin typeface="Arial" panose="020B0604020202020204" pitchFamily="34" charset="0"/>
+              </a:rPr>
+              <a:t> </a:t>
+            </a:r>
+            <a:r>
+              <a:rPr kumimoji="0" lang="ko-KR" altLang="ko-KR" sz="1400" i="0" u="none" strike="noStrike" cap="none" normalizeH="0" baseline="0" dirty="0">
+                <a:ln>
+                  <a:noFill/>
+                </a:ln>
+                <a:solidFill>
+                  <a:schemeClr val="tx1"/>
+                </a:solidFill>
+                <a:effectLst/>
+                <a:latin typeface="Arial" panose="020B0604020202020204" pitchFamily="34" charset="0"/>
+              </a:rPr>
+              <a:t>뒤에서부터 보면서 자기보다 큰 값은 모두 제거</a:t>
+            </a:r>
+            <a:r>
+              <a:rPr lang="en-US" altLang="ko-KR" sz="1400" dirty="0">
+                <a:latin typeface="Arial" panose="020B0604020202020204" pitchFamily="34" charset="0"/>
+              </a:rPr>
+              <a:t>(</a:t>
+            </a:r>
+            <a:r>
+              <a:rPr lang="ko-KR" altLang="ko-KR" sz="1400" b="1" dirty="0" err="1">
+                <a:latin typeface="Arial" panose="020B0604020202020204" pitchFamily="34" charset="0"/>
+              </a:rPr>
+              <a:t>pop_back</a:t>
+            </a:r>
+            <a:r>
+              <a:rPr lang="en-US" altLang="ko-KR" sz="1400" b="1" dirty="0">
+                <a:latin typeface="Arial" panose="020B0604020202020204" pitchFamily="34" charset="0"/>
+              </a:rPr>
+              <a:t>)</a:t>
+            </a:r>
+            <a:r>
+              <a:rPr kumimoji="0" lang="ko-KR" altLang="ko-KR" sz="1400" i="0" u="none" strike="noStrike" cap="none" normalizeH="0" baseline="0" dirty="0">
+                <a:ln>
+                  <a:noFill/>
+                </a:ln>
+                <a:solidFill>
+                  <a:schemeClr val="tx1"/>
+                </a:solidFill>
+                <a:effectLst/>
+                <a:latin typeface="Arial" panose="020B0604020202020204" pitchFamily="34" charset="0"/>
+              </a:rPr>
+              <a:t>.</a:t>
+            </a:r>
+            <a:r>
+              <a:rPr kumimoji="0" lang="en-US" altLang="ko-KR" sz="1400" i="0" u="none" strike="noStrike" cap="none" normalizeH="0" baseline="0" dirty="0">
+                <a:ln>
+                  <a:noFill/>
+                </a:ln>
+                <a:solidFill>
+                  <a:schemeClr val="tx1"/>
+                </a:solidFill>
+                <a:effectLst/>
+                <a:latin typeface="Arial" panose="020B0604020202020204" pitchFamily="34" charset="0"/>
+              </a:rPr>
+              <a:t>  </a:t>
+            </a:r>
+            <a:r>
+              <a:rPr kumimoji="0" lang="ko-KR" altLang="en-US" sz="1400" i="0" u="none" strike="noStrike" cap="none" normalizeH="0" baseline="0">
+                <a:ln>
+                  <a:noFill/>
+                </a:ln>
+                <a:solidFill>
+                  <a:schemeClr val="tx1"/>
+                </a:solidFill>
+                <a:effectLst/>
+                <a:latin typeface="Arial" panose="020B0604020202020204" pitchFamily="34" charset="0"/>
+              </a:rPr>
+              <a:t>이후에 새 값 </a:t>
+            </a:r>
+            <a:r>
+              <a:rPr kumimoji="0" lang="ko-KR" altLang="ko-KR" sz="1400" i="0" u="none" strike="noStrike" cap="none" normalizeH="0" baseline="0">
+                <a:ln>
+                  <a:noFill/>
+                </a:ln>
+                <a:solidFill>
+                  <a:schemeClr val="tx1"/>
+                </a:solidFill>
+                <a:effectLst/>
+                <a:latin typeface="Arial" panose="020B0604020202020204" pitchFamily="34" charset="0"/>
+              </a:rPr>
+              <a:t> </a:t>
+            </a:r>
+            <a:r>
+              <a:rPr kumimoji="0" lang="ko-KR" altLang="ko-KR" sz="1400" b="1" i="0" u="none" strike="noStrike" cap="none" normalizeH="0" baseline="0" dirty="0" err="1">
+                <a:ln>
+                  <a:noFill/>
+                </a:ln>
+                <a:solidFill>
+                  <a:schemeClr val="tx1"/>
+                </a:solidFill>
+                <a:effectLst/>
+                <a:latin typeface="Arial" panose="020B0604020202020204" pitchFamily="34" charset="0"/>
+              </a:rPr>
+              <a:t>push_back</a:t>
+            </a:r>
+            <a:r>
+              <a:rPr kumimoji="0" lang="ko-KR" altLang="ko-KR" sz="1400" i="0" u="none" strike="noStrike" cap="none" normalizeH="0" baseline="0" dirty="0">
+                <a:ln>
+                  <a:noFill/>
+                </a:ln>
+                <a:solidFill>
+                  <a:schemeClr val="tx1"/>
+                </a:solidFill>
+                <a:effectLst/>
+                <a:latin typeface="Arial" panose="020B0604020202020204" pitchFamily="34" charset="0"/>
+              </a:rPr>
+              <a:t>.</a:t>
+            </a:r>
+            <a:endParaRPr kumimoji="0" lang="en-US" altLang="ko-KR" sz="1400" i="0" u="none" strike="noStrike" cap="none" normalizeH="0" baseline="0" dirty="0">
+              <a:ln>
+                <a:noFill/>
+              </a:ln>
               <a:solidFill>
-                <a:srgbClr val="FF0000"/>
+                <a:schemeClr val="tx1"/>
               </a:solidFill>
+              <a:effectLst/>
+              <a:latin typeface="Arial" panose="020B0604020202020204" pitchFamily="34" charset="0"/>
             </a:endParaRPr>
+          </a:p>
+          <a:p>
+            <a:pPr lvl="0" eaLnBrk="0" fontAlgn="base" latinLnBrk="0" hangingPunct="0">
+              <a:spcBef>
+                <a:spcPct val="0"/>
+              </a:spcBef>
+              <a:spcAft>
+                <a:spcPct val="0"/>
+              </a:spcAft>
+            </a:pPr>
+            <a:r>
+              <a:rPr lang="ko-KR" altLang="en-US" sz="1400" dirty="0">
+                <a:latin typeface="Arial" panose="020B0604020202020204" pitchFamily="34" charset="0"/>
+              </a:rPr>
+              <a:t>결과는 </a:t>
+            </a:r>
+            <a:r>
+              <a:rPr kumimoji="0" lang="ko-KR" altLang="ko-KR" sz="1400" i="0" u="none" strike="noStrike" cap="none" normalizeH="0" baseline="0" dirty="0">
+                <a:ln>
+                  <a:noFill/>
+                </a:ln>
+                <a:solidFill>
+                  <a:schemeClr val="tx1"/>
+                </a:solidFill>
+                <a:effectLst/>
+                <a:latin typeface="Arial" panose="020B0604020202020204" pitchFamily="34" charset="0"/>
+              </a:rPr>
+              <a:t>최소값 = </a:t>
+            </a:r>
+            <a:r>
+              <a:rPr lang="en-US" altLang="ko-KR" sz="1400" dirty="0">
+                <a:latin typeface="Arial" panose="020B0604020202020204" pitchFamily="34" charset="0"/>
+              </a:rPr>
+              <a:t>deque </a:t>
+            </a:r>
+            <a:r>
+              <a:rPr kumimoji="0" lang="ko-KR" altLang="ko-KR" sz="1400" i="0" u="none" strike="noStrike" cap="none" normalizeH="0" baseline="0" dirty="0">
+                <a:ln>
+                  <a:noFill/>
+                </a:ln>
+                <a:solidFill>
+                  <a:schemeClr val="tx1"/>
+                </a:solidFill>
+                <a:effectLst/>
+                <a:latin typeface="Arial" panose="020B0604020202020204" pitchFamily="34" charset="0"/>
+              </a:rPr>
+              <a:t>의 </a:t>
+            </a:r>
+            <a:r>
+              <a:rPr kumimoji="0" lang="ko-KR" altLang="ko-KR" sz="1400" i="0" u="none" strike="noStrike" cap="none" normalizeH="0" baseline="0" dirty="0" err="1">
+                <a:ln>
+                  <a:noFill/>
+                </a:ln>
+                <a:solidFill>
+                  <a:schemeClr val="tx1"/>
+                </a:solidFill>
+                <a:effectLst/>
+                <a:latin typeface="Arial" panose="020B0604020202020204" pitchFamily="34" charset="0"/>
+              </a:rPr>
+              <a:t>front</a:t>
+            </a:r>
+            <a:endParaRPr kumimoji="0" lang="ko-KR" altLang="ko-KR" sz="1400" i="0" u="none" strike="noStrike" cap="none" normalizeH="0" baseline="0" dirty="0">
+              <a:ln>
+                <a:noFill/>
+              </a:ln>
+              <a:solidFill>
+                <a:schemeClr val="tx1"/>
+              </a:solidFill>
+              <a:effectLst/>
+              <a:latin typeface="Arial" panose="020B0604020202020204" pitchFamily="34" charset="0"/>
+            </a:endParaRPr>
+          </a:p>
+        </p:txBody>
+      </p:sp>
+      <p:sp>
+        <p:nvSpPr>
+          <p:cNvPr id="15" name="TextBox 14">
+            <a:extLst>
+              <a:ext uri="{FF2B5EF4-FFF2-40B4-BE49-F238E27FC236}">
+                <a16:creationId xmlns:a16="http://schemas.microsoft.com/office/drawing/2014/main" id="{4403801A-800F-4544-2390-1C94930D7466}"/>
+              </a:ext>
+            </a:extLst>
+          </p:cNvPr>
+          <p:cNvSpPr txBox="1"/>
+          <p:nvPr/>
+        </p:nvSpPr>
+        <p:spPr>
+          <a:xfrm>
+            <a:off x="2610695" y="4097946"/>
+            <a:ext cx="2951480" cy="1015663"/>
+          </a:xfrm>
+          <a:prstGeom prst="rect">
+            <a:avLst/>
+          </a:prstGeom>
+          <a:noFill/>
+        </p:spPr>
+        <p:txBody>
+          <a:bodyPr wrap="square">
+            <a:spAutoFit/>
+          </a:bodyPr>
+          <a:lstStyle/>
+          <a:p>
+            <a:pPr>
+              <a:buNone/>
+            </a:pPr>
+            <a:r>
+              <a:rPr lang="ko-KR" altLang="en-US" sz="1200" dirty="0">
+                <a:latin typeface="+mn-ea"/>
+              </a:rPr>
+              <a:t>입력</a:t>
+            </a:r>
+            <a:r>
+              <a:rPr lang="en-US" altLang="ko-KR" sz="1200" dirty="0">
+                <a:latin typeface="+mn-ea"/>
+              </a:rPr>
+              <a:t>: [4, 3, 2, 1]</a:t>
+            </a:r>
+            <a:endParaRPr lang="ko-KR" altLang="en-US" sz="1200" dirty="0">
+              <a:latin typeface="+mn-ea"/>
+            </a:endParaRPr>
+          </a:p>
+          <a:p>
+            <a:pPr rtl="0">
+              <a:buNone/>
+            </a:pPr>
+            <a:r>
+              <a:rPr lang="en-US" altLang="ko-KR" sz="1200" dirty="0">
+                <a:latin typeface="+mn-ea"/>
+              </a:rPr>
+              <a:t>push 4 → </a:t>
+            </a:r>
+            <a:r>
+              <a:rPr lang="en-US" altLang="ko-KR" sz="1200" dirty="0" err="1">
+                <a:latin typeface="+mn-ea"/>
+              </a:rPr>
+              <a:t>dq</a:t>
+            </a:r>
+            <a:r>
+              <a:rPr lang="en-US" altLang="ko-KR" sz="1200" dirty="0">
+                <a:latin typeface="+mn-ea"/>
+              </a:rPr>
+              <a:t>=[4], min=4</a:t>
+            </a:r>
+          </a:p>
+          <a:p>
+            <a:pPr rtl="0">
+              <a:buNone/>
+            </a:pPr>
+            <a:r>
+              <a:rPr lang="en-US" altLang="ko-KR" sz="1200" dirty="0">
+                <a:latin typeface="+mn-ea"/>
+              </a:rPr>
+              <a:t>push 3 → </a:t>
+            </a:r>
+            <a:r>
+              <a:rPr lang="en-US" altLang="ko-KR" sz="1200" dirty="0" err="1">
+                <a:latin typeface="+mn-ea"/>
+              </a:rPr>
+              <a:t>dq</a:t>
+            </a:r>
+            <a:r>
+              <a:rPr lang="en-US" altLang="ko-KR" sz="1200" dirty="0">
+                <a:latin typeface="+mn-ea"/>
+              </a:rPr>
+              <a:t>=[3], min=3   (4&gt;3 </a:t>
+            </a:r>
+            <a:r>
+              <a:rPr lang="ko-KR" altLang="en-US" sz="1200" dirty="0">
+                <a:latin typeface="+mn-ea"/>
+              </a:rPr>
+              <a:t>제거</a:t>
+            </a:r>
+            <a:r>
+              <a:rPr lang="en-US" altLang="ko-KR" sz="1200" dirty="0">
+                <a:latin typeface="+mn-ea"/>
+              </a:rPr>
+              <a:t>)</a:t>
+            </a:r>
+          </a:p>
+          <a:p>
+            <a:pPr rtl="0">
+              <a:buNone/>
+            </a:pPr>
+            <a:r>
+              <a:rPr lang="en-US" altLang="ko-KR" sz="1200" dirty="0">
+                <a:latin typeface="+mn-ea"/>
+              </a:rPr>
+              <a:t>push 2 → </a:t>
+            </a:r>
+            <a:r>
+              <a:rPr lang="en-US" altLang="ko-KR" sz="1200" dirty="0" err="1">
+                <a:latin typeface="+mn-ea"/>
+              </a:rPr>
+              <a:t>dq</a:t>
+            </a:r>
+            <a:r>
+              <a:rPr lang="en-US" altLang="ko-KR" sz="1200" dirty="0">
+                <a:latin typeface="+mn-ea"/>
+              </a:rPr>
+              <a:t>=[2], min=2   (3&gt;2 </a:t>
+            </a:r>
+            <a:r>
+              <a:rPr lang="ko-KR" altLang="en-US" sz="1200" dirty="0">
+                <a:latin typeface="+mn-ea"/>
+              </a:rPr>
+              <a:t>제거</a:t>
+            </a:r>
+            <a:r>
+              <a:rPr lang="en-US" altLang="ko-KR" sz="1200" dirty="0">
+                <a:latin typeface="+mn-ea"/>
+              </a:rPr>
+              <a:t>)</a:t>
+            </a:r>
+          </a:p>
+          <a:p>
+            <a:pPr rtl="0">
+              <a:buNone/>
+            </a:pPr>
+            <a:r>
+              <a:rPr lang="en-US" altLang="ko-KR" sz="1200" dirty="0">
+                <a:latin typeface="+mn-ea"/>
+              </a:rPr>
+              <a:t>push 1 → </a:t>
+            </a:r>
+            <a:r>
+              <a:rPr lang="en-US" altLang="ko-KR" sz="1200" dirty="0" err="1">
+                <a:latin typeface="+mn-ea"/>
+              </a:rPr>
+              <a:t>dq</a:t>
+            </a:r>
+            <a:r>
+              <a:rPr lang="en-US" altLang="ko-KR" sz="1200" dirty="0">
+                <a:latin typeface="+mn-ea"/>
+              </a:rPr>
+              <a:t>=[1], min=1   (2&gt;1 </a:t>
+            </a:r>
+            <a:r>
+              <a:rPr lang="ko-KR" altLang="en-US" sz="1200" dirty="0">
+                <a:latin typeface="+mn-ea"/>
+              </a:rPr>
+              <a:t>제거</a:t>
+            </a:r>
+            <a:r>
+              <a:rPr lang="en-US" altLang="ko-KR" sz="1200" dirty="0">
+                <a:latin typeface="+mn-ea"/>
+              </a:rPr>
+              <a:t>)</a:t>
+            </a:r>
+          </a:p>
+        </p:txBody>
+      </p:sp>
+      <p:sp>
+        <p:nvSpPr>
+          <p:cNvPr id="17" name="TextBox 16">
+            <a:extLst>
+              <a:ext uri="{FF2B5EF4-FFF2-40B4-BE49-F238E27FC236}">
+                <a16:creationId xmlns:a16="http://schemas.microsoft.com/office/drawing/2014/main" id="{A243CE93-B658-B7A5-C064-34F8FD8E961E}"/>
+              </a:ext>
+            </a:extLst>
+          </p:cNvPr>
+          <p:cNvSpPr txBox="1"/>
+          <p:nvPr/>
+        </p:nvSpPr>
+        <p:spPr>
+          <a:xfrm>
+            <a:off x="5755640" y="4168539"/>
+            <a:ext cx="3525520" cy="1015663"/>
+          </a:xfrm>
+          <a:prstGeom prst="rect">
+            <a:avLst/>
+          </a:prstGeom>
+          <a:noFill/>
+        </p:spPr>
+        <p:txBody>
+          <a:bodyPr wrap="square">
+            <a:spAutoFit/>
+          </a:bodyPr>
+          <a:lstStyle/>
+          <a:p>
+            <a:pPr>
+              <a:buNone/>
+            </a:pPr>
+            <a:r>
+              <a:rPr lang="ko-KR" altLang="en-US" sz="1200" dirty="0">
+                <a:latin typeface="+mn-ea"/>
+              </a:rPr>
+              <a:t>입력</a:t>
+            </a:r>
+            <a:r>
+              <a:rPr lang="en-US" altLang="ko-KR" sz="1200" dirty="0">
+                <a:latin typeface="+mn-ea"/>
+              </a:rPr>
+              <a:t>: [5, 3, 8, 2]</a:t>
+            </a:r>
+            <a:endParaRPr lang="ko-KR" altLang="en-US" sz="1200" dirty="0">
+              <a:latin typeface="+mn-ea"/>
+            </a:endParaRPr>
+          </a:p>
+          <a:p>
+            <a:pPr rtl="0">
+              <a:buNone/>
+            </a:pPr>
+            <a:r>
+              <a:rPr lang="en-US" altLang="ko-KR" sz="1200" dirty="0">
+                <a:latin typeface="+mn-ea"/>
+              </a:rPr>
+              <a:t>push 5 → </a:t>
+            </a:r>
+            <a:r>
+              <a:rPr lang="en-US" altLang="ko-KR" sz="1200" dirty="0" err="1">
+                <a:latin typeface="+mn-ea"/>
+              </a:rPr>
+              <a:t>dq</a:t>
+            </a:r>
+            <a:r>
+              <a:rPr lang="en-US" altLang="ko-KR" sz="1200" dirty="0">
+                <a:latin typeface="+mn-ea"/>
+              </a:rPr>
+              <a:t>=[5], min=5</a:t>
+            </a:r>
+          </a:p>
+          <a:p>
+            <a:pPr rtl="0">
+              <a:buNone/>
+            </a:pPr>
+            <a:r>
+              <a:rPr lang="en-US" altLang="ko-KR" sz="1200" dirty="0">
+                <a:latin typeface="+mn-ea"/>
+              </a:rPr>
+              <a:t>push 3 → </a:t>
+            </a:r>
+            <a:r>
+              <a:rPr lang="en-US" altLang="ko-KR" sz="1200" dirty="0" err="1">
+                <a:latin typeface="+mn-ea"/>
+              </a:rPr>
+              <a:t>dq</a:t>
+            </a:r>
+            <a:r>
+              <a:rPr lang="en-US" altLang="ko-KR" sz="1200" dirty="0">
+                <a:latin typeface="+mn-ea"/>
+              </a:rPr>
+              <a:t>=[3], min=3   (5&gt;3 </a:t>
+            </a:r>
+            <a:r>
+              <a:rPr lang="ko-KR" altLang="en-US" sz="1200" dirty="0">
+                <a:latin typeface="+mn-ea"/>
+              </a:rPr>
+              <a:t>제거</a:t>
+            </a:r>
+            <a:r>
+              <a:rPr lang="en-US" altLang="ko-KR" sz="1200" dirty="0">
+                <a:latin typeface="+mn-ea"/>
+              </a:rPr>
+              <a:t>)</a:t>
+            </a:r>
+          </a:p>
+          <a:p>
+            <a:pPr rtl="0">
+              <a:buNone/>
+            </a:pPr>
+            <a:r>
+              <a:rPr lang="en-US" altLang="ko-KR" sz="1200" dirty="0">
+                <a:latin typeface="+mn-ea"/>
+              </a:rPr>
+              <a:t>push 8 → </a:t>
+            </a:r>
+            <a:r>
+              <a:rPr lang="en-US" altLang="ko-KR" sz="1200" dirty="0" err="1">
+                <a:latin typeface="+mn-ea"/>
+              </a:rPr>
+              <a:t>dq</a:t>
+            </a:r>
+            <a:r>
+              <a:rPr lang="en-US" altLang="ko-KR" sz="1200" dirty="0">
+                <a:latin typeface="+mn-ea"/>
+              </a:rPr>
+              <a:t>=[3,8], min=3</a:t>
+            </a:r>
+          </a:p>
+          <a:p>
+            <a:pPr rtl="0">
+              <a:buNone/>
+            </a:pPr>
+            <a:r>
+              <a:rPr lang="en-US" altLang="ko-KR" sz="1200" dirty="0">
+                <a:latin typeface="+mn-ea"/>
+              </a:rPr>
+              <a:t>push 2 → </a:t>
+            </a:r>
+            <a:r>
+              <a:rPr lang="en-US" altLang="ko-KR" sz="1200" dirty="0" err="1">
+                <a:latin typeface="+mn-ea"/>
+              </a:rPr>
+              <a:t>dq</a:t>
+            </a:r>
+            <a:r>
+              <a:rPr lang="en-US" altLang="ko-KR" sz="1200" dirty="0">
+                <a:latin typeface="+mn-ea"/>
+              </a:rPr>
+              <a:t>=[2], min=2   (8&gt;2 </a:t>
+            </a:r>
+            <a:r>
+              <a:rPr lang="ko-KR" altLang="en-US" sz="1200" dirty="0">
+                <a:latin typeface="+mn-ea"/>
+              </a:rPr>
+              <a:t>제거</a:t>
+            </a:r>
+            <a:r>
+              <a:rPr lang="en-US" altLang="ko-KR" sz="1200" dirty="0">
+                <a:latin typeface="+mn-ea"/>
+              </a:rPr>
+              <a:t>, 3&gt;2 </a:t>
+            </a:r>
+            <a:r>
+              <a:rPr lang="ko-KR" altLang="en-US" sz="1200" dirty="0">
+                <a:latin typeface="+mn-ea"/>
+              </a:rPr>
+              <a:t>제거</a:t>
+            </a:r>
+            <a:r>
+              <a:rPr lang="en-US" altLang="ko-KR" sz="1200" dirty="0">
+                <a:latin typeface="+mn-ea"/>
+              </a:rPr>
+              <a:t>)</a:t>
+            </a:r>
+          </a:p>
+        </p:txBody>
+      </p:sp>
+      <p:sp>
+        <p:nvSpPr>
+          <p:cNvPr id="19" name="TextBox 18">
+            <a:extLst>
+              <a:ext uri="{FF2B5EF4-FFF2-40B4-BE49-F238E27FC236}">
+                <a16:creationId xmlns:a16="http://schemas.microsoft.com/office/drawing/2014/main" id="{38088CCD-3DD1-FA16-D77B-153D945F2D33}"/>
+              </a:ext>
+            </a:extLst>
+          </p:cNvPr>
+          <p:cNvSpPr txBox="1"/>
+          <p:nvPr/>
+        </p:nvSpPr>
+        <p:spPr>
+          <a:xfrm>
+            <a:off x="9404772" y="4168539"/>
+            <a:ext cx="2910840" cy="1015663"/>
+          </a:xfrm>
+          <a:prstGeom prst="rect">
+            <a:avLst/>
+          </a:prstGeom>
+          <a:noFill/>
+        </p:spPr>
+        <p:txBody>
+          <a:bodyPr wrap="square">
+            <a:spAutoFit/>
+          </a:bodyPr>
+          <a:lstStyle/>
+          <a:p>
+            <a:pPr>
+              <a:buNone/>
+            </a:pPr>
+            <a:r>
+              <a:rPr lang="ko-KR" altLang="en-US" sz="1200" dirty="0">
+                <a:latin typeface="+mn-ea"/>
+              </a:rPr>
+              <a:t>입력</a:t>
+            </a:r>
+            <a:r>
+              <a:rPr lang="en-US" altLang="ko-KR" sz="1200" dirty="0">
+                <a:latin typeface="+mn-ea"/>
+              </a:rPr>
+              <a:t>: [7, 6, 5, 9]</a:t>
+            </a:r>
+            <a:endParaRPr lang="ko-KR" altLang="en-US" sz="1200" dirty="0">
+              <a:latin typeface="+mn-ea"/>
+            </a:endParaRPr>
+          </a:p>
+          <a:p>
+            <a:pPr rtl="0">
+              <a:buNone/>
+            </a:pPr>
+            <a:r>
+              <a:rPr lang="en-US" altLang="ko-KR" sz="1200" dirty="0">
+                <a:latin typeface="+mn-ea"/>
+              </a:rPr>
+              <a:t>push 7 → </a:t>
+            </a:r>
+            <a:r>
+              <a:rPr lang="en-US" altLang="ko-KR" sz="1200" dirty="0" err="1">
+                <a:latin typeface="+mn-ea"/>
+              </a:rPr>
+              <a:t>dq</a:t>
+            </a:r>
+            <a:r>
+              <a:rPr lang="en-US" altLang="ko-KR" sz="1200" dirty="0">
+                <a:latin typeface="+mn-ea"/>
+              </a:rPr>
+              <a:t>=[7], min=7</a:t>
+            </a:r>
+          </a:p>
+          <a:p>
+            <a:pPr rtl="0">
+              <a:buNone/>
+            </a:pPr>
+            <a:r>
+              <a:rPr lang="en-US" altLang="ko-KR" sz="1200" dirty="0">
+                <a:latin typeface="+mn-ea"/>
+              </a:rPr>
+              <a:t>push 6 → </a:t>
+            </a:r>
+            <a:r>
+              <a:rPr lang="en-US" altLang="ko-KR" sz="1200" dirty="0" err="1">
+                <a:latin typeface="+mn-ea"/>
+              </a:rPr>
+              <a:t>dq</a:t>
+            </a:r>
+            <a:r>
+              <a:rPr lang="en-US" altLang="ko-KR" sz="1200" dirty="0">
+                <a:latin typeface="+mn-ea"/>
+              </a:rPr>
+              <a:t>=[6], min=6   (7&gt;6 </a:t>
+            </a:r>
+            <a:r>
+              <a:rPr lang="ko-KR" altLang="en-US" sz="1200" dirty="0">
+                <a:latin typeface="+mn-ea"/>
+              </a:rPr>
+              <a:t>제거</a:t>
+            </a:r>
+            <a:r>
+              <a:rPr lang="en-US" altLang="ko-KR" sz="1200" dirty="0">
+                <a:latin typeface="+mn-ea"/>
+              </a:rPr>
+              <a:t>)</a:t>
+            </a:r>
+          </a:p>
+          <a:p>
+            <a:pPr rtl="0">
+              <a:buNone/>
+            </a:pPr>
+            <a:r>
+              <a:rPr lang="en-US" altLang="ko-KR" sz="1200" dirty="0">
+                <a:latin typeface="+mn-ea"/>
+              </a:rPr>
+              <a:t>push 5 → </a:t>
+            </a:r>
+            <a:r>
+              <a:rPr lang="en-US" altLang="ko-KR" sz="1200" dirty="0" err="1">
+                <a:latin typeface="+mn-ea"/>
+              </a:rPr>
+              <a:t>dq</a:t>
+            </a:r>
+            <a:r>
+              <a:rPr lang="en-US" altLang="ko-KR" sz="1200" dirty="0">
+                <a:latin typeface="+mn-ea"/>
+              </a:rPr>
+              <a:t>=[5], min=5   (6&gt;5 </a:t>
+            </a:r>
+            <a:r>
+              <a:rPr lang="ko-KR" altLang="en-US" sz="1200" dirty="0">
+                <a:latin typeface="+mn-ea"/>
+              </a:rPr>
+              <a:t>제거</a:t>
+            </a:r>
+            <a:r>
+              <a:rPr lang="en-US" altLang="ko-KR" sz="1200" dirty="0">
+                <a:latin typeface="+mn-ea"/>
+              </a:rPr>
+              <a:t>)</a:t>
+            </a:r>
+          </a:p>
+          <a:p>
+            <a:pPr rtl="0">
+              <a:buNone/>
+            </a:pPr>
+            <a:r>
+              <a:rPr lang="en-US" altLang="ko-KR" sz="1200" dirty="0">
+                <a:latin typeface="+mn-ea"/>
+              </a:rPr>
+              <a:t>push 9 → </a:t>
+            </a:r>
+            <a:r>
+              <a:rPr lang="en-US" altLang="ko-KR" sz="1200" dirty="0" err="1">
+                <a:latin typeface="+mn-ea"/>
+              </a:rPr>
+              <a:t>dq</a:t>
+            </a:r>
+            <a:r>
+              <a:rPr lang="en-US" altLang="ko-KR" sz="1200" dirty="0">
+                <a:latin typeface="+mn-ea"/>
+              </a:rPr>
+              <a:t>=[5,9], min=5</a:t>
+            </a:r>
+          </a:p>
+        </p:txBody>
+      </p:sp>
+      <p:sp>
+        <p:nvSpPr>
+          <p:cNvPr id="21" name="TextBox 20">
+            <a:extLst>
+              <a:ext uri="{FF2B5EF4-FFF2-40B4-BE49-F238E27FC236}">
+                <a16:creationId xmlns:a16="http://schemas.microsoft.com/office/drawing/2014/main" id="{6985B4B8-F1DA-00E9-527D-AB21B5F7E0AF}"/>
+              </a:ext>
+            </a:extLst>
+          </p:cNvPr>
+          <p:cNvSpPr txBox="1"/>
+          <p:nvPr/>
+        </p:nvSpPr>
+        <p:spPr>
+          <a:xfrm>
+            <a:off x="55881" y="5396177"/>
+            <a:ext cx="4257040" cy="1200329"/>
+          </a:xfrm>
+          <a:prstGeom prst="rect">
+            <a:avLst/>
+          </a:prstGeom>
+          <a:noFill/>
+        </p:spPr>
+        <p:txBody>
+          <a:bodyPr wrap="square">
+            <a:spAutoFit/>
+          </a:bodyPr>
+          <a:lstStyle/>
+          <a:p>
+            <a:r>
+              <a:rPr lang="ko-KR" altLang="en-US" sz="1200" dirty="0"/>
+              <a:t>입력</a:t>
+            </a:r>
+            <a:r>
+              <a:rPr lang="en-US" altLang="ko-KR" sz="1200" dirty="0"/>
+              <a:t>: [2, 4, 6, 1, 3]</a:t>
+            </a:r>
+          </a:p>
+          <a:p>
+            <a:r>
+              <a:rPr lang="ko-KR" altLang="en-US" sz="1200" dirty="0" err="1"/>
+              <a:t>push</a:t>
+            </a:r>
+            <a:r>
+              <a:rPr lang="ko-KR" altLang="en-US" sz="1200" dirty="0"/>
+              <a:t> 2 → </a:t>
+            </a:r>
+            <a:r>
+              <a:rPr lang="ko-KR" altLang="en-US" sz="1200" dirty="0" err="1"/>
+              <a:t>dq</a:t>
+            </a:r>
+            <a:r>
+              <a:rPr lang="ko-KR" altLang="en-US" sz="1200" dirty="0"/>
+              <a:t>=[2], </a:t>
+            </a:r>
+            <a:r>
+              <a:rPr lang="ko-KR" altLang="en-US" sz="1200" dirty="0" err="1"/>
+              <a:t>min</a:t>
+            </a:r>
+            <a:r>
+              <a:rPr lang="ko-KR" altLang="en-US" sz="1200" dirty="0"/>
+              <a:t>=2</a:t>
+            </a:r>
+          </a:p>
+          <a:p>
+            <a:r>
+              <a:rPr lang="ko-KR" altLang="en-US" sz="1200" dirty="0" err="1"/>
+              <a:t>push</a:t>
+            </a:r>
+            <a:r>
+              <a:rPr lang="ko-KR" altLang="en-US" sz="1200" dirty="0"/>
+              <a:t> 4 → </a:t>
+            </a:r>
+            <a:r>
+              <a:rPr lang="ko-KR" altLang="en-US" sz="1200" dirty="0" err="1"/>
+              <a:t>dq</a:t>
+            </a:r>
+            <a:r>
+              <a:rPr lang="ko-KR" altLang="en-US" sz="1200" dirty="0"/>
+              <a:t>=[2,4], </a:t>
+            </a:r>
+            <a:r>
+              <a:rPr lang="ko-KR" altLang="en-US" sz="1200" dirty="0" err="1"/>
+              <a:t>min</a:t>
+            </a:r>
+            <a:r>
+              <a:rPr lang="ko-KR" altLang="en-US" sz="1200" dirty="0"/>
+              <a:t>=2</a:t>
+            </a:r>
+          </a:p>
+          <a:p>
+            <a:r>
+              <a:rPr lang="ko-KR" altLang="en-US" sz="1200" dirty="0" err="1"/>
+              <a:t>push</a:t>
+            </a:r>
+            <a:r>
+              <a:rPr lang="ko-KR" altLang="en-US" sz="1200" dirty="0"/>
+              <a:t> 6 → </a:t>
+            </a:r>
+            <a:r>
+              <a:rPr lang="ko-KR" altLang="en-US" sz="1200" dirty="0" err="1"/>
+              <a:t>dq</a:t>
+            </a:r>
+            <a:r>
+              <a:rPr lang="ko-KR" altLang="en-US" sz="1200" dirty="0"/>
+              <a:t>=[2,4,6], </a:t>
+            </a:r>
+            <a:r>
+              <a:rPr lang="ko-KR" altLang="en-US" sz="1200" dirty="0" err="1"/>
+              <a:t>min</a:t>
+            </a:r>
+            <a:r>
+              <a:rPr lang="ko-KR" altLang="en-US" sz="1200" dirty="0"/>
+              <a:t>=2</a:t>
+            </a:r>
+          </a:p>
+          <a:p>
+            <a:r>
+              <a:rPr lang="ko-KR" altLang="en-US" sz="1200" dirty="0" err="1"/>
+              <a:t>push</a:t>
+            </a:r>
+            <a:r>
+              <a:rPr lang="ko-KR" altLang="en-US" sz="1200" dirty="0"/>
+              <a:t> 1 → </a:t>
+            </a:r>
+            <a:r>
+              <a:rPr lang="ko-KR" altLang="en-US" sz="1200" dirty="0" err="1"/>
+              <a:t>dq</a:t>
+            </a:r>
+            <a:r>
+              <a:rPr lang="ko-KR" altLang="en-US" sz="1200" dirty="0"/>
+              <a:t>=[1], </a:t>
+            </a:r>
+            <a:r>
+              <a:rPr lang="ko-KR" altLang="en-US" sz="1200" dirty="0" err="1"/>
+              <a:t>min</a:t>
+            </a:r>
+            <a:r>
+              <a:rPr lang="ko-KR" altLang="en-US" sz="1200" dirty="0"/>
+              <a:t>=1   (6&gt;1 제거, 4&gt;1 제거, 2&gt;1 제거)</a:t>
+            </a:r>
+          </a:p>
+          <a:p>
+            <a:r>
+              <a:rPr lang="ko-KR" altLang="en-US" sz="1200" dirty="0" err="1"/>
+              <a:t>push</a:t>
+            </a:r>
+            <a:r>
+              <a:rPr lang="ko-KR" altLang="en-US" sz="1200" dirty="0"/>
+              <a:t> 3 → </a:t>
+            </a:r>
+            <a:r>
+              <a:rPr lang="ko-KR" altLang="en-US" sz="1200" dirty="0" err="1"/>
+              <a:t>dq</a:t>
+            </a:r>
+            <a:r>
+              <a:rPr lang="ko-KR" altLang="en-US" sz="1200" dirty="0"/>
+              <a:t>=[1,3], </a:t>
+            </a:r>
+            <a:r>
+              <a:rPr lang="ko-KR" altLang="en-US" sz="1200" dirty="0" err="1"/>
+              <a:t>min</a:t>
+            </a:r>
+            <a:r>
+              <a:rPr lang="ko-KR" altLang="en-US" sz="1200" dirty="0"/>
+              <a:t>=1</a:t>
+            </a:r>
+          </a:p>
+        </p:txBody>
+      </p:sp>
+      <p:sp>
+        <p:nvSpPr>
+          <p:cNvPr id="27" name="TextBox 26">
+            <a:extLst>
+              <a:ext uri="{FF2B5EF4-FFF2-40B4-BE49-F238E27FC236}">
+                <a16:creationId xmlns:a16="http://schemas.microsoft.com/office/drawing/2014/main" id="{04F1E612-AEF7-6E0D-F77F-675F65FBDC3D}"/>
+              </a:ext>
+            </a:extLst>
+          </p:cNvPr>
+          <p:cNvSpPr txBox="1"/>
+          <p:nvPr/>
+        </p:nvSpPr>
+        <p:spPr>
+          <a:xfrm>
+            <a:off x="4348902" y="5435354"/>
+            <a:ext cx="6156960" cy="1200329"/>
+          </a:xfrm>
+          <a:prstGeom prst="rect">
+            <a:avLst/>
+          </a:prstGeom>
+          <a:noFill/>
+        </p:spPr>
+        <p:txBody>
+          <a:bodyPr wrap="square">
+            <a:spAutoFit/>
+          </a:bodyPr>
+          <a:lstStyle/>
+          <a:p>
+            <a:pPr>
+              <a:buNone/>
+            </a:pPr>
+            <a:r>
+              <a:rPr lang="ko-KR" altLang="en-US" sz="1200" dirty="0">
+                <a:latin typeface="+mn-ea"/>
+              </a:rPr>
+              <a:t>입력</a:t>
+            </a:r>
+            <a:r>
+              <a:rPr lang="en-US" altLang="ko-KR" sz="1200" dirty="0">
+                <a:latin typeface="+mn-ea"/>
+              </a:rPr>
+              <a:t>: [10, 20, 30, 40, 5]</a:t>
+            </a:r>
+            <a:endParaRPr lang="ko-KR" altLang="en-US" sz="1200" dirty="0">
+              <a:latin typeface="+mn-ea"/>
+            </a:endParaRPr>
+          </a:p>
+          <a:p>
+            <a:pPr rtl="0">
+              <a:buNone/>
+            </a:pPr>
+            <a:r>
+              <a:rPr lang="en-US" altLang="ko-KR" sz="1200" dirty="0">
+                <a:latin typeface="+mn-ea"/>
+              </a:rPr>
+              <a:t>push 10 → </a:t>
+            </a:r>
+            <a:r>
+              <a:rPr lang="en-US" altLang="ko-KR" sz="1200" dirty="0" err="1">
+                <a:latin typeface="+mn-ea"/>
+              </a:rPr>
+              <a:t>dq</a:t>
+            </a:r>
+            <a:r>
+              <a:rPr lang="en-US" altLang="ko-KR" sz="1200" dirty="0">
+                <a:latin typeface="+mn-ea"/>
+              </a:rPr>
+              <a:t> = [10]</a:t>
+            </a:r>
+          </a:p>
+          <a:p>
+            <a:pPr rtl="0">
+              <a:buNone/>
+            </a:pPr>
+            <a:r>
+              <a:rPr lang="en-US" altLang="ko-KR" sz="1200" dirty="0">
+                <a:latin typeface="+mn-ea"/>
+              </a:rPr>
+              <a:t>push 20 → </a:t>
+            </a:r>
+            <a:r>
+              <a:rPr lang="en-US" altLang="ko-KR" sz="1200" dirty="0" err="1">
+                <a:latin typeface="+mn-ea"/>
+              </a:rPr>
+              <a:t>dq</a:t>
+            </a:r>
+            <a:r>
+              <a:rPr lang="en-US" altLang="ko-KR" sz="1200" dirty="0">
+                <a:latin typeface="+mn-ea"/>
+              </a:rPr>
+              <a:t> = [10,20]</a:t>
+            </a:r>
+          </a:p>
+          <a:p>
+            <a:pPr rtl="0">
+              <a:buNone/>
+            </a:pPr>
+            <a:r>
+              <a:rPr lang="en-US" altLang="ko-KR" sz="1200" dirty="0">
+                <a:latin typeface="+mn-ea"/>
+              </a:rPr>
+              <a:t>push 30 → </a:t>
+            </a:r>
+            <a:r>
+              <a:rPr lang="en-US" altLang="ko-KR" sz="1200" dirty="0" err="1">
+                <a:latin typeface="+mn-ea"/>
+              </a:rPr>
+              <a:t>dq</a:t>
+            </a:r>
+            <a:r>
+              <a:rPr lang="en-US" altLang="ko-KR" sz="1200" dirty="0">
+                <a:latin typeface="+mn-ea"/>
+              </a:rPr>
+              <a:t> = [10,20,30]</a:t>
+            </a:r>
+          </a:p>
+          <a:p>
+            <a:pPr rtl="0">
+              <a:buNone/>
+            </a:pPr>
+            <a:r>
+              <a:rPr lang="en-US" altLang="ko-KR" sz="1200" dirty="0">
+                <a:latin typeface="+mn-ea"/>
+              </a:rPr>
+              <a:t>push 40 → </a:t>
+            </a:r>
+            <a:r>
+              <a:rPr lang="en-US" altLang="ko-KR" sz="1200" dirty="0" err="1">
+                <a:latin typeface="+mn-ea"/>
+              </a:rPr>
+              <a:t>dq</a:t>
+            </a:r>
+            <a:r>
+              <a:rPr lang="en-US" altLang="ko-KR" sz="1200" dirty="0">
+                <a:latin typeface="+mn-ea"/>
+              </a:rPr>
+              <a:t> = [10,20,30,40]</a:t>
+            </a:r>
+          </a:p>
+          <a:p>
+            <a:pPr rtl="0">
+              <a:buNone/>
+            </a:pPr>
+            <a:r>
+              <a:rPr lang="en-US" altLang="ko-KR" sz="1200" dirty="0">
+                <a:latin typeface="+mn-ea"/>
+              </a:rPr>
+              <a:t>push 5  → </a:t>
+            </a:r>
+            <a:r>
+              <a:rPr lang="en-US" altLang="ko-KR" sz="1200" dirty="0" err="1">
+                <a:latin typeface="+mn-ea"/>
+              </a:rPr>
+              <a:t>dq</a:t>
+            </a:r>
+            <a:r>
+              <a:rPr lang="en-US" altLang="ko-KR" sz="1200" dirty="0">
+                <a:latin typeface="+mn-ea"/>
+              </a:rPr>
+              <a:t> = [5]   (40&gt;5 </a:t>
+            </a:r>
+            <a:r>
+              <a:rPr lang="ko-KR" altLang="en-US" sz="1200" dirty="0">
+                <a:latin typeface="+mn-ea"/>
+              </a:rPr>
+              <a:t>제거</a:t>
+            </a:r>
+            <a:r>
+              <a:rPr lang="en-US" altLang="ko-KR" sz="1200" dirty="0">
+                <a:latin typeface="+mn-ea"/>
+              </a:rPr>
+              <a:t>, 30&gt;5 </a:t>
+            </a:r>
+            <a:r>
+              <a:rPr lang="ko-KR" altLang="en-US" sz="1200" dirty="0">
+                <a:latin typeface="+mn-ea"/>
+              </a:rPr>
+              <a:t>제거</a:t>
+            </a:r>
+            <a:r>
+              <a:rPr lang="en-US" altLang="ko-KR" sz="1200" dirty="0">
+                <a:latin typeface="+mn-ea"/>
+              </a:rPr>
+              <a:t>, 20&gt;5 </a:t>
+            </a:r>
+            <a:r>
+              <a:rPr lang="ko-KR" altLang="en-US" sz="1200" dirty="0">
+                <a:latin typeface="+mn-ea"/>
+              </a:rPr>
+              <a:t>제거</a:t>
+            </a:r>
+            <a:r>
+              <a:rPr lang="en-US" altLang="ko-KR" sz="1200" dirty="0">
+                <a:latin typeface="+mn-ea"/>
+              </a:rPr>
+              <a:t>, 10&gt;5 </a:t>
+            </a:r>
+            <a:r>
+              <a:rPr lang="ko-KR" altLang="en-US" sz="1200" dirty="0">
+                <a:latin typeface="+mn-ea"/>
+              </a:rPr>
+              <a:t>제거</a:t>
+            </a:r>
+            <a:r>
+              <a:rPr lang="en-US" altLang="ko-KR" sz="1200" dirty="0">
+                <a:latin typeface="+mn-ea"/>
+              </a:rPr>
+              <a:t>)</a:t>
+            </a:r>
+          </a:p>
+        </p:txBody>
+      </p:sp>
+      <p:sp>
+        <p:nvSpPr>
+          <p:cNvPr id="29" name="TextBox 28">
+            <a:extLst>
+              <a:ext uri="{FF2B5EF4-FFF2-40B4-BE49-F238E27FC236}">
+                <a16:creationId xmlns:a16="http://schemas.microsoft.com/office/drawing/2014/main" id="{DADF6400-966E-E7DD-BC96-31DE1A2D94C5}"/>
+              </a:ext>
+            </a:extLst>
+          </p:cNvPr>
+          <p:cNvSpPr txBox="1"/>
+          <p:nvPr/>
+        </p:nvSpPr>
+        <p:spPr>
+          <a:xfrm>
+            <a:off x="6502400" y="5285802"/>
+            <a:ext cx="6156960" cy="830997"/>
+          </a:xfrm>
+          <a:prstGeom prst="rect">
+            <a:avLst/>
+          </a:prstGeom>
+          <a:noFill/>
+        </p:spPr>
+        <p:txBody>
+          <a:bodyPr wrap="square">
+            <a:spAutoFit/>
+          </a:bodyPr>
+          <a:lstStyle/>
+          <a:p>
+            <a:pPr>
+              <a:buNone/>
+            </a:pPr>
+            <a:r>
+              <a:rPr lang="ko-KR" altLang="en-US" sz="1200" b="1" dirty="0" err="1"/>
+              <a:t>시간복잡도</a:t>
+            </a:r>
+            <a:r>
+              <a:rPr lang="ko-KR" altLang="en-US" sz="1200" b="1" dirty="0"/>
+              <a:t> 관점</a:t>
+            </a:r>
+          </a:p>
+          <a:p>
+            <a:pPr>
+              <a:buFont typeface="Arial" panose="020B0604020202020204" pitchFamily="34" charset="0"/>
+              <a:buChar char="•"/>
+            </a:pPr>
+            <a:r>
+              <a:rPr lang="ko-KR" altLang="en-US" sz="1200" dirty="0"/>
+              <a:t>이렇게 </a:t>
+            </a:r>
+            <a:r>
+              <a:rPr lang="ko-KR" altLang="en-US" sz="1200" dirty="0" err="1"/>
+              <a:t>덱을</a:t>
+            </a:r>
+            <a:r>
+              <a:rPr lang="ko-KR" altLang="en-US" sz="1200" dirty="0"/>
+              <a:t> 싹 비워버리면 “엄청 많은 연산을 한 번에 하는 것처럼” 보임</a:t>
+            </a:r>
+            <a:endParaRPr lang="en-US" altLang="ko-KR" sz="1200" dirty="0"/>
+          </a:p>
+          <a:p>
+            <a:pPr>
+              <a:buFont typeface="Arial" panose="020B0604020202020204" pitchFamily="34" charset="0"/>
+              <a:buChar char="•"/>
+            </a:pPr>
+            <a:r>
+              <a:rPr lang="ko-KR" altLang="en-US" sz="1200" dirty="0"/>
+              <a:t>하지만 중요한 건</a:t>
+            </a:r>
+            <a:r>
+              <a:rPr lang="en-US" altLang="ko-KR" sz="1200" dirty="0"/>
+              <a:t>, </a:t>
+            </a:r>
+            <a:r>
+              <a:rPr lang="ko-KR" altLang="en-US" sz="1200" b="1" dirty="0" err="1"/>
+              <a:t>덱에</a:t>
+            </a:r>
+            <a:r>
+              <a:rPr lang="ko-KR" altLang="en-US" sz="1200" b="1" dirty="0"/>
+              <a:t> 들어온 각 원소는 최대 </a:t>
+            </a:r>
+            <a:r>
+              <a:rPr lang="en-US" altLang="ko-KR" sz="1200" b="1" dirty="0"/>
+              <a:t>1</a:t>
+            </a:r>
+            <a:r>
+              <a:rPr lang="ko-KR" altLang="en-US" sz="1200" b="1" dirty="0"/>
+              <a:t>번만 제거될 수 있다</a:t>
+            </a:r>
+            <a:endParaRPr lang="en-US" altLang="ko-KR" sz="1200" dirty="0"/>
+          </a:p>
+          <a:p>
+            <a:pPr>
+              <a:buFont typeface="Arial" panose="020B0604020202020204" pitchFamily="34" charset="0"/>
+              <a:buChar char="•"/>
+            </a:pPr>
+            <a:r>
+              <a:rPr lang="ko-KR" altLang="en-US" sz="1200" dirty="0"/>
+              <a:t>그래서 전체적으로는 여전히 </a:t>
+            </a:r>
+            <a:r>
+              <a:rPr lang="en-US" altLang="ko-KR" sz="1200" dirty="0"/>
+              <a:t>O(N)</a:t>
+            </a:r>
+            <a:r>
+              <a:rPr lang="ko-KR" altLang="en-US" sz="1200" dirty="0"/>
+              <a:t>이다</a:t>
+            </a:r>
+            <a:r>
+              <a:rPr lang="en-US" altLang="ko-KR" sz="1200" dirty="0"/>
+              <a:t>.</a:t>
+            </a:r>
           </a:p>
         </p:txBody>
       </p:sp>
     </p:spTree>
     <p:extLst>
       <p:ext uri="{BB962C8B-B14F-4D97-AF65-F5344CB8AC3E}">
-        <p14:creationId xmlns:p14="http://schemas.microsoft.com/office/powerpoint/2010/main" val="331035480"/>
+        <p14:creationId xmlns:p14="http://schemas.microsoft.com/office/powerpoint/2010/main" val="445021221"/>
       </p:ext>
     </p:extLst>
   </p:cSld>

--- a/Documents/배열 구간 처리 알고리즘.pptx
+++ b/Documents/배열 구간 처리 알고리즘.pptx
@@ -5570,6 +5570,21 @@
           </a:p>
           <a:p>
             <a:r>
+              <a:rPr lang="ko-KR" altLang="en-US" u="sng" dirty="0">
+                <a:solidFill>
+                  <a:srgbClr val="FF0000"/>
+                </a:solidFill>
+                <a:hlinkClick r:id="rId3">
+                  <a:extLst>
+                    <a:ext uri="{A12FA001-AC4F-418D-AE19-62706E023703}">
+                      <ahyp:hlinkClr xmlns:ahyp="http://schemas.microsoft.com/office/drawing/2018/hyperlinkcolor" val="tx"/>
+                    </a:ext>
+                  </a:extLst>
+                </a:hlinkClick>
+              </a:rPr>
+              <a:t>☆</a:t>
+            </a:r>
+            <a:r>
               <a:rPr lang="ko-KR" altLang="en-US" b="1" dirty="0">
                 <a:solidFill>
                   <a:srgbClr val="FF0000"/>
@@ -5608,13 +5623,13 @@
           <a:p>
             <a:r>
               <a:rPr lang="ko-KR" altLang="en-US" dirty="0">
-                <a:hlinkClick r:id="rId3"/>
+                <a:hlinkClick r:id="rId4"/>
               </a:rPr>
               <a:t>구간 합 구하기 </a:t>
             </a:r>
             <a:r>
               <a:rPr lang="en-US" altLang="ko-KR" dirty="0">
-                <a:hlinkClick r:id="rId3"/>
+                <a:hlinkClick r:id="rId4"/>
               </a:rPr>
               <a:t>5</a:t>
             </a:r>
@@ -5623,7 +5638,7 @@
           <a:p>
             <a:r>
               <a:rPr lang="ko-KR" altLang="en-US" dirty="0">
-                <a:hlinkClick r:id="rId4"/>
+                <a:hlinkClick r:id="rId5"/>
               </a:rPr>
               <a:t>나머지 합</a:t>
             </a:r>
@@ -5650,7 +5665,7 @@
         <p:spPr>
           <a:xfrm>
             <a:off x="4255248" y="2690336"/>
-            <a:ext cx="1651414" cy="1477328"/>
+            <a:ext cx="1882247" cy="1754326"/>
           </a:xfrm>
           <a:prstGeom prst="rect">
             <a:avLst/>
@@ -5675,13 +5690,13 @@
           <a:p>
             <a:r>
               <a:rPr lang="ko-KR" altLang="en-US" dirty="0">
-                <a:hlinkClick r:id="rId5" action="ppaction://hlinkfile"/>
+                <a:hlinkClick r:id="rId6"/>
               </a:rPr>
               <a:t>수들의 합 </a:t>
             </a:r>
             <a:r>
               <a:rPr lang="en-US" altLang="ko-KR" dirty="0">
-                <a:hlinkClick r:id="rId5" action="ppaction://hlinkfile"/>
+                <a:hlinkClick r:id="rId6"/>
               </a:rPr>
               <a:t>5</a:t>
             </a:r>
@@ -5690,7 +5705,7 @@
           <a:p>
             <a:r>
               <a:rPr lang="ko-KR" altLang="en-US" dirty="0">
-                <a:hlinkClick r:id="rId6"/>
+                <a:hlinkClick r:id="rId7"/>
               </a:rPr>
               <a:t>주몽</a:t>
             </a:r>
@@ -5698,11 +5713,11 @@
           </a:p>
           <a:p>
             <a:r>
-              <a:rPr lang="ko-KR" altLang="en-US" b="1" dirty="0">
+              <a:rPr lang="ko-KR" altLang="en-US" u="sng" dirty="0">
                 <a:solidFill>
                   <a:srgbClr val="FF0000"/>
                 </a:solidFill>
-                <a:hlinkClick r:id="rId7">
+                <a:hlinkClick r:id="rId3">
                   <a:extLst>
                     <a:ext uri="{A12FA001-AC4F-418D-AE19-62706E023703}">
                       <ahyp:hlinkClr xmlns:ahyp="http://schemas.microsoft.com/office/drawing/2018/hyperlinkcolor" val="tx"/>
@@ -5710,11 +5725,55 @@
                   </a:extLst>
                 </a:hlinkClick>
               </a:rPr>
-              <a:t>좋은수 구하기</a:t>
-            </a:r>
+              <a:t>☆</a:t>
+            </a:r>
+            <a:r>
+              <a:rPr lang="ko-KR" altLang="en-US" b="1" dirty="0" err="1">
+                <a:solidFill>
+                  <a:srgbClr val="FF0000"/>
+                </a:solidFill>
+                <a:hlinkClick r:id="rId8">
+                  <a:extLst>
+                    <a:ext uri="{A12FA001-AC4F-418D-AE19-62706E023703}">
+                      <ahyp:hlinkClr xmlns:ahyp="http://schemas.microsoft.com/office/drawing/2018/hyperlinkcolor" val="tx"/>
+                    </a:ext>
+                  </a:extLst>
+                </a:hlinkClick>
+              </a:rPr>
+              <a:t>좋은수</a:t>
+            </a:r>
+            <a:r>
+              <a:rPr lang="ko-KR" altLang="en-US" b="1" dirty="0">
+                <a:solidFill>
+                  <a:srgbClr val="FF0000"/>
+                </a:solidFill>
+                <a:hlinkClick r:id="rId8">
+                  <a:extLst>
+                    <a:ext uri="{A12FA001-AC4F-418D-AE19-62706E023703}">
+                      <ahyp:hlinkClr xmlns:ahyp="http://schemas.microsoft.com/office/drawing/2018/hyperlinkcolor" val="tx"/>
+                    </a:ext>
+                  </a:extLst>
+                </a:hlinkClick>
+              </a:rPr>
+              <a:t> 구하기</a:t>
+            </a:r>
+            <a:endParaRPr lang="ko-KR" altLang="en-US" u="sng" dirty="0">
+              <a:solidFill>
+                <a:srgbClr val="FF0000"/>
+              </a:solidFill>
+              <a:hlinkClick r:id="rId3">
+                <a:extLst>
+                  <a:ext uri="{A12FA001-AC4F-418D-AE19-62706E023703}">
+                    <ahyp:hlinkClr xmlns:ahyp="http://schemas.microsoft.com/office/drawing/2018/hyperlinkcolor" val="tx"/>
+                  </a:ext>
+                </a:extLst>
+              </a:hlinkClick>
+            </a:endParaRPr>
+          </a:p>
+          <a:p>
             <a:endParaRPr lang="ko-KR" altLang="en-US" b="1" dirty="0">
               <a:solidFill>
-                <a:srgbClr val="FF0000"/>
+                <a:srgbClr val="92D050"/>
               </a:solidFill>
             </a:endParaRPr>
           </a:p>
@@ -5734,7 +5793,7 @@
         </p:nvSpPr>
         <p:spPr>
           <a:xfrm>
-            <a:off x="7511670" y="2657792"/>
+            <a:off x="7323710" y="2648556"/>
             <a:ext cx="2755010" cy="1200329"/>
           </a:xfrm>
           <a:prstGeom prst="rect">
@@ -5760,25 +5819,40 @@
           <a:p>
             <a:r>
               <a:rPr lang="en-US" altLang="ko-KR" dirty="0">
-                <a:hlinkClick r:id="rId8"/>
+                <a:hlinkClick r:id="rId9"/>
               </a:rPr>
               <a:t>DNA</a:t>
             </a:r>
             <a:r>
               <a:rPr lang="ko-KR" altLang="en-US" dirty="0">
-                <a:hlinkClick r:id="rId8"/>
+                <a:hlinkClick r:id="rId9"/>
               </a:rPr>
               <a:t>비밀번호</a:t>
             </a:r>
             <a:endParaRPr lang="en-US" altLang="ko-KR" dirty="0"/>
           </a:p>
           <a:p>
+            <a:r>
+              <a:rPr lang="ko-KR" altLang="en-US" u="sng" dirty="0">
+                <a:solidFill>
+                  <a:srgbClr val="FF0000"/>
+                </a:solidFill>
+                <a:hlinkClick r:id="rId3">
+                  <a:extLst>
+                    <a:ext uri="{A12FA001-AC4F-418D-AE19-62706E023703}">
+                      <ahyp:hlinkClr xmlns:ahyp="http://schemas.microsoft.com/office/drawing/2018/hyperlinkcolor" val="tx"/>
+                    </a:ext>
+                  </a:extLst>
+                </a:hlinkClick>
+              </a:rPr>
+              <a:t>☆</a:t>
+            </a:r>
             <a:r>
               <a:rPr lang="ko-KR" altLang="en-US" b="1" dirty="0">
                 <a:solidFill>
                   <a:srgbClr val="FF0000"/>
                 </a:solidFill>
-                <a:hlinkClick r:id="rId9">
+                <a:hlinkClick r:id="rId10">
                   <a:extLst>
                     <a:ext uri="{A12FA001-AC4F-418D-AE19-62706E023703}">
                       <ahyp:hlinkClr xmlns:ahyp="http://schemas.microsoft.com/office/drawing/2018/hyperlinkcolor" val="tx"/>
